--- a/Power BI/Report.pptx
+++ b/Power BI/Report.pptx
@@ -5,23 +5,24 @@
     <p:sldMasterId id="2147483648" r:id="rId1"/>
   </p:sldMasterIdLst>
   <p:sldIdLst>
-    <p:sldId id="257" r:id="rId2"/>
-    <p:sldId id="256" r:id="rId3"/>
-    <p:sldId id="270" r:id="rId4"/>
-    <p:sldId id="262" r:id="rId5"/>
-    <p:sldId id="259" r:id="rId6"/>
-    <p:sldId id="260" r:id="rId7"/>
-    <p:sldId id="261" r:id="rId8"/>
-    <p:sldId id="263" r:id="rId9"/>
-    <p:sldId id="264" r:id="rId10"/>
-    <p:sldId id="269" r:id="rId11"/>
-    <p:sldId id="258" r:id="rId12"/>
-    <p:sldId id="265" r:id="rId13"/>
-    <p:sldId id="266" r:id="rId14"/>
-    <p:sldId id="268" r:id="rId15"/>
-    <p:sldId id="267" r:id="rId16"/>
-    <p:sldId id="271" r:id="rId17"/>
-    <p:sldId id="272" r:id="rId18"/>
+    <p:sldId id="273" r:id="rId2"/>
+    <p:sldId id="257" r:id="rId3"/>
+    <p:sldId id="256" r:id="rId4"/>
+    <p:sldId id="270" r:id="rId5"/>
+    <p:sldId id="262" r:id="rId6"/>
+    <p:sldId id="259" r:id="rId7"/>
+    <p:sldId id="260" r:id="rId8"/>
+    <p:sldId id="261" r:id="rId9"/>
+    <p:sldId id="263" r:id="rId10"/>
+    <p:sldId id="264" r:id="rId11"/>
+    <p:sldId id="269" r:id="rId12"/>
+    <p:sldId id="258" r:id="rId13"/>
+    <p:sldId id="265" r:id="rId14"/>
+    <p:sldId id="266" r:id="rId15"/>
+    <p:sldId id="268" r:id="rId16"/>
+    <p:sldId id="267" r:id="rId17"/>
+    <p:sldId id="271" r:id="rId18"/>
+    <p:sldId id="272" r:id="rId19"/>
   </p:sldIdLst>
   <p:sldSz cx="12192000" cy="6858000"/>
   <p:notesSz cx="6858000" cy="9144000"/>
@@ -275,7 +276,7 @@
           <a:p>
             <a:fld id="{0C8E2C5D-4430-42E4-8758-0B81F80A3D52}" type="datetimeFigureOut">
               <a:rPr lang="en-US" smtClean="0"/>
-              <a:t>9/8/2022</a:t>
+              <a:t>9/12/2022</a:t>
             </a:fld>
             <a:endParaRPr lang="en-US"/>
           </a:p>
@@ -473,7 +474,7 @@
           <a:p>
             <a:fld id="{0C8E2C5D-4430-42E4-8758-0B81F80A3D52}" type="datetimeFigureOut">
               <a:rPr lang="en-US" smtClean="0"/>
-              <a:t>9/8/2022</a:t>
+              <a:t>9/12/2022</a:t>
             </a:fld>
             <a:endParaRPr lang="en-US"/>
           </a:p>
@@ -681,7 +682,7 @@
           <a:p>
             <a:fld id="{0C8E2C5D-4430-42E4-8758-0B81F80A3D52}" type="datetimeFigureOut">
               <a:rPr lang="en-US" smtClean="0"/>
-              <a:t>9/8/2022</a:t>
+              <a:t>9/12/2022</a:t>
             </a:fld>
             <a:endParaRPr lang="en-US"/>
           </a:p>
@@ -879,7 +880,7 @@
           <a:p>
             <a:fld id="{0C8E2C5D-4430-42E4-8758-0B81F80A3D52}" type="datetimeFigureOut">
               <a:rPr lang="en-US" smtClean="0"/>
-              <a:t>9/8/2022</a:t>
+              <a:t>9/12/2022</a:t>
             </a:fld>
             <a:endParaRPr lang="en-US"/>
           </a:p>
@@ -1154,7 +1155,7 @@
           <a:p>
             <a:fld id="{0C8E2C5D-4430-42E4-8758-0B81F80A3D52}" type="datetimeFigureOut">
               <a:rPr lang="en-US" smtClean="0"/>
-              <a:t>9/8/2022</a:t>
+              <a:t>9/12/2022</a:t>
             </a:fld>
             <a:endParaRPr lang="en-US"/>
           </a:p>
@@ -1419,7 +1420,7 @@
           <a:p>
             <a:fld id="{0C8E2C5D-4430-42E4-8758-0B81F80A3D52}" type="datetimeFigureOut">
               <a:rPr lang="en-US" smtClean="0"/>
-              <a:t>9/8/2022</a:t>
+              <a:t>9/12/2022</a:t>
             </a:fld>
             <a:endParaRPr lang="en-US"/>
           </a:p>
@@ -1831,7 +1832,7 @@
           <a:p>
             <a:fld id="{0C8E2C5D-4430-42E4-8758-0B81F80A3D52}" type="datetimeFigureOut">
               <a:rPr lang="en-US" smtClean="0"/>
-              <a:t>9/8/2022</a:t>
+              <a:t>9/12/2022</a:t>
             </a:fld>
             <a:endParaRPr lang="en-US"/>
           </a:p>
@@ -1972,7 +1973,7 @@
           <a:p>
             <a:fld id="{0C8E2C5D-4430-42E4-8758-0B81F80A3D52}" type="datetimeFigureOut">
               <a:rPr lang="en-US" smtClean="0"/>
-              <a:t>9/8/2022</a:t>
+              <a:t>9/12/2022</a:t>
             </a:fld>
             <a:endParaRPr lang="en-US"/>
           </a:p>
@@ -2085,7 +2086,7 @@
           <a:p>
             <a:fld id="{0C8E2C5D-4430-42E4-8758-0B81F80A3D52}" type="datetimeFigureOut">
               <a:rPr lang="en-US" smtClean="0"/>
-              <a:t>9/8/2022</a:t>
+              <a:t>9/12/2022</a:t>
             </a:fld>
             <a:endParaRPr lang="en-US"/>
           </a:p>
@@ -2396,7 +2397,7 @@
           <a:p>
             <a:fld id="{0C8E2C5D-4430-42E4-8758-0B81F80A3D52}" type="datetimeFigureOut">
               <a:rPr lang="en-US" smtClean="0"/>
-              <a:t>9/8/2022</a:t>
+              <a:t>9/12/2022</a:t>
             </a:fld>
             <a:endParaRPr lang="en-US"/>
           </a:p>
@@ -2684,7 +2685,7 @@
           <a:p>
             <a:fld id="{0C8E2C5D-4430-42E4-8758-0B81F80A3D52}" type="datetimeFigureOut">
               <a:rPr lang="en-US" smtClean="0"/>
-              <a:t>9/8/2022</a:t>
+              <a:t>9/12/2022</a:t>
             </a:fld>
             <a:endParaRPr lang="en-US"/>
           </a:p>
@@ -2925,7 +2926,7 @@
           <a:p>
             <a:fld id="{0C8E2C5D-4430-42E4-8758-0B81F80A3D52}" type="datetimeFigureOut">
               <a:rPr lang="en-US" smtClean="0"/>
-              <a:t>9/8/2022</a:t>
+              <a:t>9/12/2022</a:t>
             </a:fld>
             <a:endParaRPr lang="en-US"/>
           </a:p>
@@ -3347,15 +3348,15 @@
           <p:cNvPr id="2" name="Title 1">
             <a:extLst>
               <a:ext uri="{FF2B5EF4-FFF2-40B4-BE49-F238E27FC236}">
-                <a16:creationId xmlns:a16="http://schemas.microsoft.com/office/drawing/2014/main" id="{6BB24CEF-EBE4-D0AE-BB8D-49DE581BA607}"/>
-              </a:ext>
-            </a:extLst>
-          </p:cNvPr>
-          <p:cNvSpPr>
-            <a:spLocks noGrp="1"/>
-          </p:cNvSpPr>
-          <p:nvPr>
-            <p:ph type="title"/>
+                <a16:creationId xmlns:a16="http://schemas.microsoft.com/office/drawing/2014/main" id="{9EF1FD2C-B1CC-342F-E791-EB34A9EDD7B6}"/>
+              </a:ext>
+            </a:extLst>
+          </p:cNvPr>
+          <p:cNvSpPr>
+            <a:spLocks noGrp="1"/>
+          </p:cNvSpPr>
+          <p:nvPr>
+            <p:ph type="ctrTitle"/>
           </p:nvPr>
         </p:nvSpPr>
         <p:spPr/>
@@ -3363,1045 +3364,39 @@
           <a:bodyPr/>
           <a:lstStyle/>
           <a:p>
-            <a:r>
-              <a:rPr lang="en-US" dirty="0" err="1"/>
-              <a:t>Diễn</a:t>
-            </a:r>
-            <a:r>
-              <a:rPr lang="en-US" dirty="0"/>
-              <a:t> </a:t>
-            </a:r>
-            <a:r>
-              <a:rPr lang="en-US" dirty="0" err="1"/>
-              <a:t>giải</a:t>
-            </a:r>
-            <a:r>
-              <a:rPr lang="en-US" dirty="0"/>
-              <a:t> </a:t>
-            </a:r>
-            <a:r>
-              <a:rPr lang="en-US" dirty="0" err="1"/>
-              <a:t>chung</a:t>
-            </a:r>
-            <a:endParaRPr lang="en-US" dirty="0"/>
-          </a:p>
-        </p:txBody>
-      </p:sp>
-      <p:sp>
-        <p:nvSpPr>
-          <p:cNvPr id="3" name="Content Placeholder 2">
-            <a:extLst>
-              <a:ext uri="{FF2B5EF4-FFF2-40B4-BE49-F238E27FC236}">
-                <a16:creationId xmlns:a16="http://schemas.microsoft.com/office/drawing/2014/main" id="{A36C5B96-444B-6BB0-C4CD-C78622C07EE7}"/>
-              </a:ext>
-            </a:extLst>
-          </p:cNvPr>
-          <p:cNvSpPr>
-            <a:spLocks noGrp="1"/>
-          </p:cNvSpPr>
-          <p:nvPr>
-            <p:ph idx="1"/>
-          </p:nvPr>
-        </p:nvSpPr>
-        <p:spPr>
-          <a:xfrm>
-            <a:off x="838199" y="1825625"/>
-            <a:ext cx="11062447" cy="4238999"/>
-          </a:xfrm>
-        </p:spPr>
-        <p:txBody>
-          <a:bodyPr>
-            <a:normAutofit fontScale="77500" lnSpcReduction="20000"/>
-          </a:bodyPr>
+            <a:endParaRPr lang="en-US"/>
+          </a:p>
+        </p:txBody>
+      </p:sp>
+      <p:sp>
+        <p:nvSpPr>
+          <p:cNvPr id="3" name="Subtitle 2">
+            <a:extLst>
+              <a:ext uri="{FF2B5EF4-FFF2-40B4-BE49-F238E27FC236}">
+                <a16:creationId xmlns:a16="http://schemas.microsoft.com/office/drawing/2014/main" id="{813EA43C-5C14-5433-0BEC-F20F32BD875F}"/>
+              </a:ext>
+            </a:extLst>
+          </p:cNvPr>
+          <p:cNvSpPr>
+            <a:spLocks noGrp="1"/>
+          </p:cNvSpPr>
+          <p:nvPr>
+            <p:ph type="subTitle" idx="1"/>
+          </p:nvPr>
+        </p:nvSpPr>
+        <p:spPr/>
+        <p:txBody>
+          <a:bodyPr/>
           <a:lstStyle/>
           <a:p>
-            <a:pPr>
-              <a:lnSpc>
-                <a:spcPct val="150000"/>
-              </a:lnSpc>
-            </a:pPr>
-            <a:r>
-              <a:rPr lang="en-US" sz="2000" dirty="0" err="1">
-                <a:latin typeface="Arial" panose="020B0604020202020204" pitchFamily="34" charset="0"/>
-                <a:cs typeface="Arial" panose="020B0604020202020204" pitchFamily="34" charset="0"/>
-              </a:rPr>
-              <a:t>Tổng</a:t>
-            </a:r>
-            <a:r>
-              <a:rPr lang="en-US" sz="2000" dirty="0">
-                <a:latin typeface="Arial" panose="020B0604020202020204" pitchFamily="34" charset="0"/>
-                <a:cs typeface="Arial" panose="020B0604020202020204" pitchFamily="34" charset="0"/>
-              </a:rPr>
-              <a:t> </a:t>
-            </a:r>
-            <a:r>
-              <a:rPr lang="en-US" sz="2000" dirty="0" err="1">
-                <a:latin typeface="Arial" panose="020B0604020202020204" pitchFamily="34" charset="0"/>
-                <a:cs typeface="Arial" panose="020B0604020202020204" pitchFamily="34" charset="0"/>
-              </a:rPr>
-              <a:t>doanh</a:t>
-            </a:r>
-            <a:r>
-              <a:rPr lang="en-US" sz="2000" dirty="0">
-                <a:latin typeface="Arial" panose="020B0604020202020204" pitchFamily="34" charset="0"/>
-                <a:cs typeface="Arial" panose="020B0604020202020204" pitchFamily="34" charset="0"/>
-              </a:rPr>
-              <a:t> </a:t>
-            </a:r>
-            <a:r>
-              <a:rPr lang="en-US" sz="2000" dirty="0" err="1">
-                <a:latin typeface="Arial" panose="020B0604020202020204" pitchFamily="34" charset="0"/>
-                <a:cs typeface="Arial" panose="020B0604020202020204" pitchFamily="34" charset="0"/>
-              </a:rPr>
-              <a:t>số</a:t>
-            </a:r>
-            <a:r>
-              <a:rPr lang="en-US" sz="2000" dirty="0">
-                <a:latin typeface="Arial" panose="020B0604020202020204" pitchFamily="34" charset="0"/>
-                <a:cs typeface="Arial" panose="020B0604020202020204" pitchFamily="34" charset="0"/>
-              </a:rPr>
-              <a:t> </a:t>
-            </a:r>
-            <a:r>
-              <a:rPr lang="en-US" sz="2000" dirty="0" err="1">
-                <a:latin typeface="Arial" panose="020B0604020202020204" pitchFamily="34" charset="0"/>
-                <a:cs typeface="Arial" panose="020B0604020202020204" pitchFamily="34" charset="0"/>
-              </a:rPr>
-              <a:t>bán</a:t>
-            </a:r>
-            <a:r>
-              <a:rPr lang="en-US" sz="2000" dirty="0">
-                <a:latin typeface="Arial" panose="020B0604020202020204" pitchFamily="34" charset="0"/>
-                <a:cs typeface="Arial" panose="020B0604020202020204" pitchFamily="34" charset="0"/>
-              </a:rPr>
-              <a:t> hang 2022 (03/01-31/08) </a:t>
-            </a:r>
-            <a:r>
-              <a:rPr lang="en-US" sz="2000" dirty="0" err="1">
-                <a:latin typeface="Arial" panose="020B0604020202020204" pitchFamily="34" charset="0"/>
-                <a:cs typeface="Arial" panose="020B0604020202020204" pitchFamily="34" charset="0"/>
-              </a:rPr>
-              <a:t>là</a:t>
-            </a:r>
-            <a:r>
-              <a:rPr lang="en-US" sz="2000" dirty="0">
-                <a:latin typeface="Arial" panose="020B0604020202020204" pitchFamily="34" charset="0"/>
-                <a:cs typeface="Arial" panose="020B0604020202020204" pitchFamily="34" charset="0"/>
-              </a:rPr>
-              <a:t> </a:t>
-            </a:r>
-            <a:r>
-              <a:rPr lang="en-US" sz="2000" b="1" dirty="0">
-                <a:solidFill>
-                  <a:srgbClr val="FF0000"/>
-                </a:solidFill>
-                <a:latin typeface="Arial" panose="020B0604020202020204" pitchFamily="34" charset="0"/>
-                <a:cs typeface="Arial" panose="020B0604020202020204" pitchFamily="34" charset="0"/>
-              </a:rPr>
-              <a:t>59,75 </a:t>
-            </a:r>
-            <a:r>
-              <a:rPr lang="en-US" sz="2000" b="1" dirty="0" err="1">
-                <a:solidFill>
-                  <a:srgbClr val="FF0000"/>
-                </a:solidFill>
-                <a:latin typeface="Arial" panose="020B0604020202020204" pitchFamily="34" charset="0"/>
-                <a:cs typeface="Arial" panose="020B0604020202020204" pitchFamily="34" charset="0"/>
-              </a:rPr>
-              <a:t>tỷ</a:t>
-            </a:r>
-            <a:r>
-              <a:rPr lang="en-US" sz="2000" b="1" dirty="0">
-                <a:solidFill>
-                  <a:srgbClr val="FF0000"/>
-                </a:solidFill>
-                <a:latin typeface="Arial" panose="020B0604020202020204" pitchFamily="34" charset="0"/>
-                <a:cs typeface="Arial" panose="020B0604020202020204" pitchFamily="34" charset="0"/>
-              </a:rPr>
-              <a:t> </a:t>
-            </a:r>
-            <a:r>
-              <a:rPr lang="en-US" sz="2000" b="1" dirty="0" err="1">
-                <a:solidFill>
-                  <a:srgbClr val="FF0000"/>
-                </a:solidFill>
-                <a:latin typeface="Arial" panose="020B0604020202020204" pitchFamily="34" charset="0"/>
-                <a:cs typeface="Arial" panose="020B0604020202020204" pitchFamily="34" charset="0"/>
-              </a:rPr>
-              <a:t>đồng</a:t>
-            </a:r>
-            <a:r>
-              <a:rPr lang="en-US" sz="2000" b="1" dirty="0">
-                <a:solidFill>
-                  <a:srgbClr val="FF0000"/>
-                </a:solidFill>
-                <a:latin typeface="Arial" panose="020B0604020202020204" pitchFamily="34" charset="0"/>
-                <a:cs typeface="Arial" panose="020B0604020202020204" pitchFamily="34" charset="0"/>
-              </a:rPr>
-              <a:t>; </a:t>
-            </a:r>
-            <a:r>
-              <a:rPr lang="en-US" sz="2000" dirty="0" err="1">
-                <a:latin typeface="Arial" panose="020B0604020202020204" pitchFamily="34" charset="0"/>
-                <a:cs typeface="Arial" panose="020B0604020202020204" pitchFamily="34" charset="0"/>
-              </a:rPr>
-              <a:t>trung</a:t>
-            </a:r>
-            <a:r>
-              <a:rPr lang="en-US" sz="2000" dirty="0">
-                <a:latin typeface="Arial" panose="020B0604020202020204" pitchFamily="34" charset="0"/>
-                <a:cs typeface="Arial" panose="020B0604020202020204" pitchFamily="34" charset="0"/>
-              </a:rPr>
-              <a:t> </a:t>
-            </a:r>
-            <a:r>
-              <a:rPr lang="en-US" sz="2000" dirty="0" err="1">
-                <a:latin typeface="Arial" panose="020B0604020202020204" pitchFamily="34" charset="0"/>
-                <a:cs typeface="Arial" panose="020B0604020202020204" pitchFamily="34" charset="0"/>
-              </a:rPr>
-              <a:t>bình</a:t>
-            </a:r>
-            <a:r>
-              <a:rPr lang="en-US" sz="2000" dirty="0">
-                <a:latin typeface="Arial" panose="020B0604020202020204" pitchFamily="34" charset="0"/>
-                <a:cs typeface="Arial" panose="020B0604020202020204" pitchFamily="34" charset="0"/>
-              </a:rPr>
-              <a:t> </a:t>
-            </a:r>
-            <a:r>
-              <a:rPr lang="en-US" sz="2000" dirty="0" err="1">
-                <a:latin typeface="Arial" panose="020B0604020202020204" pitchFamily="34" charset="0"/>
-                <a:cs typeface="Arial" panose="020B0604020202020204" pitchFamily="34" charset="0"/>
-              </a:rPr>
-              <a:t>hàng</a:t>
-            </a:r>
-            <a:r>
-              <a:rPr lang="en-US" sz="2000" dirty="0">
-                <a:latin typeface="Arial" panose="020B0604020202020204" pitchFamily="34" charset="0"/>
-                <a:cs typeface="Arial" panose="020B0604020202020204" pitchFamily="34" charset="0"/>
-              </a:rPr>
-              <a:t> </a:t>
-            </a:r>
-            <a:r>
-              <a:rPr lang="en-US" sz="2000" dirty="0" err="1">
-                <a:latin typeface="Arial" panose="020B0604020202020204" pitchFamily="34" charset="0"/>
-                <a:cs typeface="Arial" panose="020B0604020202020204" pitchFamily="34" charset="0"/>
-              </a:rPr>
-              <a:t>tháng</a:t>
-            </a:r>
-            <a:r>
-              <a:rPr lang="en-US" sz="2000" dirty="0">
-                <a:latin typeface="Arial" panose="020B0604020202020204" pitchFamily="34" charset="0"/>
-                <a:cs typeface="Arial" panose="020B0604020202020204" pitchFamily="34" charset="0"/>
-              </a:rPr>
-              <a:t> </a:t>
-            </a:r>
-            <a:r>
-              <a:rPr lang="en-US" sz="2000" dirty="0" err="1">
-                <a:latin typeface="Arial" panose="020B0604020202020204" pitchFamily="34" charset="0"/>
-                <a:cs typeface="Arial" panose="020B0604020202020204" pitchFamily="34" charset="0"/>
-              </a:rPr>
-              <a:t>có</a:t>
-            </a:r>
-            <a:r>
-              <a:rPr lang="en-US" sz="2000" dirty="0">
-                <a:latin typeface="Arial" panose="020B0604020202020204" pitchFamily="34" charset="0"/>
-                <a:cs typeface="Arial" panose="020B0604020202020204" pitchFamily="34" charset="0"/>
-              </a:rPr>
-              <a:t> </a:t>
-            </a:r>
-            <a:r>
-              <a:rPr lang="en-US" sz="2000" dirty="0" err="1">
-                <a:latin typeface="Arial" panose="020B0604020202020204" pitchFamily="34" charset="0"/>
-                <a:cs typeface="Arial" panose="020B0604020202020204" pitchFamily="34" charset="0"/>
-              </a:rPr>
-              <a:t>doanh</a:t>
-            </a:r>
-            <a:r>
-              <a:rPr lang="en-US" sz="2000" dirty="0">
-                <a:latin typeface="Arial" panose="020B0604020202020204" pitchFamily="34" charset="0"/>
-                <a:cs typeface="Arial" panose="020B0604020202020204" pitchFamily="34" charset="0"/>
-              </a:rPr>
-              <a:t> </a:t>
-            </a:r>
-            <a:r>
-              <a:rPr lang="en-US" sz="2000" dirty="0" err="1">
-                <a:latin typeface="Arial" panose="020B0604020202020204" pitchFamily="34" charset="0"/>
-                <a:cs typeface="Arial" panose="020B0604020202020204" pitchFamily="34" charset="0"/>
-              </a:rPr>
-              <a:t>số</a:t>
-            </a:r>
-            <a:r>
-              <a:rPr lang="en-US" sz="2000" dirty="0">
-                <a:latin typeface="Arial" panose="020B0604020202020204" pitchFamily="34" charset="0"/>
-                <a:cs typeface="Arial" panose="020B0604020202020204" pitchFamily="34" charset="0"/>
-              </a:rPr>
-              <a:t>: </a:t>
-            </a:r>
-            <a:r>
-              <a:rPr lang="en-US" sz="2000" b="1" dirty="0">
-                <a:solidFill>
-                  <a:srgbClr val="FF0000"/>
-                </a:solidFill>
-                <a:latin typeface="Arial" panose="020B0604020202020204" pitchFamily="34" charset="0"/>
-                <a:cs typeface="Arial" panose="020B0604020202020204" pitchFamily="34" charset="0"/>
-              </a:rPr>
-              <a:t>7.5 </a:t>
-            </a:r>
-            <a:r>
-              <a:rPr lang="en-US" sz="2000" b="1" dirty="0" err="1">
-                <a:solidFill>
-                  <a:srgbClr val="FF0000"/>
-                </a:solidFill>
-                <a:latin typeface="Arial" panose="020B0604020202020204" pitchFamily="34" charset="0"/>
-                <a:cs typeface="Arial" panose="020B0604020202020204" pitchFamily="34" charset="0"/>
-              </a:rPr>
-              <a:t>tỷ</a:t>
-            </a:r>
-            <a:r>
-              <a:rPr lang="en-US" sz="2000" b="1" dirty="0">
-                <a:solidFill>
-                  <a:srgbClr val="FF0000"/>
-                </a:solidFill>
-                <a:latin typeface="Arial" panose="020B0604020202020204" pitchFamily="34" charset="0"/>
-                <a:cs typeface="Arial" panose="020B0604020202020204" pitchFamily="34" charset="0"/>
-              </a:rPr>
-              <a:t> </a:t>
-            </a:r>
-            <a:r>
-              <a:rPr lang="en-US" sz="2000" b="1" dirty="0" err="1">
-                <a:solidFill>
-                  <a:srgbClr val="FF0000"/>
-                </a:solidFill>
-                <a:latin typeface="Arial" panose="020B0604020202020204" pitchFamily="34" charset="0"/>
-                <a:cs typeface="Arial" panose="020B0604020202020204" pitchFamily="34" charset="0"/>
-              </a:rPr>
-              <a:t>đồng</a:t>
-            </a:r>
-            <a:r>
-              <a:rPr lang="en-US" sz="2000" dirty="0">
-                <a:latin typeface="Arial" panose="020B0604020202020204" pitchFamily="34" charset="0"/>
-                <a:cs typeface="Arial" panose="020B0604020202020204" pitchFamily="34" charset="0"/>
-              </a:rPr>
-              <a:t>. </a:t>
-            </a:r>
-          </a:p>
-          <a:p>
-            <a:pPr>
-              <a:lnSpc>
-                <a:spcPct val="150000"/>
-              </a:lnSpc>
-            </a:pPr>
-            <a:r>
-              <a:rPr lang="en-US" sz="2000" dirty="0" err="1">
-                <a:latin typeface="Arial" panose="020B0604020202020204" pitchFamily="34" charset="0"/>
-                <a:cs typeface="Arial" panose="020B0604020202020204" pitchFamily="34" charset="0"/>
-              </a:rPr>
-              <a:t>Trong</a:t>
-            </a:r>
-            <a:r>
-              <a:rPr lang="en-US" sz="2000" dirty="0">
-                <a:latin typeface="Arial" panose="020B0604020202020204" pitchFamily="34" charset="0"/>
-                <a:cs typeface="Arial" panose="020B0604020202020204" pitchFamily="34" charset="0"/>
-              </a:rPr>
-              <a:t> </a:t>
-            </a:r>
-            <a:r>
-              <a:rPr lang="en-US" sz="2000" dirty="0" err="1">
-                <a:latin typeface="Arial" panose="020B0604020202020204" pitchFamily="34" charset="0"/>
-                <a:cs typeface="Arial" panose="020B0604020202020204" pitchFamily="34" charset="0"/>
-              </a:rPr>
-              <a:t>đó</a:t>
-            </a:r>
-            <a:r>
-              <a:rPr lang="en-US" sz="2000" dirty="0">
-                <a:latin typeface="Arial" panose="020B0604020202020204" pitchFamily="34" charset="0"/>
-                <a:cs typeface="Arial" panose="020B0604020202020204" pitchFamily="34" charset="0"/>
-              </a:rPr>
-              <a:t> </a:t>
-            </a:r>
-            <a:r>
-              <a:rPr lang="en-US" sz="2000" dirty="0" err="1">
-                <a:latin typeface="Arial" panose="020B0604020202020204" pitchFamily="34" charset="0"/>
-                <a:cs typeface="Arial" panose="020B0604020202020204" pitchFamily="34" charset="0"/>
-              </a:rPr>
-              <a:t>đóng</a:t>
-            </a:r>
-            <a:r>
-              <a:rPr lang="en-US" sz="2000" dirty="0">
-                <a:latin typeface="Arial" panose="020B0604020202020204" pitchFamily="34" charset="0"/>
-                <a:cs typeface="Arial" panose="020B0604020202020204" pitchFamily="34" charset="0"/>
-              </a:rPr>
-              <a:t> </a:t>
-            </a:r>
-            <a:r>
-              <a:rPr lang="en-US" sz="2000" dirty="0" err="1">
-                <a:latin typeface="Arial" panose="020B0604020202020204" pitchFamily="34" charset="0"/>
-                <a:cs typeface="Arial" panose="020B0604020202020204" pitchFamily="34" charset="0"/>
-              </a:rPr>
-              <a:t>góp</a:t>
-            </a:r>
-            <a:r>
-              <a:rPr lang="en-US" sz="2000" dirty="0">
-                <a:latin typeface="Arial" panose="020B0604020202020204" pitchFamily="34" charset="0"/>
-                <a:cs typeface="Arial" panose="020B0604020202020204" pitchFamily="34" charset="0"/>
-              </a:rPr>
-              <a:t> </a:t>
-            </a:r>
-            <a:r>
-              <a:rPr lang="en-US" sz="2000" dirty="0" err="1">
-                <a:latin typeface="Arial" panose="020B0604020202020204" pitchFamily="34" charset="0"/>
-                <a:cs typeface="Arial" panose="020B0604020202020204" pitchFamily="34" charset="0"/>
-              </a:rPr>
-              <a:t>doanh</a:t>
-            </a:r>
-            <a:r>
-              <a:rPr lang="en-US" sz="2000" dirty="0">
-                <a:latin typeface="Arial" panose="020B0604020202020204" pitchFamily="34" charset="0"/>
-                <a:cs typeface="Arial" panose="020B0604020202020204" pitchFamily="34" charset="0"/>
-              </a:rPr>
-              <a:t> </a:t>
-            </a:r>
-            <a:r>
-              <a:rPr lang="en-US" sz="2000" dirty="0" err="1">
-                <a:latin typeface="Arial" panose="020B0604020202020204" pitchFamily="34" charset="0"/>
-                <a:cs typeface="Arial" panose="020B0604020202020204" pitchFamily="34" charset="0"/>
-              </a:rPr>
-              <a:t>thu</a:t>
-            </a:r>
-            <a:r>
-              <a:rPr lang="en-US" sz="2000" dirty="0">
-                <a:latin typeface="Arial" panose="020B0604020202020204" pitchFamily="34" charset="0"/>
-                <a:cs typeface="Arial" panose="020B0604020202020204" pitchFamily="34" charset="0"/>
-              </a:rPr>
-              <a:t> </a:t>
-            </a:r>
-            <a:r>
-              <a:rPr lang="en-US" sz="2000" dirty="0" err="1">
-                <a:latin typeface="Arial" panose="020B0604020202020204" pitchFamily="34" charset="0"/>
-                <a:cs typeface="Arial" panose="020B0604020202020204" pitchFamily="34" charset="0"/>
-              </a:rPr>
-              <a:t>hàng</a:t>
-            </a:r>
-            <a:r>
-              <a:rPr lang="en-US" sz="2000" dirty="0">
-                <a:latin typeface="Arial" panose="020B0604020202020204" pitchFamily="34" charset="0"/>
-                <a:cs typeface="Arial" panose="020B0604020202020204" pitchFamily="34" charset="0"/>
-              </a:rPr>
-              <a:t> </a:t>
-            </a:r>
-            <a:r>
-              <a:rPr lang="en-US" sz="2000" dirty="0" err="1">
-                <a:latin typeface="Arial" panose="020B0604020202020204" pitchFamily="34" charset="0"/>
-                <a:cs typeface="Arial" panose="020B0604020202020204" pitchFamily="34" charset="0"/>
-              </a:rPr>
-              <a:t>đầu</a:t>
-            </a:r>
-            <a:r>
-              <a:rPr lang="en-US" sz="2000" dirty="0">
-                <a:latin typeface="Arial" panose="020B0604020202020204" pitchFamily="34" charset="0"/>
-                <a:cs typeface="Arial" panose="020B0604020202020204" pitchFamily="34" charset="0"/>
-              </a:rPr>
-              <a:t> </a:t>
-            </a:r>
-            <a:r>
-              <a:rPr lang="en-US" sz="2000" dirty="0" err="1">
-                <a:latin typeface="Arial" panose="020B0604020202020204" pitchFamily="34" charset="0"/>
-                <a:cs typeface="Arial" panose="020B0604020202020204" pitchFamily="34" charset="0"/>
-              </a:rPr>
-              <a:t>là</a:t>
-            </a:r>
-            <a:endParaRPr lang="en-US" sz="2000" dirty="0">
-              <a:latin typeface="Arial" panose="020B0604020202020204" pitchFamily="34" charset="0"/>
-              <a:cs typeface="Arial" panose="020B0604020202020204" pitchFamily="34" charset="0"/>
-            </a:endParaRPr>
-          </a:p>
-          <a:p>
-            <a:pPr lvl="1">
-              <a:lnSpc>
-                <a:spcPct val="150000"/>
-              </a:lnSpc>
-            </a:pPr>
-            <a:r>
-              <a:rPr lang="en-US" sz="2000" dirty="0">
-                <a:latin typeface="Arial" panose="020B0604020202020204" pitchFamily="34" charset="0"/>
-                <a:cs typeface="Arial" panose="020B0604020202020204" pitchFamily="34" charset="0"/>
-              </a:rPr>
-              <a:t>Quang </a:t>
-            </a:r>
-            <a:r>
-              <a:rPr lang="en-US" sz="2000" dirty="0" err="1">
-                <a:latin typeface="Arial" panose="020B0604020202020204" pitchFamily="34" charset="0"/>
-                <a:cs typeface="Arial" panose="020B0604020202020204" pitchFamily="34" charset="0"/>
-              </a:rPr>
-              <a:t>Sài</a:t>
-            </a:r>
-            <a:r>
-              <a:rPr lang="en-US" sz="2000" dirty="0">
-                <a:latin typeface="Arial" panose="020B0604020202020204" pitchFamily="34" charset="0"/>
-                <a:cs typeface="Arial" panose="020B0604020202020204" pitchFamily="34" charset="0"/>
-              </a:rPr>
-              <a:t> </a:t>
-            </a:r>
-            <a:r>
-              <a:rPr lang="en-US" sz="2000" dirty="0" err="1">
-                <a:latin typeface="Arial" panose="020B0604020202020204" pitchFamily="34" charset="0"/>
-                <a:cs typeface="Arial" panose="020B0604020202020204" pitchFamily="34" charset="0"/>
-              </a:rPr>
-              <a:t>Gòn</a:t>
-            </a:r>
-            <a:endParaRPr lang="en-US" sz="2000" dirty="0">
-              <a:latin typeface="Arial" panose="020B0604020202020204" pitchFamily="34" charset="0"/>
-              <a:cs typeface="Arial" panose="020B0604020202020204" pitchFamily="34" charset="0"/>
-            </a:endParaRPr>
-          </a:p>
-          <a:p>
-            <a:pPr lvl="1">
-              <a:lnSpc>
-                <a:spcPct val="150000"/>
-              </a:lnSpc>
-            </a:pPr>
-            <a:r>
-              <a:rPr lang="en-US" sz="2000" dirty="0" err="1">
-                <a:latin typeface="Arial" panose="020B0604020202020204" pitchFamily="34" charset="0"/>
-                <a:cs typeface="Arial" panose="020B0604020202020204" pitchFamily="34" charset="0"/>
-              </a:rPr>
-              <a:t>Kiệt</a:t>
-            </a:r>
-            <a:r>
-              <a:rPr lang="en-US" sz="2000" dirty="0">
-                <a:latin typeface="Arial" panose="020B0604020202020204" pitchFamily="34" charset="0"/>
-                <a:cs typeface="Arial" panose="020B0604020202020204" pitchFamily="34" charset="0"/>
-              </a:rPr>
-              <a:t> </a:t>
-            </a:r>
-            <a:r>
-              <a:rPr lang="en-US" sz="2000" dirty="0" err="1">
-                <a:latin typeface="Arial" panose="020B0604020202020204" pitchFamily="34" charset="0"/>
-                <a:cs typeface="Arial" panose="020B0604020202020204" pitchFamily="34" charset="0"/>
-              </a:rPr>
-              <a:t>Chú</a:t>
-            </a:r>
-            <a:r>
-              <a:rPr lang="en-US" sz="2000" dirty="0">
-                <a:latin typeface="Arial" panose="020B0604020202020204" pitchFamily="34" charset="0"/>
-                <a:cs typeface="Arial" panose="020B0604020202020204" pitchFamily="34" charset="0"/>
-              </a:rPr>
-              <a:t> </a:t>
-            </a:r>
-            <a:r>
-              <a:rPr lang="en-US" sz="2000" dirty="0" err="1">
-                <a:latin typeface="Arial" panose="020B0604020202020204" pitchFamily="34" charset="0"/>
-                <a:cs typeface="Arial" panose="020B0604020202020204" pitchFamily="34" charset="0"/>
-              </a:rPr>
-              <a:t>Bá</a:t>
-            </a:r>
-            <a:endParaRPr lang="en-US" sz="2000" dirty="0">
-              <a:latin typeface="Arial" panose="020B0604020202020204" pitchFamily="34" charset="0"/>
-              <a:cs typeface="Arial" panose="020B0604020202020204" pitchFamily="34" charset="0"/>
-            </a:endParaRPr>
-          </a:p>
-          <a:p>
-            <a:pPr lvl="1">
-              <a:lnSpc>
-                <a:spcPct val="150000"/>
-              </a:lnSpc>
-            </a:pPr>
-            <a:r>
-              <a:rPr lang="en-US" sz="2000" dirty="0">
-                <a:latin typeface="Arial" panose="020B0604020202020204" pitchFamily="34" charset="0"/>
-                <a:cs typeface="Arial" panose="020B0604020202020204" pitchFamily="34" charset="0"/>
-              </a:rPr>
-              <a:t>CHCT-Anh </a:t>
-            </a:r>
-            <a:r>
-              <a:rPr lang="en-US" sz="2000" dirty="0" err="1">
-                <a:latin typeface="Arial" panose="020B0604020202020204" pitchFamily="34" charset="0"/>
-                <a:cs typeface="Arial" panose="020B0604020202020204" pitchFamily="34" charset="0"/>
-              </a:rPr>
-              <a:t>Hiền</a:t>
-            </a:r>
-            <a:endParaRPr lang="en-US" sz="2000" dirty="0">
-              <a:latin typeface="Arial" panose="020B0604020202020204" pitchFamily="34" charset="0"/>
-              <a:cs typeface="Arial" panose="020B0604020202020204" pitchFamily="34" charset="0"/>
-            </a:endParaRPr>
-          </a:p>
-          <a:p>
-            <a:pPr>
-              <a:lnSpc>
-                <a:spcPct val="150000"/>
-              </a:lnSpc>
-            </a:pPr>
-            <a:r>
-              <a:rPr lang="en-US" sz="2000" dirty="0" err="1">
-                <a:latin typeface="Arial" panose="020B0604020202020204" pitchFamily="34" charset="0"/>
-                <a:cs typeface="Arial" panose="020B0604020202020204" pitchFamily="34" charset="0"/>
-              </a:rPr>
-              <a:t>Tháng</a:t>
-            </a:r>
-            <a:r>
-              <a:rPr lang="en-US" sz="2000" dirty="0">
-                <a:latin typeface="Arial" panose="020B0604020202020204" pitchFamily="34" charset="0"/>
-                <a:cs typeface="Arial" panose="020B0604020202020204" pitchFamily="34" charset="0"/>
-              </a:rPr>
-              <a:t> 2, 3, 5, 7 </a:t>
-            </a:r>
-            <a:r>
-              <a:rPr lang="en-US" sz="2000" dirty="0" err="1">
-                <a:latin typeface="Arial" panose="020B0604020202020204" pitchFamily="34" charset="0"/>
-                <a:cs typeface="Arial" panose="020B0604020202020204" pitchFamily="34" charset="0"/>
-              </a:rPr>
-              <a:t>là</a:t>
-            </a:r>
-            <a:r>
-              <a:rPr lang="en-US" sz="2000" dirty="0">
-                <a:latin typeface="Arial" panose="020B0604020202020204" pitchFamily="34" charset="0"/>
-                <a:cs typeface="Arial" panose="020B0604020202020204" pitchFamily="34" charset="0"/>
-              </a:rPr>
-              <a:t> </a:t>
-            </a:r>
-            <a:r>
-              <a:rPr lang="en-US" sz="2000" dirty="0" err="1">
-                <a:latin typeface="Arial" panose="020B0604020202020204" pitchFamily="34" charset="0"/>
-                <a:cs typeface="Arial" panose="020B0604020202020204" pitchFamily="34" charset="0"/>
-              </a:rPr>
-              <a:t>các</a:t>
-            </a:r>
-            <a:r>
-              <a:rPr lang="en-US" sz="2000" dirty="0">
-                <a:latin typeface="Arial" panose="020B0604020202020204" pitchFamily="34" charset="0"/>
-                <a:cs typeface="Arial" panose="020B0604020202020204" pitchFamily="34" charset="0"/>
-              </a:rPr>
-              <a:t> </a:t>
-            </a:r>
-            <a:r>
-              <a:rPr lang="en-US" sz="2000" dirty="0" err="1">
-                <a:latin typeface="Arial" panose="020B0604020202020204" pitchFamily="34" charset="0"/>
-                <a:cs typeface="Arial" panose="020B0604020202020204" pitchFamily="34" charset="0"/>
-              </a:rPr>
-              <a:t>tháng</a:t>
-            </a:r>
-            <a:r>
-              <a:rPr lang="en-US" sz="2000" dirty="0">
-                <a:latin typeface="Arial" panose="020B0604020202020204" pitchFamily="34" charset="0"/>
-                <a:cs typeface="Arial" panose="020B0604020202020204" pitchFamily="34" charset="0"/>
-              </a:rPr>
-              <a:t> </a:t>
-            </a:r>
-            <a:r>
-              <a:rPr lang="en-US" sz="2000" dirty="0" err="1">
-                <a:latin typeface="Arial" panose="020B0604020202020204" pitchFamily="34" charset="0"/>
-                <a:cs typeface="Arial" panose="020B0604020202020204" pitchFamily="34" charset="0"/>
-              </a:rPr>
-              <a:t>có</a:t>
-            </a:r>
-            <a:r>
-              <a:rPr lang="en-US" sz="2000" dirty="0">
-                <a:latin typeface="Arial" panose="020B0604020202020204" pitchFamily="34" charset="0"/>
-                <a:cs typeface="Arial" panose="020B0604020202020204" pitchFamily="34" charset="0"/>
-              </a:rPr>
-              <a:t> </a:t>
-            </a:r>
-            <a:r>
-              <a:rPr lang="en-US" sz="2000" dirty="0" err="1">
-                <a:latin typeface="Arial" panose="020B0604020202020204" pitchFamily="34" charset="0"/>
-                <a:cs typeface="Arial" panose="020B0604020202020204" pitchFamily="34" charset="0"/>
-              </a:rPr>
-              <a:t>biến</a:t>
-            </a:r>
-            <a:r>
-              <a:rPr lang="en-US" sz="2000" dirty="0">
-                <a:latin typeface="Arial" panose="020B0604020202020204" pitchFamily="34" charset="0"/>
-                <a:cs typeface="Arial" panose="020B0604020202020204" pitchFamily="34" charset="0"/>
-              </a:rPr>
-              <a:t> </a:t>
-            </a:r>
-            <a:r>
-              <a:rPr lang="en-US" sz="2000" dirty="0" err="1">
-                <a:latin typeface="Arial" panose="020B0604020202020204" pitchFamily="34" charset="0"/>
-                <a:cs typeface="Arial" panose="020B0604020202020204" pitchFamily="34" charset="0"/>
-              </a:rPr>
-              <a:t>động</a:t>
-            </a:r>
-            <a:r>
-              <a:rPr lang="en-US" sz="2000" dirty="0">
-                <a:latin typeface="Arial" panose="020B0604020202020204" pitchFamily="34" charset="0"/>
-                <a:cs typeface="Arial" panose="020B0604020202020204" pitchFamily="34" charset="0"/>
-              </a:rPr>
-              <a:t> </a:t>
-            </a:r>
-            <a:r>
-              <a:rPr lang="en-US" sz="2000" dirty="0" err="1">
-                <a:latin typeface="Arial" panose="020B0604020202020204" pitchFamily="34" charset="0"/>
-                <a:cs typeface="Arial" panose="020B0604020202020204" pitchFamily="34" charset="0"/>
-              </a:rPr>
-              <a:t>doanh</a:t>
-            </a:r>
-            <a:r>
-              <a:rPr lang="en-US" sz="2000" dirty="0">
-                <a:latin typeface="Arial" panose="020B0604020202020204" pitchFamily="34" charset="0"/>
-                <a:cs typeface="Arial" panose="020B0604020202020204" pitchFamily="34" charset="0"/>
-              </a:rPr>
-              <a:t> </a:t>
-            </a:r>
-            <a:r>
-              <a:rPr lang="en-US" sz="2000" dirty="0" err="1">
-                <a:latin typeface="Arial" panose="020B0604020202020204" pitchFamily="34" charset="0"/>
-                <a:cs typeface="Arial" panose="020B0604020202020204" pitchFamily="34" charset="0"/>
-              </a:rPr>
-              <a:t>số</a:t>
-            </a:r>
-            <a:r>
-              <a:rPr lang="en-US" sz="2000" dirty="0">
-                <a:latin typeface="Arial" panose="020B0604020202020204" pitchFamily="34" charset="0"/>
-                <a:cs typeface="Arial" panose="020B0604020202020204" pitchFamily="34" charset="0"/>
-              </a:rPr>
-              <a:t> </a:t>
-            </a:r>
-            <a:r>
-              <a:rPr lang="en-US" sz="2000" dirty="0" err="1">
-                <a:latin typeface="Arial" panose="020B0604020202020204" pitchFamily="34" charset="0"/>
-                <a:cs typeface="Arial" panose="020B0604020202020204" pitchFamily="34" charset="0"/>
-              </a:rPr>
-              <a:t>lớn</a:t>
-            </a:r>
-            <a:r>
-              <a:rPr lang="en-US" sz="2000" dirty="0">
-                <a:latin typeface="Arial" panose="020B0604020202020204" pitchFamily="34" charset="0"/>
-                <a:cs typeface="Arial" panose="020B0604020202020204" pitchFamily="34" charset="0"/>
-              </a:rPr>
-              <a:t> </a:t>
-            </a:r>
-            <a:r>
-              <a:rPr lang="en-US" sz="2000" dirty="0" err="1">
-                <a:latin typeface="Arial" panose="020B0604020202020204" pitchFamily="34" charset="0"/>
-                <a:cs typeface="Arial" panose="020B0604020202020204" pitchFamily="34" charset="0"/>
-              </a:rPr>
-              <a:t>nhất</a:t>
-            </a:r>
-            <a:endParaRPr lang="en-US" sz="2000" dirty="0">
-              <a:latin typeface="Arial" panose="020B0604020202020204" pitchFamily="34" charset="0"/>
-              <a:cs typeface="Arial" panose="020B0604020202020204" pitchFamily="34" charset="0"/>
-            </a:endParaRPr>
-          </a:p>
-          <a:p>
-            <a:pPr>
-              <a:lnSpc>
-                <a:spcPct val="150000"/>
-              </a:lnSpc>
-            </a:pPr>
-            <a:r>
-              <a:rPr lang="en-US" sz="2000" dirty="0" err="1">
-                <a:latin typeface="Arial" panose="020B0604020202020204" pitchFamily="34" charset="0"/>
-                <a:cs typeface="Arial" panose="020B0604020202020204" pitchFamily="34" charset="0"/>
-              </a:rPr>
-              <a:t>Nhóm</a:t>
-            </a:r>
-            <a:r>
-              <a:rPr lang="en-US" sz="2000" dirty="0">
-                <a:latin typeface="Arial" panose="020B0604020202020204" pitchFamily="34" charset="0"/>
-                <a:cs typeface="Arial" panose="020B0604020202020204" pitchFamily="34" charset="0"/>
-              </a:rPr>
-              <a:t> </a:t>
-            </a:r>
-            <a:r>
-              <a:rPr lang="en-US" sz="2000" dirty="0" err="1">
-                <a:latin typeface="Arial" panose="020B0604020202020204" pitchFamily="34" charset="0"/>
-                <a:cs typeface="Arial" panose="020B0604020202020204" pitchFamily="34" charset="0"/>
-              </a:rPr>
-              <a:t>sản</a:t>
-            </a:r>
-            <a:r>
-              <a:rPr lang="en-US" sz="2000" dirty="0">
-                <a:latin typeface="Arial" panose="020B0604020202020204" pitchFamily="34" charset="0"/>
-                <a:cs typeface="Arial" panose="020B0604020202020204" pitchFamily="34" charset="0"/>
-              </a:rPr>
-              <a:t> </a:t>
-            </a:r>
-            <a:r>
-              <a:rPr lang="en-US" sz="2000" dirty="0" err="1">
-                <a:latin typeface="Arial" panose="020B0604020202020204" pitchFamily="34" charset="0"/>
-                <a:cs typeface="Arial" panose="020B0604020202020204" pitchFamily="34" charset="0"/>
-              </a:rPr>
-              <a:t>phẩm</a:t>
-            </a:r>
-            <a:endParaRPr lang="en-US" sz="2000" dirty="0">
-              <a:latin typeface="Arial" panose="020B0604020202020204" pitchFamily="34" charset="0"/>
-              <a:cs typeface="Arial" panose="020B0604020202020204" pitchFamily="34" charset="0"/>
-            </a:endParaRPr>
-          </a:p>
-          <a:p>
-            <a:pPr lvl="1">
-              <a:lnSpc>
-                <a:spcPct val="150000"/>
-              </a:lnSpc>
-            </a:pPr>
-            <a:r>
-              <a:rPr lang="en-US" sz="2000" dirty="0" err="1">
-                <a:latin typeface="Arial" panose="020B0604020202020204" pitchFamily="34" charset="0"/>
-                <a:cs typeface="Arial" panose="020B0604020202020204" pitchFamily="34" charset="0"/>
-              </a:rPr>
-              <a:t>Giảm</a:t>
-            </a:r>
-            <a:r>
-              <a:rPr lang="en-US" sz="2000" dirty="0">
-                <a:latin typeface="Arial" panose="020B0604020202020204" pitchFamily="34" charset="0"/>
-                <a:cs typeface="Arial" panose="020B0604020202020204" pitchFamily="34" charset="0"/>
-              </a:rPr>
-              <a:t> </a:t>
-            </a:r>
-            <a:r>
-              <a:rPr lang="en-US" sz="2000" dirty="0" err="1">
-                <a:latin typeface="Arial" panose="020B0604020202020204" pitchFamily="34" charset="0"/>
-                <a:cs typeface="Arial" panose="020B0604020202020204" pitchFamily="34" charset="0"/>
-              </a:rPr>
-              <a:t>sốc</a:t>
-            </a:r>
-            <a:r>
-              <a:rPr lang="en-US" sz="2000" dirty="0">
-                <a:latin typeface="Arial" panose="020B0604020202020204" pitchFamily="34" charset="0"/>
-                <a:cs typeface="Arial" panose="020B0604020202020204" pitchFamily="34" charset="0"/>
-              </a:rPr>
-              <a:t>: 35.6% </a:t>
-            </a:r>
-            <a:r>
-              <a:rPr lang="en-US" sz="2000" dirty="0" err="1">
-                <a:latin typeface="Arial" panose="020B0604020202020204" pitchFamily="34" charset="0"/>
-                <a:cs typeface="Arial" panose="020B0604020202020204" pitchFamily="34" charset="0"/>
-              </a:rPr>
-              <a:t>đóng</a:t>
-            </a:r>
-            <a:r>
-              <a:rPr lang="en-US" sz="2000" dirty="0">
-                <a:latin typeface="Arial" panose="020B0604020202020204" pitchFamily="34" charset="0"/>
-                <a:cs typeface="Arial" panose="020B0604020202020204" pitchFamily="34" charset="0"/>
-              </a:rPr>
-              <a:t> </a:t>
-            </a:r>
-            <a:r>
-              <a:rPr lang="en-US" sz="2000" dirty="0" err="1">
-                <a:latin typeface="Arial" panose="020B0604020202020204" pitchFamily="34" charset="0"/>
-                <a:cs typeface="Arial" panose="020B0604020202020204" pitchFamily="34" charset="0"/>
-              </a:rPr>
-              <a:t>góp</a:t>
-            </a:r>
-            <a:r>
-              <a:rPr lang="en-US" sz="2000" dirty="0">
-                <a:latin typeface="Arial" panose="020B0604020202020204" pitchFamily="34" charset="0"/>
-                <a:cs typeface="Arial" panose="020B0604020202020204" pitchFamily="34" charset="0"/>
-              </a:rPr>
-              <a:t> </a:t>
-            </a:r>
-            <a:r>
-              <a:rPr lang="en-US" sz="2000" dirty="0" err="1">
-                <a:latin typeface="Arial" panose="020B0604020202020204" pitchFamily="34" charset="0"/>
-                <a:cs typeface="Arial" panose="020B0604020202020204" pitchFamily="34" charset="0"/>
-              </a:rPr>
-              <a:t>doanh</a:t>
-            </a:r>
-            <a:r>
-              <a:rPr lang="en-US" sz="2000" dirty="0">
-                <a:latin typeface="Arial" panose="020B0604020202020204" pitchFamily="34" charset="0"/>
-                <a:cs typeface="Arial" panose="020B0604020202020204" pitchFamily="34" charset="0"/>
-              </a:rPr>
-              <a:t> </a:t>
-            </a:r>
-            <a:r>
-              <a:rPr lang="en-US" sz="2000" dirty="0" err="1">
-                <a:latin typeface="Arial" panose="020B0604020202020204" pitchFamily="34" charset="0"/>
-                <a:cs typeface="Arial" panose="020B0604020202020204" pitchFamily="34" charset="0"/>
-              </a:rPr>
-              <a:t>số</a:t>
-            </a:r>
-            <a:endParaRPr lang="en-US" sz="2000" dirty="0">
-              <a:latin typeface="Arial" panose="020B0604020202020204" pitchFamily="34" charset="0"/>
-              <a:cs typeface="Arial" panose="020B0604020202020204" pitchFamily="34" charset="0"/>
-            </a:endParaRPr>
-          </a:p>
-          <a:p>
-            <a:pPr lvl="1">
-              <a:lnSpc>
-                <a:spcPct val="150000"/>
-              </a:lnSpc>
-            </a:pPr>
-            <a:r>
-              <a:rPr lang="en-US" sz="2000" dirty="0">
-                <a:latin typeface="Arial" panose="020B0604020202020204" pitchFamily="34" charset="0"/>
-                <a:cs typeface="Arial" panose="020B0604020202020204" pitchFamily="34" charset="0"/>
-              </a:rPr>
-              <a:t>DIACON: 17.5% </a:t>
-            </a:r>
-            <a:r>
-              <a:rPr lang="en-US" sz="2000" dirty="0" err="1">
-                <a:latin typeface="Arial" panose="020B0604020202020204" pitchFamily="34" charset="0"/>
-                <a:cs typeface="Arial" panose="020B0604020202020204" pitchFamily="34" charset="0"/>
-              </a:rPr>
-              <a:t>đóng</a:t>
-            </a:r>
-            <a:r>
-              <a:rPr lang="en-US" sz="2000" dirty="0">
-                <a:latin typeface="Arial" panose="020B0604020202020204" pitchFamily="34" charset="0"/>
-                <a:cs typeface="Arial" panose="020B0604020202020204" pitchFamily="34" charset="0"/>
-              </a:rPr>
-              <a:t> </a:t>
-            </a:r>
-            <a:r>
-              <a:rPr lang="en-US" sz="2000" dirty="0" err="1">
-                <a:latin typeface="Arial" panose="020B0604020202020204" pitchFamily="34" charset="0"/>
-                <a:cs typeface="Arial" panose="020B0604020202020204" pitchFamily="34" charset="0"/>
-              </a:rPr>
-              <a:t>góp</a:t>
-            </a:r>
-            <a:r>
-              <a:rPr lang="en-US" sz="2000" dirty="0">
-                <a:latin typeface="Arial" panose="020B0604020202020204" pitchFamily="34" charset="0"/>
-                <a:cs typeface="Arial" panose="020B0604020202020204" pitchFamily="34" charset="0"/>
-              </a:rPr>
-              <a:t> </a:t>
-            </a:r>
-            <a:r>
-              <a:rPr lang="en-US" sz="2000" dirty="0" err="1">
-                <a:latin typeface="Arial" panose="020B0604020202020204" pitchFamily="34" charset="0"/>
-                <a:cs typeface="Arial" panose="020B0604020202020204" pitchFamily="34" charset="0"/>
-              </a:rPr>
-              <a:t>doanh</a:t>
-            </a:r>
-            <a:r>
-              <a:rPr lang="en-US" sz="2000" dirty="0">
-                <a:latin typeface="Arial" panose="020B0604020202020204" pitchFamily="34" charset="0"/>
-                <a:cs typeface="Arial" panose="020B0604020202020204" pitchFamily="34" charset="0"/>
-              </a:rPr>
-              <a:t> </a:t>
-            </a:r>
-            <a:r>
-              <a:rPr lang="en-US" sz="2000" dirty="0" err="1">
-                <a:latin typeface="Arial" panose="020B0604020202020204" pitchFamily="34" charset="0"/>
-                <a:cs typeface="Arial" panose="020B0604020202020204" pitchFamily="34" charset="0"/>
-              </a:rPr>
-              <a:t>số</a:t>
-            </a:r>
-            <a:endParaRPr lang="en-US" sz="2000" dirty="0">
-              <a:latin typeface="Arial" panose="020B0604020202020204" pitchFamily="34" charset="0"/>
-              <a:cs typeface="Arial" panose="020B0604020202020204" pitchFamily="34" charset="0"/>
-            </a:endParaRPr>
-          </a:p>
-          <a:p>
-            <a:pPr lvl="1">
-              <a:lnSpc>
-                <a:spcPct val="150000"/>
-              </a:lnSpc>
-            </a:pPr>
-            <a:r>
-              <a:rPr lang="en-US" sz="2000" dirty="0">
-                <a:latin typeface="Arial" panose="020B0604020202020204" pitchFamily="34" charset="0"/>
-                <a:cs typeface="Arial" panose="020B0604020202020204" pitchFamily="34" charset="0"/>
-              </a:rPr>
-              <a:t>BANEP: 11% </a:t>
-            </a:r>
-            <a:r>
-              <a:rPr lang="en-US" sz="2000" dirty="0" err="1">
-                <a:latin typeface="Arial" panose="020B0604020202020204" pitchFamily="34" charset="0"/>
-                <a:cs typeface="Arial" panose="020B0604020202020204" pitchFamily="34" charset="0"/>
-              </a:rPr>
-              <a:t>đóng</a:t>
-            </a:r>
-            <a:r>
-              <a:rPr lang="en-US" sz="2000" dirty="0">
-                <a:latin typeface="Arial" panose="020B0604020202020204" pitchFamily="34" charset="0"/>
-                <a:cs typeface="Arial" panose="020B0604020202020204" pitchFamily="34" charset="0"/>
-              </a:rPr>
-              <a:t> </a:t>
-            </a:r>
-            <a:r>
-              <a:rPr lang="en-US" sz="2000" dirty="0" err="1">
-                <a:latin typeface="Arial" panose="020B0604020202020204" pitchFamily="34" charset="0"/>
-                <a:cs typeface="Arial" panose="020B0604020202020204" pitchFamily="34" charset="0"/>
-              </a:rPr>
-              <a:t>góp</a:t>
-            </a:r>
-            <a:r>
-              <a:rPr lang="en-US" sz="2000" dirty="0">
-                <a:latin typeface="Arial" panose="020B0604020202020204" pitchFamily="34" charset="0"/>
-                <a:cs typeface="Arial" panose="020B0604020202020204" pitchFamily="34" charset="0"/>
-              </a:rPr>
-              <a:t> </a:t>
-            </a:r>
-            <a:r>
-              <a:rPr lang="en-US" sz="2000" dirty="0" err="1">
-                <a:latin typeface="Arial" panose="020B0604020202020204" pitchFamily="34" charset="0"/>
-                <a:cs typeface="Arial" panose="020B0604020202020204" pitchFamily="34" charset="0"/>
-              </a:rPr>
-              <a:t>doanh</a:t>
-            </a:r>
-            <a:r>
-              <a:rPr lang="en-US" sz="2000" dirty="0">
-                <a:latin typeface="Arial" panose="020B0604020202020204" pitchFamily="34" charset="0"/>
-                <a:cs typeface="Arial" panose="020B0604020202020204" pitchFamily="34" charset="0"/>
-              </a:rPr>
-              <a:t> </a:t>
-            </a:r>
-            <a:r>
-              <a:rPr lang="en-US" sz="2000" dirty="0" err="1">
-                <a:latin typeface="Arial" panose="020B0604020202020204" pitchFamily="34" charset="0"/>
-                <a:cs typeface="Arial" panose="020B0604020202020204" pitchFamily="34" charset="0"/>
-              </a:rPr>
-              <a:t>số</a:t>
-            </a:r>
-            <a:endParaRPr lang="en-US" sz="2000" dirty="0">
-              <a:latin typeface="Arial" panose="020B0604020202020204" pitchFamily="34" charset="0"/>
-              <a:cs typeface="Arial" panose="020B0604020202020204" pitchFamily="34" charset="0"/>
-            </a:endParaRPr>
-          </a:p>
-          <a:p>
-            <a:pPr>
-              <a:lnSpc>
-                <a:spcPct val="150000"/>
-              </a:lnSpc>
-            </a:pPr>
-            <a:endParaRPr lang="en-US" sz="2000" dirty="0">
-              <a:latin typeface="Arial" panose="020B0604020202020204" pitchFamily="34" charset="0"/>
-              <a:cs typeface="Arial" panose="020B0604020202020204" pitchFamily="34" charset="0"/>
-            </a:endParaRPr>
-          </a:p>
-          <a:p>
-            <a:pPr lvl="1">
-              <a:lnSpc>
-                <a:spcPct val="150000"/>
-              </a:lnSpc>
-            </a:pPr>
-            <a:endParaRPr lang="en-US" sz="2000" dirty="0">
-              <a:latin typeface="Arial" panose="020B0604020202020204" pitchFamily="34" charset="0"/>
-              <a:cs typeface="Arial" panose="020B0604020202020204" pitchFamily="34" charset="0"/>
-            </a:endParaRPr>
-          </a:p>
-          <a:p>
-            <a:pPr lvl="1">
-              <a:lnSpc>
-                <a:spcPct val="150000"/>
-              </a:lnSpc>
-            </a:pPr>
-            <a:endParaRPr lang="en-US" sz="2000" dirty="0">
-              <a:latin typeface="Arial" panose="020B0604020202020204" pitchFamily="34" charset="0"/>
-              <a:cs typeface="Arial" panose="020B0604020202020204" pitchFamily="34" charset="0"/>
-            </a:endParaRPr>
-          </a:p>
-          <a:p>
-            <a:pPr lvl="1">
-              <a:lnSpc>
-                <a:spcPct val="150000"/>
-              </a:lnSpc>
-            </a:pPr>
-            <a:endParaRPr lang="en-US" sz="2000" dirty="0">
-              <a:latin typeface="Arial" panose="020B0604020202020204" pitchFamily="34" charset="0"/>
-              <a:cs typeface="Arial" panose="020B0604020202020204" pitchFamily="34" charset="0"/>
-            </a:endParaRPr>
+            <a:endParaRPr lang="en-US"/>
           </a:p>
         </p:txBody>
       </p:sp>
     </p:spTree>
     <p:extLst>
       <p:ext uri="{BB962C8B-B14F-4D97-AF65-F5344CB8AC3E}">
-        <p14:creationId xmlns:p14="http://schemas.microsoft.com/office/powerpoint/2010/main" val="3633924017"/>
+        <p14:creationId xmlns:p14="http://schemas.microsoft.com/office/powerpoint/2010/main" val="79041971"/>
       </p:ext>
     </p:extLst>
   </p:cSld>
@@ -4412,6 +3407,116 @@
 </file>
 
 <file path=ppt/slides/slide10.xml><?xml version="1.0" encoding="utf-8"?>
+<p:sld xmlns:a="http://schemas.openxmlformats.org/drawingml/2006/main" xmlns:r="http://schemas.openxmlformats.org/officeDocument/2006/relationships" xmlns:p="http://schemas.openxmlformats.org/presentationml/2006/main">
+  <p:cSld>
+    <p:spTree>
+      <p:nvGrpSpPr>
+        <p:cNvPr id="1" name=""/>
+        <p:cNvGrpSpPr/>
+        <p:nvPr/>
+      </p:nvGrpSpPr>
+      <p:grpSpPr>
+        <a:xfrm>
+          <a:off x="0" y="0"/>
+          <a:ext cx="0" cy="0"/>
+          <a:chOff x="0" y="0"/>
+          <a:chExt cx="0" cy="0"/>
+        </a:xfrm>
+      </p:grpSpPr>
+      <p:sp>
+        <p:nvSpPr>
+          <p:cNvPr id="2" name="Title 1">
+            <a:extLst>
+              <a:ext uri="{FF2B5EF4-FFF2-40B4-BE49-F238E27FC236}">
+                <a16:creationId xmlns:a16="http://schemas.microsoft.com/office/drawing/2014/main" id="{6617C354-EFE7-BA37-6E65-40D856610DC7}"/>
+              </a:ext>
+            </a:extLst>
+          </p:cNvPr>
+          <p:cNvSpPr>
+            <a:spLocks noGrp="1"/>
+          </p:cNvSpPr>
+          <p:nvPr>
+            <p:ph type="title"/>
+          </p:nvPr>
+        </p:nvSpPr>
+        <p:spPr/>
+        <p:txBody>
+          <a:bodyPr/>
+          <a:lstStyle/>
+          <a:p>
+            <a:endParaRPr lang="en-US"/>
+          </a:p>
+        </p:txBody>
+      </p:sp>
+      <p:sp>
+        <p:nvSpPr>
+          <p:cNvPr id="3" name="Content Placeholder 2">
+            <a:extLst>
+              <a:ext uri="{FF2B5EF4-FFF2-40B4-BE49-F238E27FC236}">
+                <a16:creationId xmlns:a16="http://schemas.microsoft.com/office/drawing/2014/main" id="{BB21C4C8-75C8-EEEB-695B-906AB9EFD324}"/>
+              </a:ext>
+            </a:extLst>
+          </p:cNvPr>
+          <p:cNvSpPr>
+            <a:spLocks noGrp="1"/>
+          </p:cNvSpPr>
+          <p:nvPr>
+            <p:ph idx="1"/>
+          </p:nvPr>
+        </p:nvSpPr>
+        <p:spPr/>
+        <p:txBody>
+          <a:bodyPr/>
+          <a:lstStyle/>
+          <a:p>
+            <a:endParaRPr lang="en-US"/>
+          </a:p>
+        </p:txBody>
+      </p:sp>
+      <p:pic>
+        <p:nvPicPr>
+          <p:cNvPr id="7" name="Picture 6">
+            <a:extLst>
+              <a:ext uri="{FF2B5EF4-FFF2-40B4-BE49-F238E27FC236}">
+                <a16:creationId xmlns:a16="http://schemas.microsoft.com/office/drawing/2014/main" id="{C8DD43B5-D504-0C72-9FD6-7A58D638F058}"/>
+              </a:ext>
+            </a:extLst>
+          </p:cNvPr>
+          <p:cNvPicPr>
+            <a:picLocks noChangeAspect="1"/>
+          </p:cNvPicPr>
+          <p:nvPr/>
+        </p:nvPicPr>
+        <p:blipFill>
+          <a:blip r:embed="rId2"/>
+          <a:stretch>
+            <a:fillRect/>
+          </a:stretch>
+        </p:blipFill>
+        <p:spPr>
+          <a:xfrm>
+            <a:off x="157022" y="77572"/>
+            <a:ext cx="11877956" cy="6702856"/>
+          </a:xfrm>
+          <a:prstGeom prst="rect">
+            <a:avLst/>
+          </a:prstGeom>
+        </p:spPr>
+      </p:pic>
+    </p:spTree>
+    <p:extLst>
+      <p:ext uri="{BB962C8B-B14F-4D97-AF65-F5344CB8AC3E}">
+        <p14:creationId xmlns:p14="http://schemas.microsoft.com/office/powerpoint/2010/main" val="1138841691"/>
+      </p:ext>
+    </p:extLst>
+  </p:cSld>
+  <p:clrMapOvr>
+    <a:masterClrMapping/>
+  </p:clrMapOvr>
+</p:sld>
+</file>
+
+<file path=ppt/slides/slide11.xml><?xml version="1.0" encoding="utf-8"?>
 <p:sld xmlns:a="http://schemas.openxmlformats.org/drawingml/2006/main" xmlns:r="http://schemas.openxmlformats.org/officeDocument/2006/relationships" xmlns:p="http://schemas.openxmlformats.org/presentationml/2006/main">
   <p:cSld>
     <p:spTree>
@@ -4521,7 +3626,7 @@
 </p:sld>
 </file>
 
-<file path=ppt/slides/slide11.xml><?xml version="1.0" encoding="utf-8"?>
+<file path=ppt/slides/slide12.xml><?xml version="1.0" encoding="utf-8"?>
 <p:sld xmlns:a="http://schemas.openxmlformats.org/drawingml/2006/main" xmlns:r="http://schemas.openxmlformats.org/officeDocument/2006/relationships" xmlns:p="http://schemas.openxmlformats.org/presentationml/2006/main">
   <p:cSld>
     <p:spTree>
@@ -4631,7 +3736,7 @@
 </p:sld>
 </file>
 
-<file path=ppt/slides/slide12.xml><?xml version="1.0" encoding="utf-8"?>
+<file path=ppt/slides/slide13.xml><?xml version="1.0" encoding="utf-8"?>
 <p:sld xmlns:a="http://schemas.openxmlformats.org/drawingml/2006/main" xmlns:r="http://schemas.openxmlformats.org/officeDocument/2006/relationships" xmlns:p="http://schemas.openxmlformats.org/presentationml/2006/main">
   <p:cSld>
     <p:spTree>
@@ -5500,7 +4605,7 @@
 </p:sld>
 </file>
 
-<file path=ppt/slides/slide13.xml><?xml version="1.0" encoding="utf-8"?>
+<file path=ppt/slides/slide14.xml><?xml version="1.0" encoding="utf-8"?>
 <p:sld xmlns:a="http://schemas.openxmlformats.org/drawingml/2006/main" xmlns:r="http://schemas.openxmlformats.org/officeDocument/2006/relationships" xmlns:p="http://schemas.openxmlformats.org/presentationml/2006/main">
   <p:cSld>
     <p:spTree>
@@ -5610,7 +4715,7 @@
 </p:sld>
 </file>
 
-<file path=ppt/slides/slide14.xml><?xml version="1.0" encoding="utf-8"?>
+<file path=ppt/slides/slide15.xml><?xml version="1.0" encoding="utf-8"?>
 <p:sld xmlns:a="http://schemas.openxmlformats.org/drawingml/2006/main" xmlns:r="http://schemas.openxmlformats.org/officeDocument/2006/relationships" xmlns:p="http://schemas.openxmlformats.org/presentationml/2006/main">
   <p:cSld>
     <p:spTree>
@@ -5720,7 +4825,7 @@
 </p:sld>
 </file>
 
-<file path=ppt/slides/slide15.xml><?xml version="1.0" encoding="utf-8"?>
+<file path=ppt/slides/slide16.xml><?xml version="1.0" encoding="utf-8"?>
 <p:sld xmlns:a="http://schemas.openxmlformats.org/drawingml/2006/main" xmlns:r="http://schemas.openxmlformats.org/officeDocument/2006/relationships" xmlns:p="http://schemas.openxmlformats.org/presentationml/2006/main">
   <p:cSld>
     <p:spTree>
@@ -5830,7 +4935,7 @@
 </p:sld>
 </file>
 
-<file path=ppt/slides/slide16.xml><?xml version="1.0" encoding="utf-8"?>
+<file path=ppt/slides/slide17.xml><?xml version="1.0" encoding="utf-8"?>
 <p:sld xmlns:a="http://schemas.openxmlformats.org/drawingml/2006/main" xmlns:r="http://schemas.openxmlformats.org/officeDocument/2006/relationships" xmlns:p="http://schemas.openxmlformats.org/presentationml/2006/main">
   <p:cSld>
     <p:spTree>
@@ -6410,7 +5515,7 @@
 </p:sld>
 </file>
 
-<file path=ppt/slides/slide17.xml><?xml version="1.0" encoding="utf-8"?>
+<file path=ppt/slides/slide18.xml><?xml version="1.0" encoding="utf-8"?>
 <p:sld xmlns:a="http://schemas.openxmlformats.org/drawingml/2006/main" xmlns:r="http://schemas.openxmlformats.org/officeDocument/2006/relationships" xmlns:p="http://schemas.openxmlformats.org/presentationml/2006/main">
   <p:cSld>
     <p:spTree>
@@ -6542,6 +5647,1092 @@
           <p:cNvPr id="2" name="Title 1">
             <a:extLst>
               <a:ext uri="{FF2B5EF4-FFF2-40B4-BE49-F238E27FC236}">
+                <a16:creationId xmlns:a16="http://schemas.microsoft.com/office/drawing/2014/main" id="{6BB24CEF-EBE4-D0AE-BB8D-49DE581BA607}"/>
+              </a:ext>
+            </a:extLst>
+          </p:cNvPr>
+          <p:cNvSpPr>
+            <a:spLocks noGrp="1"/>
+          </p:cNvSpPr>
+          <p:nvPr>
+            <p:ph type="title"/>
+          </p:nvPr>
+        </p:nvSpPr>
+        <p:spPr/>
+        <p:txBody>
+          <a:bodyPr/>
+          <a:lstStyle/>
+          <a:p>
+            <a:r>
+              <a:rPr lang="en-US" dirty="0" err="1"/>
+              <a:t>Diễn</a:t>
+            </a:r>
+            <a:r>
+              <a:rPr lang="en-US" dirty="0"/>
+              <a:t> </a:t>
+            </a:r>
+            <a:r>
+              <a:rPr lang="en-US" dirty="0" err="1"/>
+              <a:t>giải</a:t>
+            </a:r>
+            <a:r>
+              <a:rPr lang="en-US" dirty="0"/>
+              <a:t> </a:t>
+            </a:r>
+            <a:r>
+              <a:rPr lang="en-US" dirty="0" err="1"/>
+              <a:t>chung</a:t>
+            </a:r>
+            <a:endParaRPr lang="en-US" dirty="0"/>
+          </a:p>
+        </p:txBody>
+      </p:sp>
+      <p:sp>
+        <p:nvSpPr>
+          <p:cNvPr id="3" name="Content Placeholder 2">
+            <a:extLst>
+              <a:ext uri="{FF2B5EF4-FFF2-40B4-BE49-F238E27FC236}">
+                <a16:creationId xmlns:a16="http://schemas.microsoft.com/office/drawing/2014/main" id="{A36C5B96-444B-6BB0-C4CD-C78622C07EE7}"/>
+              </a:ext>
+            </a:extLst>
+          </p:cNvPr>
+          <p:cNvSpPr>
+            <a:spLocks noGrp="1"/>
+          </p:cNvSpPr>
+          <p:nvPr>
+            <p:ph idx="1"/>
+          </p:nvPr>
+        </p:nvSpPr>
+        <p:spPr>
+          <a:xfrm>
+            <a:off x="838199" y="1825625"/>
+            <a:ext cx="11062447" cy="4238999"/>
+          </a:xfrm>
+        </p:spPr>
+        <p:txBody>
+          <a:bodyPr>
+            <a:normAutofit fontScale="77500" lnSpcReduction="20000"/>
+          </a:bodyPr>
+          <a:lstStyle/>
+          <a:p>
+            <a:pPr>
+              <a:lnSpc>
+                <a:spcPct val="150000"/>
+              </a:lnSpc>
+            </a:pPr>
+            <a:r>
+              <a:rPr lang="en-US" sz="2000" dirty="0" err="1">
+                <a:latin typeface="Arial" panose="020B0604020202020204" pitchFamily="34" charset="0"/>
+                <a:cs typeface="Arial" panose="020B0604020202020204" pitchFamily="34" charset="0"/>
+              </a:rPr>
+              <a:t>Tổng</a:t>
+            </a:r>
+            <a:r>
+              <a:rPr lang="en-US" sz="2000" dirty="0">
+                <a:latin typeface="Arial" panose="020B0604020202020204" pitchFamily="34" charset="0"/>
+                <a:cs typeface="Arial" panose="020B0604020202020204" pitchFamily="34" charset="0"/>
+              </a:rPr>
+              <a:t> </a:t>
+            </a:r>
+            <a:r>
+              <a:rPr lang="en-US" sz="2000" dirty="0" err="1">
+                <a:latin typeface="Arial" panose="020B0604020202020204" pitchFamily="34" charset="0"/>
+                <a:cs typeface="Arial" panose="020B0604020202020204" pitchFamily="34" charset="0"/>
+              </a:rPr>
+              <a:t>doanh</a:t>
+            </a:r>
+            <a:r>
+              <a:rPr lang="en-US" sz="2000" dirty="0">
+                <a:latin typeface="Arial" panose="020B0604020202020204" pitchFamily="34" charset="0"/>
+                <a:cs typeface="Arial" panose="020B0604020202020204" pitchFamily="34" charset="0"/>
+              </a:rPr>
+              <a:t> </a:t>
+            </a:r>
+            <a:r>
+              <a:rPr lang="en-US" sz="2000" dirty="0" err="1">
+                <a:latin typeface="Arial" panose="020B0604020202020204" pitchFamily="34" charset="0"/>
+                <a:cs typeface="Arial" panose="020B0604020202020204" pitchFamily="34" charset="0"/>
+              </a:rPr>
+              <a:t>số</a:t>
+            </a:r>
+            <a:r>
+              <a:rPr lang="en-US" sz="2000" dirty="0">
+                <a:latin typeface="Arial" panose="020B0604020202020204" pitchFamily="34" charset="0"/>
+                <a:cs typeface="Arial" panose="020B0604020202020204" pitchFamily="34" charset="0"/>
+              </a:rPr>
+              <a:t> </a:t>
+            </a:r>
+            <a:r>
+              <a:rPr lang="en-US" sz="2000" dirty="0" err="1">
+                <a:latin typeface="Arial" panose="020B0604020202020204" pitchFamily="34" charset="0"/>
+                <a:cs typeface="Arial" panose="020B0604020202020204" pitchFamily="34" charset="0"/>
+              </a:rPr>
+              <a:t>bán</a:t>
+            </a:r>
+            <a:r>
+              <a:rPr lang="en-US" sz="2000" dirty="0">
+                <a:latin typeface="Arial" panose="020B0604020202020204" pitchFamily="34" charset="0"/>
+                <a:cs typeface="Arial" panose="020B0604020202020204" pitchFamily="34" charset="0"/>
+              </a:rPr>
+              <a:t> hang 2022 (03/01-31/08) </a:t>
+            </a:r>
+            <a:r>
+              <a:rPr lang="en-US" sz="2000" dirty="0" err="1">
+                <a:latin typeface="Arial" panose="020B0604020202020204" pitchFamily="34" charset="0"/>
+                <a:cs typeface="Arial" panose="020B0604020202020204" pitchFamily="34" charset="0"/>
+              </a:rPr>
+              <a:t>là</a:t>
+            </a:r>
+            <a:r>
+              <a:rPr lang="en-US" sz="2000" dirty="0">
+                <a:latin typeface="Arial" panose="020B0604020202020204" pitchFamily="34" charset="0"/>
+                <a:cs typeface="Arial" panose="020B0604020202020204" pitchFamily="34" charset="0"/>
+              </a:rPr>
+              <a:t> </a:t>
+            </a:r>
+            <a:r>
+              <a:rPr lang="en-US" sz="2000" b="1" dirty="0">
+                <a:solidFill>
+                  <a:srgbClr val="FF0000"/>
+                </a:solidFill>
+                <a:latin typeface="Arial" panose="020B0604020202020204" pitchFamily="34" charset="0"/>
+                <a:cs typeface="Arial" panose="020B0604020202020204" pitchFamily="34" charset="0"/>
+              </a:rPr>
+              <a:t>59,75 </a:t>
+            </a:r>
+            <a:r>
+              <a:rPr lang="en-US" sz="2000" b="1" dirty="0" err="1">
+                <a:solidFill>
+                  <a:srgbClr val="FF0000"/>
+                </a:solidFill>
+                <a:latin typeface="Arial" panose="020B0604020202020204" pitchFamily="34" charset="0"/>
+                <a:cs typeface="Arial" panose="020B0604020202020204" pitchFamily="34" charset="0"/>
+              </a:rPr>
+              <a:t>tỷ</a:t>
+            </a:r>
+            <a:r>
+              <a:rPr lang="en-US" sz="2000" b="1" dirty="0">
+                <a:solidFill>
+                  <a:srgbClr val="FF0000"/>
+                </a:solidFill>
+                <a:latin typeface="Arial" panose="020B0604020202020204" pitchFamily="34" charset="0"/>
+                <a:cs typeface="Arial" panose="020B0604020202020204" pitchFamily="34" charset="0"/>
+              </a:rPr>
+              <a:t> </a:t>
+            </a:r>
+            <a:r>
+              <a:rPr lang="en-US" sz="2000" b="1" dirty="0" err="1">
+                <a:solidFill>
+                  <a:srgbClr val="FF0000"/>
+                </a:solidFill>
+                <a:latin typeface="Arial" panose="020B0604020202020204" pitchFamily="34" charset="0"/>
+                <a:cs typeface="Arial" panose="020B0604020202020204" pitchFamily="34" charset="0"/>
+              </a:rPr>
+              <a:t>đồng</a:t>
+            </a:r>
+            <a:r>
+              <a:rPr lang="en-US" sz="2000" b="1" dirty="0">
+                <a:solidFill>
+                  <a:srgbClr val="FF0000"/>
+                </a:solidFill>
+                <a:latin typeface="Arial" panose="020B0604020202020204" pitchFamily="34" charset="0"/>
+                <a:cs typeface="Arial" panose="020B0604020202020204" pitchFamily="34" charset="0"/>
+              </a:rPr>
+              <a:t>; </a:t>
+            </a:r>
+            <a:r>
+              <a:rPr lang="en-US" sz="2000" dirty="0" err="1">
+                <a:latin typeface="Arial" panose="020B0604020202020204" pitchFamily="34" charset="0"/>
+                <a:cs typeface="Arial" panose="020B0604020202020204" pitchFamily="34" charset="0"/>
+              </a:rPr>
+              <a:t>trung</a:t>
+            </a:r>
+            <a:r>
+              <a:rPr lang="en-US" sz="2000" dirty="0">
+                <a:latin typeface="Arial" panose="020B0604020202020204" pitchFamily="34" charset="0"/>
+                <a:cs typeface="Arial" panose="020B0604020202020204" pitchFamily="34" charset="0"/>
+              </a:rPr>
+              <a:t> </a:t>
+            </a:r>
+            <a:r>
+              <a:rPr lang="en-US" sz="2000" dirty="0" err="1">
+                <a:latin typeface="Arial" panose="020B0604020202020204" pitchFamily="34" charset="0"/>
+                <a:cs typeface="Arial" panose="020B0604020202020204" pitchFamily="34" charset="0"/>
+              </a:rPr>
+              <a:t>bình</a:t>
+            </a:r>
+            <a:r>
+              <a:rPr lang="en-US" sz="2000" dirty="0">
+                <a:latin typeface="Arial" panose="020B0604020202020204" pitchFamily="34" charset="0"/>
+                <a:cs typeface="Arial" panose="020B0604020202020204" pitchFamily="34" charset="0"/>
+              </a:rPr>
+              <a:t> </a:t>
+            </a:r>
+            <a:r>
+              <a:rPr lang="en-US" sz="2000" dirty="0" err="1">
+                <a:latin typeface="Arial" panose="020B0604020202020204" pitchFamily="34" charset="0"/>
+                <a:cs typeface="Arial" panose="020B0604020202020204" pitchFamily="34" charset="0"/>
+              </a:rPr>
+              <a:t>hàng</a:t>
+            </a:r>
+            <a:r>
+              <a:rPr lang="en-US" sz="2000" dirty="0">
+                <a:latin typeface="Arial" panose="020B0604020202020204" pitchFamily="34" charset="0"/>
+                <a:cs typeface="Arial" panose="020B0604020202020204" pitchFamily="34" charset="0"/>
+              </a:rPr>
+              <a:t> </a:t>
+            </a:r>
+            <a:r>
+              <a:rPr lang="en-US" sz="2000" dirty="0" err="1">
+                <a:latin typeface="Arial" panose="020B0604020202020204" pitchFamily="34" charset="0"/>
+                <a:cs typeface="Arial" panose="020B0604020202020204" pitchFamily="34" charset="0"/>
+              </a:rPr>
+              <a:t>tháng</a:t>
+            </a:r>
+            <a:r>
+              <a:rPr lang="en-US" sz="2000" dirty="0">
+                <a:latin typeface="Arial" panose="020B0604020202020204" pitchFamily="34" charset="0"/>
+                <a:cs typeface="Arial" panose="020B0604020202020204" pitchFamily="34" charset="0"/>
+              </a:rPr>
+              <a:t> </a:t>
+            </a:r>
+            <a:r>
+              <a:rPr lang="en-US" sz="2000" dirty="0" err="1">
+                <a:latin typeface="Arial" panose="020B0604020202020204" pitchFamily="34" charset="0"/>
+                <a:cs typeface="Arial" panose="020B0604020202020204" pitchFamily="34" charset="0"/>
+              </a:rPr>
+              <a:t>có</a:t>
+            </a:r>
+            <a:r>
+              <a:rPr lang="en-US" sz="2000" dirty="0">
+                <a:latin typeface="Arial" panose="020B0604020202020204" pitchFamily="34" charset="0"/>
+                <a:cs typeface="Arial" panose="020B0604020202020204" pitchFamily="34" charset="0"/>
+              </a:rPr>
+              <a:t> </a:t>
+            </a:r>
+            <a:r>
+              <a:rPr lang="en-US" sz="2000" dirty="0" err="1">
+                <a:latin typeface="Arial" panose="020B0604020202020204" pitchFamily="34" charset="0"/>
+                <a:cs typeface="Arial" panose="020B0604020202020204" pitchFamily="34" charset="0"/>
+              </a:rPr>
+              <a:t>doanh</a:t>
+            </a:r>
+            <a:r>
+              <a:rPr lang="en-US" sz="2000" dirty="0">
+                <a:latin typeface="Arial" panose="020B0604020202020204" pitchFamily="34" charset="0"/>
+                <a:cs typeface="Arial" panose="020B0604020202020204" pitchFamily="34" charset="0"/>
+              </a:rPr>
+              <a:t> </a:t>
+            </a:r>
+            <a:r>
+              <a:rPr lang="en-US" sz="2000" dirty="0" err="1">
+                <a:latin typeface="Arial" panose="020B0604020202020204" pitchFamily="34" charset="0"/>
+                <a:cs typeface="Arial" panose="020B0604020202020204" pitchFamily="34" charset="0"/>
+              </a:rPr>
+              <a:t>số</a:t>
+            </a:r>
+            <a:r>
+              <a:rPr lang="en-US" sz="2000" dirty="0">
+                <a:latin typeface="Arial" panose="020B0604020202020204" pitchFamily="34" charset="0"/>
+                <a:cs typeface="Arial" panose="020B0604020202020204" pitchFamily="34" charset="0"/>
+              </a:rPr>
+              <a:t>: </a:t>
+            </a:r>
+            <a:r>
+              <a:rPr lang="en-US" sz="2000" b="1" dirty="0">
+                <a:solidFill>
+                  <a:srgbClr val="FF0000"/>
+                </a:solidFill>
+                <a:latin typeface="Arial" panose="020B0604020202020204" pitchFamily="34" charset="0"/>
+                <a:cs typeface="Arial" panose="020B0604020202020204" pitchFamily="34" charset="0"/>
+              </a:rPr>
+              <a:t>7.5 </a:t>
+            </a:r>
+            <a:r>
+              <a:rPr lang="en-US" sz="2000" b="1" dirty="0" err="1">
+                <a:solidFill>
+                  <a:srgbClr val="FF0000"/>
+                </a:solidFill>
+                <a:latin typeface="Arial" panose="020B0604020202020204" pitchFamily="34" charset="0"/>
+                <a:cs typeface="Arial" panose="020B0604020202020204" pitchFamily="34" charset="0"/>
+              </a:rPr>
+              <a:t>tỷ</a:t>
+            </a:r>
+            <a:r>
+              <a:rPr lang="en-US" sz="2000" b="1" dirty="0">
+                <a:solidFill>
+                  <a:srgbClr val="FF0000"/>
+                </a:solidFill>
+                <a:latin typeface="Arial" panose="020B0604020202020204" pitchFamily="34" charset="0"/>
+                <a:cs typeface="Arial" panose="020B0604020202020204" pitchFamily="34" charset="0"/>
+              </a:rPr>
+              <a:t> </a:t>
+            </a:r>
+            <a:r>
+              <a:rPr lang="en-US" sz="2000" b="1" dirty="0" err="1">
+                <a:solidFill>
+                  <a:srgbClr val="FF0000"/>
+                </a:solidFill>
+                <a:latin typeface="Arial" panose="020B0604020202020204" pitchFamily="34" charset="0"/>
+                <a:cs typeface="Arial" panose="020B0604020202020204" pitchFamily="34" charset="0"/>
+              </a:rPr>
+              <a:t>đồng</a:t>
+            </a:r>
+            <a:r>
+              <a:rPr lang="en-US" sz="2000" dirty="0">
+                <a:latin typeface="Arial" panose="020B0604020202020204" pitchFamily="34" charset="0"/>
+                <a:cs typeface="Arial" panose="020B0604020202020204" pitchFamily="34" charset="0"/>
+              </a:rPr>
+              <a:t>. </a:t>
+            </a:r>
+          </a:p>
+          <a:p>
+            <a:pPr>
+              <a:lnSpc>
+                <a:spcPct val="150000"/>
+              </a:lnSpc>
+            </a:pPr>
+            <a:r>
+              <a:rPr lang="en-US" sz="2000" dirty="0" err="1">
+                <a:latin typeface="Arial" panose="020B0604020202020204" pitchFamily="34" charset="0"/>
+                <a:cs typeface="Arial" panose="020B0604020202020204" pitchFamily="34" charset="0"/>
+              </a:rPr>
+              <a:t>Trong</a:t>
+            </a:r>
+            <a:r>
+              <a:rPr lang="en-US" sz="2000" dirty="0">
+                <a:latin typeface="Arial" panose="020B0604020202020204" pitchFamily="34" charset="0"/>
+                <a:cs typeface="Arial" panose="020B0604020202020204" pitchFamily="34" charset="0"/>
+              </a:rPr>
+              <a:t> </a:t>
+            </a:r>
+            <a:r>
+              <a:rPr lang="en-US" sz="2000" dirty="0" err="1">
+                <a:latin typeface="Arial" panose="020B0604020202020204" pitchFamily="34" charset="0"/>
+                <a:cs typeface="Arial" panose="020B0604020202020204" pitchFamily="34" charset="0"/>
+              </a:rPr>
+              <a:t>đó</a:t>
+            </a:r>
+            <a:r>
+              <a:rPr lang="en-US" sz="2000" dirty="0">
+                <a:latin typeface="Arial" panose="020B0604020202020204" pitchFamily="34" charset="0"/>
+                <a:cs typeface="Arial" panose="020B0604020202020204" pitchFamily="34" charset="0"/>
+              </a:rPr>
+              <a:t> </a:t>
+            </a:r>
+            <a:r>
+              <a:rPr lang="en-US" sz="2000" dirty="0" err="1">
+                <a:latin typeface="Arial" panose="020B0604020202020204" pitchFamily="34" charset="0"/>
+                <a:cs typeface="Arial" panose="020B0604020202020204" pitchFamily="34" charset="0"/>
+              </a:rPr>
+              <a:t>đóng</a:t>
+            </a:r>
+            <a:r>
+              <a:rPr lang="en-US" sz="2000" dirty="0">
+                <a:latin typeface="Arial" panose="020B0604020202020204" pitchFamily="34" charset="0"/>
+                <a:cs typeface="Arial" panose="020B0604020202020204" pitchFamily="34" charset="0"/>
+              </a:rPr>
+              <a:t> </a:t>
+            </a:r>
+            <a:r>
+              <a:rPr lang="en-US" sz="2000" dirty="0" err="1">
+                <a:latin typeface="Arial" panose="020B0604020202020204" pitchFamily="34" charset="0"/>
+                <a:cs typeface="Arial" panose="020B0604020202020204" pitchFamily="34" charset="0"/>
+              </a:rPr>
+              <a:t>góp</a:t>
+            </a:r>
+            <a:r>
+              <a:rPr lang="en-US" sz="2000" dirty="0">
+                <a:latin typeface="Arial" panose="020B0604020202020204" pitchFamily="34" charset="0"/>
+                <a:cs typeface="Arial" panose="020B0604020202020204" pitchFamily="34" charset="0"/>
+              </a:rPr>
+              <a:t> </a:t>
+            </a:r>
+            <a:r>
+              <a:rPr lang="en-US" sz="2000" dirty="0" err="1">
+                <a:latin typeface="Arial" panose="020B0604020202020204" pitchFamily="34" charset="0"/>
+                <a:cs typeface="Arial" panose="020B0604020202020204" pitchFamily="34" charset="0"/>
+              </a:rPr>
+              <a:t>doanh</a:t>
+            </a:r>
+            <a:r>
+              <a:rPr lang="en-US" sz="2000" dirty="0">
+                <a:latin typeface="Arial" panose="020B0604020202020204" pitchFamily="34" charset="0"/>
+                <a:cs typeface="Arial" panose="020B0604020202020204" pitchFamily="34" charset="0"/>
+              </a:rPr>
+              <a:t> </a:t>
+            </a:r>
+            <a:r>
+              <a:rPr lang="en-US" sz="2000" dirty="0" err="1">
+                <a:latin typeface="Arial" panose="020B0604020202020204" pitchFamily="34" charset="0"/>
+                <a:cs typeface="Arial" panose="020B0604020202020204" pitchFamily="34" charset="0"/>
+              </a:rPr>
+              <a:t>thu</a:t>
+            </a:r>
+            <a:r>
+              <a:rPr lang="en-US" sz="2000" dirty="0">
+                <a:latin typeface="Arial" panose="020B0604020202020204" pitchFamily="34" charset="0"/>
+                <a:cs typeface="Arial" panose="020B0604020202020204" pitchFamily="34" charset="0"/>
+              </a:rPr>
+              <a:t> </a:t>
+            </a:r>
+            <a:r>
+              <a:rPr lang="en-US" sz="2000" dirty="0" err="1">
+                <a:latin typeface="Arial" panose="020B0604020202020204" pitchFamily="34" charset="0"/>
+                <a:cs typeface="Arial" panose="020B0604020202020204" pitchFamily="34" charset="0"/>
+              </a:rPr>
+              <a:t>hàng</a:t>
+            </a:r>
+            <a:r>
+              <a:rPr lang="en-US" sz="2000" dirty="0">
+                <a:latin typeface="Arial" panose="020B0604020202020204" pitchFamily="34" charset="0"/>
+                <a:cs typeface="Arial" panose="020B0604020202020204" pitchFamily="34" charset="0"/>
+              </a:rPr>
+              <a:t> </a:t>
+            </a:r>
+            <a:r>
+              <a:rPr lang="en-US" sz="2000" dirty="0" err="1">
+                <a:latin typeface="Arial" panose="020B0604020202020204" pitchFamily="34" charset="0"/>
+                <a:cs typeface="Arial" panose="020B0604020202020204" pitchFamily="34" charset="0"/>
+              </a:rPr>
+              <a:t>đầu</a:t>
+            </a:r>
+            <a:r>
+              <a:rPr lang="en-US" sz="2000" dirty="0">
+                <a:latin typeface="Arial" panose="020B0604020202020204" pitchFamily="34" charset="0"/>
+                <a:cs typeface="Arial" panose="020B0604020202020204" pitchFamily="34" charset="0"/>
+              </a:rPr>
+              <a:t> </a:t>
+            </a:r>
+            <a:r>
+              <a:rPr lang="en-US" sz="2000" dirty="0" err="1">
+                <a:latin typeface="Arial" panose="020B0604020202020204" pitchFamily="34" charset="0"/>
+                <a:cs typeface="Arial" panose="020B0604020202020204" pitchFamily="34" charset="0"/>
+              </a:rPr>
+              <a:t>là</a:t>
+            </a:r>
+            <a:endParaRPr lang="en-US" sz="2000" dirty="0">
+              <a:latin typeface="Arial" panose="020B0604020202020204" pitchFamily="34" charset="0"/>
+              <a:cs typeface="Arial" panose="020B0604020202020204" pitchFamily="34" charset="0"/>
+            </a:endParaRPr>
+          </a:p>
+          <a:p>
+            <a:pPr lvl="1">
+              <a:lnSpc>
+                <a:spcPct val="150000"/>
+              </a:lnSpc>
+            </a:pPr>
+            <a:r>
+              <a:rPr lang="en-US" sz="2000" dirty="0">
+                <a:latin typeface="Arial" panose="020B0604020202020204" pitchFamily="34" charset="0"/>
+                <a:cs typeface="Arial" panose="020B0604020202020204" pitchFamily="34" charset="0"/>
+              </a:rPr>
+              <a:t>Quang </a:t>
+            </a:r>
+            <a:r>
+              <a:rPr lang="en-US" sz="2000" dirty="0" err="1">
+                <a:latin typeface="Arial" panose="020B0604020202020204" pitchFamily="34" charset="0"/>
+                <a:cs typeface="Arial" panose="020B0604020202020204" pitchFamily="34" charset="0"/>
+              </a:rPr>
+              <a:t>Sài</a:t>
+            </a:r>
+            <a:r>
+              <a:rPr lang="en-US" sz="2000" dirty="0">
+                <a:latin typeface="Arial" panose="020B0604020202020204" pitchFamily="34" charset="0"/>
+                <a:cs typeface="Arial" panose="020B0604020202020204" pitchFamily="34" charset="0"/>
+              </a:rPr>
+              <a:t> </a:t>
+            </a:r>
+            <a:r>
+              <a:rPr lang="en-US" sz="2000" dirty="0" err="1">
+                <a:latin typeface="Arial" panose="020B0604020202020204" pitchFamily="34" charset="0"/>
+                <a:cs typeface="Arial" panose="020B0604020202020204" pitchFamily="34" charset="0"/>
+              </a:rPr>
+              <a:t>Gòn</a:t>
+            </a:r>
+            <a:endParaRPr lang="en-US" sz="2000" dirty="0">
+              <a:latin typeface="Arial" panose="020B0604020202020204" pitchFamily="34" charset="0"/>
+              <a:cs typeface="Arial" panose="020B0604020202020204" pitchFamily="34" charset="0"/>
+            </a:endParaRPr>
+          </a:p>
+          <a:p>
+            <a:pPr lvl="1">
+              <a:lnSpc>
+                <a:spcPct val="150000"/>
+              </a:lnSpc>
+            </a:pPr>
+            <a:r>
+              <a:rPr lang="en-US" sz="2000" dirty="0" err="1">
+                <a:latin typeface="Arial" panose="020B0604020202020204" pitchFamily="34" charset="0"/>
+                <a:cs typeface="Arial" panose="020B0604020202020204" pitchFamily="34" charset="0"/>
+              </a:rPr>
+              <a:t>Kiệt</a:t>
+            </a:r>
+            <a:r>
+              <a:rPr lang="en-US" sz="2000" dirty="0">
+                <a:latin typeface="Arial" panose="020B0604020202020204" pitchFamily="34" charset="0"/>
+                <a:cs typeface="Arial" panose="020B0604020202020204" pitchFamily="34" charset="0"/>
+              </a:rPr>
+              <a:t> </a:t>
+            </a:r>
+            <a:r>
+              <a:rPr lang="en-US" sz="2000" dirty="0" err="1">
+                <a:latin typeface="Arial" panose="020B0604020202020204" pitchFamily="34" charset="0"/>
+                <a:cs typeface="Arial" panose="020B0604020202020204" pitchFamily="34" charset="0"/>
+              </a:rPr>
+              <a:t>Chú</a:t>
+            </a:r>
+            <a:r>
+              <a:rPr lang="en-US" sz="2000" dirty="0">
+                <a:latin typeface="Arial" panose="020B0604020202020204" pitchFamily="34" charset="0"/>
+                <a:cs typeface="Arial" panose="020B0604020202020204" pitchFamily="34" charset="0"/>
+              </a:rPr>
+              <a:t> </a:t>
+            </a:r>
+            <a:r>
+              <a:rPr lang="en-US" sz="2000" dirty="0" err="1">
+                <a:latin typeface="Arial" panose="020B0604020202020204" pitchFamily="34" charset="0"/>
+                <a:cs typeface="Arial" panose="020B0604020202020204" pitchFamily="34" charset="0"/>
+              </a:rPr>
+              <a:t>Bá</a:t>
+            </a:r>
+            <a:endParaRPr lang="en-US" sz="2000" dirty="0">
+              <a:latin typeface="Arial" panose="020B0604020202020204" pitchFamily="34" charset="0"/>
+              <a:cs typeface="Arial" panose="020B0604020202020204" pitchFamily="34" charset="0"/>
+            </a:endParaRPr>
+          </a:p>
+          <a:p>
+            <a:pPr lvl="1">
+              <a:lnSpc>
+                <a:spcPct val="150000"/>
+              </a:lnSpc>
+            </a:pPr>
+            <a:r>
+              <a:rPr lang="en-US" sz="2000" dirty="0">
+                <a:latin typeface="Arial" panose="020B0604020202020204" pitchFamily="34" charset="0"/>
+                <a:cs typeface="Arial" panose="020B0604020202020204" pitchFamily="34" charset="0"/>
+              </a:rPr>
+              <a:t>CHCT-Anh </a:t>
+            </a:r>
+            <a:r>
+              <a:rPr lang="en-US" sz="2000" dirty="0" err="1">
+                <a:latin typeface="Arial" panose="020B0604020202020204" pitchFamily="34" charset="0"/>
+                <a:cs typeface="Arial" panose="020B0604020202020204" pitchFamily="34" charset="0"/>
+              </a:rPr>
+              <a:t>Hiền</a:t>
+            </a:r>
+            <a:endParaRPr lang="en-US" sz="2000" dirty="0">
+              <a:latin typeface="Arial" panose="020B0604020202020204" pitchFamily="34" charset="0"/>
+              <a:cs typeface="Arial" panose="020B0604020202020204" pitchFamily="34" charset="0"/>
+            </a:endParaRPr>
+          </a:p>
+          <a:p>
+            <a:pPr>
+              <a:lnSpc>
+                <a:spcPct val="150000"/>
+              </a:lnSpc>
+            </a:pPr>
+            <a:r>
+              <a:rPr lang="en-US" sz="2000" dirty="0" err="1">
+                <a:latin typeface="Arial" panose="020B0604020202020204" pitchFamily="34" charset="0"/>
+                <a:cs typeface="Arial" panose="020B0604020202020204" pitchFamily="34" charset="0"/>
+              </a:rPr>
+              <a:t>Tháng</a:t>
+            </a:r>
+            <a:r>
+              <a:rPr lang="en-US" sz="2000" dirty="0">
+                <a:latin typeface="Arial" panose="020B0604020202020204" pitchFamily="34" charset="0"/>
+                <a:cs typeface="Arial" panose="020B0604020202020204" pitchFamily="34" charset="0"/>
+              </a:rPr>
+              <a:t> 2, 3, 5, 7 </a:t>
+            </a:r>
+            <a:r>
+              <a:rPr lang="en-US" sz="2000" dirty="0" err="1">
+                <a:latin typeface="Arial" panose="020B0604020202020204" pitchFamily="34" charset="0"/>
+                <a:cs typeface="Arial" panose="020B0604020202020204" pitchFamily="34" charset="0"/>
+              </a:rPr>
+              <a:t>là</a:t>
+            </a:r>
+            <a:r>
+              <a:rPr lang="en-US" sz="2000" dirty="0">
+                <a:latin typeface="Arial" panose="020B0604020202020204" pitchFamily="34" charset="0"/>
+                <a:cs typeface="Arial" panose="020B0604020202020204" pitchFamily="34" charset="0"/>
+              </a:rPr>
+              <a:t> </a:t>
+            </a:r>
+            <a:r>
+              <a:rPr lang="en-US" sz="2000" dirty="0" err="1">
+                <a:latin typeface="Arial" panose="020B0604020202020204" pitchFamily="34" charset="0"/>
+                <a:cs typeface="Arial" panose="020B0604020202020204" pitchFamily="34" charset="0"/>
+              </a:rPr>
+              <a:t>các</a:t>
+            </a:r>
+            <a:r>
+              <a:rPr lang="en-US" sz="2000" dirty="0">
+                <a:latin typeface="Arial" panose="020B0604020202020204" pitchFamily="34" charset="0"/>
+                <a:cs typeface="Arial" panose="020B0604020202020204" pitchFamily="34" charset="0"/>
+              </a:rPr>
+              <a:t> </a:t>
+            </a:r>
+            <a:r>
+              <a:rPr lang="en-US" sz="2000" dirty="0" err="1">
+                <a:latin typeface="Arial" panose="020B0604020202020204" pitchFamily="34" charset="0"/>
+                <a:cs typeface="Arial" panose="020B0604020202020204" pitchFamily="34" charset="0"/>
+              </a:rPr>
+              <a:t>tháng</a:t>
+            </a:r>
+            <a:r>
+              <a:rPr lang="en-US" sz="2000" dirty="0">
+                <a:latin typeface="Arial" panose="020B0604020202020204" pitchFamily="34" charset="0"/>
+                <a:cs typeface="Arial" panose="020B0604020202020204" pitchFamily="34" charset="0"/>
+              </a:rPr>
+              <a:t> </a:t>
+            </a:r>
+            <a:r>
+              <a:rPr lang="en-US" sz="2000" dirty="0" err="1">
+                <a:latin typeface="Arial" panose="020B0604020202020204" pitchFamily="34" charset="0"/>
+                <a:cs typeface="Arial" panose="020B0604020202020204" pitchFamily="34" charset="0"/>
+              </a:rPr>
+              <a:t>có</a:t>
+            </a:r>
+            <a:r>
+              <a:rPr lang="en-US" sz="2000" dirty="0">
+                <a:latin typeface="Arial" panose="020B0604020202020204" pitchFamily="34" charset="0"/>
+                <a:cs typeface="Arial" panose="020B0604020202020204" pitchFamily="34" charset="0"/>
+              </a:rPr>
+              <a:t> </a:t>
+            </a:r>
+            <a:r>
+              <a:rPr lang="en-US" sz="2000" dirty="0" err="1">
+                <a:latin typeface="Arial" panose="020B0604020202020204" pitchFamily="34" charset="0"/>
+                <a:cs typeface="Arial" panose="020B0604020202020204" pitchFamily="34" charset="0"/>
+              </a:rPr>
+              <a:t>biến</a:t>
+            </a:r>
+            <a:r>
+              <a:rPr lang="en-US" sz="2000" dirty="0">
+                <a:latin typeface="Arial" panose="020B0604020202020204" pitchFamily="34" charset="0"/>
+                <a:cs typeface="Arial" panose="020B0604020202020204" pitchFamily="34" charset="0"/>
+              </a:rPr>
+              <a:t> </a:t>
+            </a:r>
+            <a:r>
+              <a:rPr lang="en-US" sz="2000" dirty="0" err="1">
+                <a:latin typeface="Arial" panose="020B0604020202020204" pitchFamily="34" charset="0"/>
+                <a:cs typeface="Arial" panose="020B0604020202020204" pitchFamily="34" charset="0"/>
+              </a:rPr>
+              <a:t>động</a:t>
+            </a:r>
+            <a:r>
+              <a:rPr lang="en-US" sz="2000" dirty="0">
+                <a:latin typeface="Arial" panose="020B0604020202020204" pitchFamily="34" charset="0"/>
+                <a:cs typeface="Arial" panose="020B0604020202020204" pitchFamily="34" charset="0"/>
+              </a:rPr>
+              <a:t> </a:t>
+            </a:r>
+            <a:r>
+              <a:rPr lang="en-US" sz="2000" dirty="0" err="1">
+                <a:latin typeface="Arial" panose="020B0604020202020204" pitchFamily="34" charset="0"/>
+                <a:cs typeface="Arial" panose="020B0604020202020204" pitchFamily="34" charset="0"/>
+              </a:rPr>
+              <a:t>doanh</a:t>
+            </a:r>
+            <a:r>
+              <a:rPr lang="en-US" sz="2000" dirty="0">
+                <a:latin typeface="Arial" panose="020B0604020202020204" pitchFamily="34" charset="0"/>
+                <a:cs typeface="Arial" panose="020B0604020202020204" pitchFamily="34" charset="0"/>
+              </a:rPr>
+              <a:t> </a:t>
+            </a:r>
+            <a:r>
+              <a:rPr lang="en-US" sz="2000" dirty="0" err="1">
+                <a:latin typeface="Arial" panose="020B0604020202020204" pitchFamily="34" charset="0"/>
+                <a:cs typeface="Arial" panose="020B0604020202020204" pitchFamily="34" charset="0"/>
+              </a:rPr>
+              <a:t>số</a:t>
+            </a:r>
+            <a:r>
+              <a:rPr lang="en-US" sz="2000" dirty="0">
+                <a:latin typeface="Arial" panose="020B0604020202020204" pitchFamily="34" charset="0"/>
+                <a:cs typeface="Arial" panose="020B0604020202020204" pitchFamily="34" charset="0"/>
+              </a:rPr>
+              <a:t> </a:t>
+            </a:r>
+            <a:r>
+              <a:rPr lang="en-US" sz="2000" dirty="0" err="1">
+                <a:latin typeface="Arial" panose="020B0604020202020204" pitchFamily="34" charset="0"/>
+                <a:cs typeface="Arial" panose="020B0604020202020204" pitchFamily="34" charset="0"/>
+              </a:rPr>
+              <a:t>lớn</a:t>
+            </a:r>
+            <a:r>
+              <a:rPr lang="en-US" sz="2000" dirty="0">
+                <a:latin typeface="Arial" panose="020B0604020202020204" pitchFamily="34" charset="0"/>
+                <a:cs typeface="Arial" panose="020B0604020202020204" pitchFamily="34" charset="0"/>
+              </a:rPr>
+              <a:t> </a:t>
+            </a:r>
+            <a:r>
+              <a:rPr lang="en-US" sz="2000" dirty="0" err="1">
+                <a:latin typeface="Arial" panose="020B0604020202020204" pitchFamily="34" charset="0"/>
+                <a:cs typeface="Arial" panose="020B0604020202020204" pitchFamily="34" charset="0"/>
+              </a:rPr>
+              <a:t>nhất</a:t>
+            </a:r>
+            <a:endParaRPr lang="en-US" sz="2000" dirty="0">
+              <a:latin typeface="Arial" panose="020B0604020202020204" pitchFamily="34" charset="0"/>
+              <a:cs typeface="Arial" panose="020B0604020202020204" pitchFamily="34" charset="0"/>
+            </a:endParaRPr>
+          </a:p>
+          <a:p>
+            <a:pPr>
+              <a:lnSpc>
+                <a:spcPct val="150000"/>
+              </a:lnSpc>
+            </a:pPr>
+            <a:r>
+              <a:rPr lang="en-US" sz="2000" dirty="0" err="1">
+                <a:latin typeface="Arial" panose="020B0604020202020204" pitchFamily="34" charset="0"/>
+                <a:cs typeface="Arial" panose="020B0604020202020204" pitchFamily="34" charset="0"/>
+              </a:rPr>
+              <a:t>Nhóm</a:t>
+            </a:r>
+            <a:r>
+              <a:rPr lang="en-US" sz="2000" dirty="0">
+                <a:latin typeface="Arial" panose="020B0604020202020204" pitchFamily="34" charset="0"/>
+                <a:cs typeface="Arial" panose="020B0604020202020204" pitchFamily="34" charset="0"/>
+              </a:rPr>
+              <a:t> </a:t>
+            </a:r>
+            <a:r>
+              <a:rPr lang="en-US" sz="2000" dirty="0" err="1">
+                <a:latin typeface="Arial" panose="020B0604020202020204" pitchFamily="34" charset="0"/>
+                <a:cs typeface="Arial" panose="020B0604020202020204" pitchFamily="34" charset="0"/>
+              </a:rPr>
+              <a:t>sản</a:t>
+            </a:r>
+            <a:r>
+              <a:rPr lang="en-US" sz="2000" dirty="0">
+                <a:latin typeface="Arial" panose="020B0604020202020204" pitchFamily="34" charset="0"/>
+                <a:cs typeface="Arial" panose="020B0604020202020204" pitchFamily="34" charset="0"/>
+              </a:rPr>
+              <a:t> </a:t>
+            </a:r>
+            <a:r>
+              <a:rPr lang="en-US" sz="2000" dirty="0" err="1">
+                <a:latin typeface="Arial" panose="020B0604020202020204" pitchFamily="34" charset="0"/>
+                <a:cs typeface="Arial" panose="020B0604020202020204" pitchFamily="34" charset="0"/>
+              </a:rPr>
+              <a:t>phẩm</a:t>
+            </a:r>
+            <a:endParaRPr lang="en-US" sz="2000" dirty="0">
+              <a:latin typeface="Arial" panose="020B0604020202020204" pitchFamily="34" charset="0"/>
+              <a:cs typeface="Arial" panose="020B0604020202020204" pitchFamily="34" charset="0"/>
+            </a:endParaRPr>
+          </a:p>
+          <a:p>
+            <a:pPr lvl="1">
+              <a:lnSpc>
+                <a:spcPct val="150000"/>
+              </a:lnSpc>
+            </a:pPr>
+            <a:r>
+              <a:rPr lang="en-US" sz="2000" dirty="0" err="1">
+                <a:latin typeface="Arial" panose="020B0604020202020204" pitchFamily="34" charset="0"/>
+                <a:cs typeface="Arial" panose="020B0604020202020204" pitchFamily="34" charset="0"/>
+              </a:rPr>
+              <a:t>Giảm</a:t>
+            </a:r>
+            <a:r>
+              <a:rPr lang="en-US" sz="2000" dirty="0">
+                <a:latin typeface="Arial" panose="020B0604020202020204" pitchFamily="34" charset="0"/>
+                <a:cs typeface="Arial" panose="020B0604020202020204" pitchFamily="34" charset="0"/>
+              </a:rPr>
+              <a:t> </a:t>
+            </a:r>
+            <a:r>
+              <a:rPr lang="en-US" sz="2000" dirty="0" err="1">
+                <a:latin typeface="Arial" panose="020B0604020202020204" pitchFamily="34" charset="0"/>
+                <a:cs typeface="Arial" panose="020B0604020202020204" pitchFamily="34" charset="0"/>
+              </a:rPr>
+              <a:t>sốc</a:t>
+            </a:r>
+            <a:r>
+              <a:rPr lang="en-US" sz="2000" dirty="0">
+                <a:latin typeface="Arial" panose="020B0604020202020204" pitchFamily="34" charset="0"/>
+                <a:cs typeface="Arial" panose="020B0604020202020204" pitchFamily="34" charset="0"/>
+              </a:rPr>
+              <a:t>: 35.6% </a:t>
+            </a:r>
+            <a:r>
+              <a:rPr lang="en-US" sz="2000" dirty="0" err="1">
+                <a:latin typeface="Arial" panose="020B0604020202020204" pitchFamily="34" charset="0"/>
+                <a:cs typeface="Arial" panose="020B0604020202020204" pitchFamily="34" charset="0"/>
+              </a:rPr>
+              <a:t>đóng</a:t>
+            </a:r>
+            <a:r>
+              <a:rPr lang="en-US" sz="2000" dirty="0">
+                <a:latin typeface="Arial" panose="020B0604020202020204" pitchFamily="34" charset="0"/>
+                <a:cs typeface="Arial" panose="020B0604020202020204" pitchFamily="34" charset="0"/>
+              </a:rPr>
+              <a:t> </a:t>
+            </a:r>
+            <a:r>
+              <a:rPr lang="en-US" sz="2000" dirty="0" err="1">
+                <a:latin typeface="Arial" panose="020B0604020202020204" pitchFamily="34" charset="0"/>
+                <a:cs typeface="Arial" panose="020B0604020202020204" pitchFamily="34" charset="0"/>
+              </a:rPr>
+              <a:t>góp</a:t>
+            </a:r>
+            <a:r>
+              <a:rPr lang="en-US" sz="2000" dirty="0">
+                <a:latin typeface="Arial" panose="020B0604020202020204" pitchFamily="34" charset="0"/>
+                <a:cs typeface="Arial" panose="020B0604020202020204" pitchFamily="34" charset="0"/>
+              </a:rPr>
+              <a:t> </a:t>
+            </a:r>
+            <a:r>
+              <a:rPr lang="en-US" sz="2000" dirty="0" err="1">
+                <a:latin typeface="Arial" panose="020B0604020202020204" pitchFamily="34" charset="0"/>
+                <a:cs typeface="Arial" panose="020B0604020202020204" pitchFamily="34" charset="0"/>
+              </a:rPr>
+              <a:t>doanh</a:t>
+            </a:r>
+            <a:r>
+              <a:rPr lang="en-US" sz="2000" dirty="0">
+                <a:latin typeface="Arial" panose="020B0604020202020204" pitchFamily="34" charset="0"/>
+                <a:cs typeface="Arial" panose="020B0604020202020204" pitchFamily="34" charset="0"/>
+              </a:rPr>
+              <a:t> </a:t>
+            </a:r>
+            <a:r>
+              <a:rPr lang="en-US" sz="2000" dirty="0" err="1">
+                <a:latin typeface="Arial" panose="020B0604020202020204" pitchFamily="34" charset="0"/>
+                <a:cs typeface="Arial" panose="020B0604020202020204" pitchFamily="34" charset="0"/>
+              </a:rPr>
+              <a:t>số</a:t>
+            </a:r>
+            <a:endParaRPr lang="en-US" sz="2000" dirty="0">
+              <a:latin typeface="Arial" panose="020B0604020202020204" pitchFamily="34" charset="0"/>
+              <a:cs typeface="Arial" panose="020B0604020202020204" pitchFamily="34" charset="0"/>
+            </a:endParaRPr>
+          </a:p>
+          <a:p>
+            <a:pPr lvl="1">
+              <a:lnSpc>
+                <a:spcPct val="150000"/>
+              </a:lnSpc>
+            </a:pPr>
+            <a:r>
+              <a:rPr lang="en-US" sz="2000" dirty="0">
+                <a:latin typeface="Arial" panose="020B0604020202020204" pitchFamily="34" charset="0"/>
+                <a:cs typeface="Arial" panose="020B0604020202020204" pitchFamily="34" charset="0"/>
+              </a:rPr>
+              <a:t>DIACON: 17.5% </a:t>
+            </a:r>
+            <a:r>
+              <a:rPr lang="en-US" sz="2000" dirty="0" err="1">
+                <a:latin typeface="Arial" panose="020B0604020202020204" pitchFamily="34" charset="0"/>
+                <a:cs typeface="Arial" panose="020B0604020202020204" pitchFamily="34" charset="0"/>
+              </a:rPr>
+              <a:t>đóng</a:t>
+            </a:r>
+            <a:r>
+              <a:rPr lang="en-US" sz="2000" dirty="0">
+                <a:latin typeface="Arial" panose="020B0604020202020204" pitchFamily="34" charset="0"/>
+                <a:cs typeface="Arial" panose="020B0604020202020204" pitchFamily="34" charset="0"/>
+              </a:rPr>
+              <a:t> </a:t>
+            </a:r>
+            <a:r>
+              <a:rPr lang="en-US" sz="2000" dirty="0" err="1">
+                <a:latin typeface="Arial" panose="020B0604020202020204" pitchFamily="34" charset="0"/>
+                <a:cs typeface="Arial" panose="020B0604020202020204" pitchFamily="34" charset="0"/>
+              </a:rPr>
+              <a:t>góp</a:t>
+            </a:r>
+            <a:r>
+              <a:rPr lang="en-US" sz="2000" dirty="0">
+                <a:latin typeface="Arial" panose="020B0604020202020204" pitchFamily="34" charset="0"/>
+                <a:cs typeface="Arial" panose="020B0604020202020204" pitchFamily="34" charset="0"/>
+              </a:rPr>
+              <a:t> </a:t>
+            </a:r>
+            <a:r>
+              <a:rPr lang="en-US" sz="2000" dirty="0" err="1">
+                <a:latin typeface="Arial" panose="020B0604020202020204" pitchFamily="34" charset="0"/>
+                <a:cs typeface="Arial" panose="020B0604020202020204" pitchFamily="34" charset="0"/>
+              </a:rPr>
+              <a:t>doanh</a:t>
+            </a:r>
+            <a:r>
+              <a:rPr lang="en-US" sz="2000" dirty="0">
+                <a:latin typeface="Arial" panose="020B0604020202020204" pitchFamily="34" charset="0"/>
+                <a:cs typeface="Arial" panose="020B0604020202020204" pitchFamily="34" charset="0"/>
+              </a:rPr>
+              <a:t> </a:t>
+            </a:r>
+            <a:r>
+              <a:rPr lang="en-US" sz="2000" dirty="0" err="1">
+                <a:latin typeface="Arial" panose="020B0604020202020204" pitchFamily="34" charset="0"/>
+                <a:cs typeface="Arial" panose="020B0604020202020204" pitchFamily="34" charset="0"/>
+              </a:rPr>
+              <a:t>số</a:t>
+            </a:r>
+            <a:endParaRPr lang="en-US" sz="2000" dirty="0">
+              <a:latin typeface="Arial" panose="020B0604020202020204" pitchFamily="34" charset="0"/>
+              <a:cs typeface="Arial" panose="020B0604020202020204" pitchFamily="34" charset="0"/>
+            </a:endParaRPr>
+          </a:p>
+          <a:p>
+            <a:pPr lvl="1">
+              <a:lnSpc>
+                <a:spcPct val="150000"/>
+              </a:lnSpc>
+            </a:pPr>
+            <a:r>
+              <a:rPr lang="en-US" sz="2000" dirty="0">
+                <a:latin typeface="Arial" panose="020B0604020202020204" pitchFamily="34" charset="0"/>
+                <a:cs typeface="Arial" panose="020B0604020202020204" pitchFamily="34" charset="0"/>
+              </a:rPr>
+              <a:t>BANEP: 11% </a:t>
+            </a:r>
+            <a:r>
+              <a:rPr lang="en-US" sz="2000" dirty="0" err="1">
+                <a:latin typeface="Arial" panose="020B0604020202020204" pitchFamily="34" charset="0"/>
+                <a:cs typeface="Arial" panose="020B0604020202020204" pitchFamily="34" charset="0"/>
+              </a:rPr>
+              <a:t>đóng</a:t>
+            </a:r>
+            <a:r>
+              <a:rPr lang="en-US" sz="2000" dirty="0">
+                <a:latin typeface="Arial" panose="020B0604020202020204" pitchFamily="34" charset="0"/>
+                <a:cs typeface="Arial" panose="020B0604020202020204" pitchFamily="34" charset="0"/>
+              </a:rPr>
+              <a:t> </a:t>
+            </a:r>
+            <a:r>
+              <a:rPr lang="en-US" sz="2000" dirty="0" err="1">
+                <a:latin typeface="Arial" panose="020B0604020202020204" pitchFamily="34" charset="0"/>
+                <a:cs typeface="Arial" panose="020B0604020202020204" pitchFamily="34" charset="0"/>
+              </a:rPr>
+              <a:t>góp</a:t>
+            </a:r>
+            <a:r>
+              <a:rPr lang="en-US" sz="2000" dirty="0">
+                <a:latin typeface="Arial" panose="020B0604020202020204" pitchFamily="34" charset="0"/>
+                <a:cs typeface="Arial" panose="020B0604020202020204" pitchFamily="34" charset="0"/>
+              </a:rPr>
+              <a:t> </a:t>
+            </a:r>
+            <a:r>
+              <a:rPr lang="en-US" sz="2000" dirty="0" err="1">
+                <a:latin typeface="Arial" panose="020B0604020202020204" pitchFamily="34" charset="0"/>
+                <a:cs typeface="Arial" panose="020B0604020202020204" pitchFamily="34" charset="0"/>
+              </a:rPr>
+              <a:t>doanh</a:t>
+            </a:r>
+            <a:r>
+              <a:rPr lang="en-US" sz="2000" dirty="0">
+                <a:latin typeface="Arial" panose="020B0604020202020204" pitchFamily="34" charset="0"/>
+                <a:cs typeface="Arial" panose="020B0604020202020204" pitchFamily="34" charset="0"/>
+              </a:rPr>
+              <a:t> </a:t>
+            </a:r>
+            <a:r>
+              <a:rPr lang="en-US" sz="2000" dirty="0" err="1">
+                <a:latin typeface="Arial" panose="020B0604020202020204" pitchFamily="34" charset="0"/>
+                <a:cs typeface="Arial" panose="020B0604020202020204" pitchFamily="34" charset="0"/>
+              </a:rPr>
+              <a:t>số</a:t>
+            </a:r>
+            <a:endParaRPr lang="en-US" sz="2000" dirty="0">
+              <a:latin typeface="Arial" panose="020B0604020202020204" pitchFamily="34" charset="0"/>
+              <a:cs typeface="Arial" panose="020B0604020202020204" pitchFamily="34" charset="0"/>
+            </a:endParaRPr>
+          </a:p>
+          <a:p>
+            <a:pPr>
+              <a:lnSpc>
+                <a:spcPct val="150000"/>
+              </a:lnSpc>
+            </a:pPr>
+            <a:endParaRPr lang="en-US" sz="2000" dirty="0">
+              <a:latin typeface="Arial" panose="020B0604020202020204" pitchFamily="34" charset="0"/>
+              <a:cs typeface="Arial" panose="020B0604020202020204" pitchFamily="34" charset="0"/>
+            </a:endParaRPr>
+          </a:p>
+          <a:p>
+            <a:pPr lvl="1">
+              <a:lnSpc>
+                <a:spcPct val="150000"/>
+              </a:lnSpc>
+            </a:pPr>
+            <a:endParaRPr lang="en-US" sz="2000" dirty="0">
+              <a:latin typeface="Arial" panose="020B0604020202020204" pitchFamily="34" charset="0"/>
+              <a:cs typeface="Arial" panose="020B0604020202020204" pitchFamily="34" charset="0"/>
+            </a:endParaRPr>
+          </a:p>
+          <a:p>
+            <a:pPr lvl="1">
+              <a:lnSpc>
+                <a:spcPct val="150000"/>
+              </a:lnSpc>
+            </a:pPr>
+            <a:endParaRPr lang="en-US" sz="2000" dirty="0">
+              <a:latin typeface="Arial" panose="020B0604020202020204" pitchFamily="34" charset="0"/>
+              <a:cs typeface="Arial" panose="020B0604020202020204" pitchFamily="34" charset="0"/>
+            </a:endParaRPr>
+          </a:p>
+          <a:p>
+            <a:pPr lvl="1">
+              <a:lnSpc>
+                <a:spcPct val="150000"/>
+              </a:lnSpc>
+            </a:pPr>
+            <a:endParaRPr lang="en-US" sz="2000" dirty="0">
+              <a:latin typeface="Arial" panose="020B0604020202020204" pitchFamily="34" charset="0"/>
+              <a:cs typeface="Arial" panose="020B0604020202020204" pitchFamily="34" charset="0"/>
+            </a:endParaRPr>
+          </a:p>
+        </p:txBody>
+      </p:sp>
+    </p:spTree>
+    <p:extLst>
+      <p:ext uri="{BB962C8B-B14F-4D97-AF65-F5344CB8AC3E}">
+        <p14:creationId xmlns:p14="http://schemas.microsoft.com/office/powerpoint/2010/main" val="3633924017"/>
+      </p:ext>
+    </p:extLst>
+  </p:cSld>
+  <p:clrMapOvr>
+    <a:masterClrMapping/>
+  </p:clrMapOvr>
+</p:sld>
+</file>
+
+<file path=ppt/slides/slide3.xml><?xml version="1.0" encoding="utf-8"?>
+<p:sld xmlns:a="http://schemas.openxmlformats.org/drawingml/2006/main" xmlns:r="http://schemas.openxmlformats.org/officeDocument/2006/relationships" xmlns:p="http://schemas.openxmlformats.org/presentationml/2006/main">
+  <p:cSld>
+    <p:spTree>
+      <p:nvGrpSpPr>
+        <p:cNvPr id="1" name=""/>
+        <p:cNvGrpSpPr/>
+        <p:nvPr/>
+      </p:nvGrpSpPr>
+      <p:grpSpPr>
+        <a:xfrm>
+          <a:off x="0" y="0"/>
+          <a:ext cx="0" cy="0"/>
+          <a:chOff x="0" y="0"/>
+          <a:chExt cx="0" cy="0"/>
+        </a:xfrm>
+      </p:grpSpPr>
+      <p:sp>
+        <p:nvSpPr>
+          <p:cNvPr id="2" name="Title 1">
+            <a:extLst>
+              <a:ext uri="{FF2B5EF4-FFF2-40B4-BE49-F238E27FC236}">
                 <a16:creationId xmlns:a16="http://schemas.microsoft.com/office/drawing/2014/main" id="{75F9176A-2EAF-FA75-D941-ABEFE14E0A22}"/>
               </a:ext>
             </a:extLst>
@@ -6630,7 +6821,7 @@
 </p:sld>
 </file>
 
-<file path=ppt/slides/slide3.xml><?xml version="1.0" encoding="utf-8"?>
+<file path=ppt/slides/slide4.xml><?xml version="1.0" encoding="utf-8"?>
 <p:sld xmlns:a="http://schemas.openxmlformats.org/drawingml/2006/main" xmlns:r="http://schemas.openxmlformats.org/officeDocument/2006/relationships" xmlns:p="http://schemas.openxmlformats.org/presentationml/2006/main">
   <p:cSld>
     <p:spTree>
@@ -6739,7 +6930,7 @@
 </p:sld>
 </file>
 
-<file path=ppt/slides/slide4.xml><?xml version="1.0" encoding="utf-8"?>
+<file path=ppt/slides/slide5.xml><?xml version="1.0" encoding="utf-8"?>
 <p:sld xmlns:a="http://schemas.openxmlformats.org/drawingml/2006/main" xmlns:r="http://schemas.openxmlformats.org/officeDocument/2006/relationships" xmlns:p="http://schemas.openxmlformats.org/presentationml/2006/main">
   <p:cSld>
     <p:spTree>
@@ -7609,7 +7800,7 @@
 </p:sld>
 </file>
 
-<file path=ppt/slides/slide5.xml><?xml version="1.0" encoding="utf-8"?>
+<file path=ppt/slides/slide6.xml><?xml version="1.0" encoding="utf-8"?>
 <p:sld xmlns:a="http://schemas.openxmlformats.org/drawingml/2006/main" xmlns:r="http://schemas.openxmlformats.org/officeDocument/2006/relationships" xmlns:p="http://schemas.openxmlformats.org/presentationml/2006/main">
   <p:cSld>
     <p:spTree>
@@ -7719,7 +7910,7 @@
 </p:sld>
 </file>
 
-<file path=ppt/slides/slide6.xml><?xml version="1.0" encoding="utf-8"?>
+<file path=ppt/slides/slide7.xml><?xml version="1.0" encoding="utf-8"?>
 <p:sld xmlns:a="http://schemas.openxmlformats.org/drawingml/2006/main" xmlns:r="http://schemas.openxmlformats.org/officeDocument/2006/relationships" xmlns:p="http://schemas.openxmlformats.org/presentationml/2006/main">
   <p:cSld>
     <p:spTree>
@@ -7829,7 +8020,7 @@
 </p:sld>
 </file>
 
-<file path=ppt/slides/slide7.xml><?xml version="1.0" encoding="utf-8"?>
+<file path=ppt/slides/slide8.xml><?xml version="1.0" encoding="utf-8"?>
 <p:sld xmlns:a="http://schemas.openxmlformats.org/drawingml/2006/main" xmlns:r="http://schemas.openxmlformats.org/officeDocument/2006/relationships" xmlns:p="http://schemas.openxmlformats.org/presentationml/2006/main">
   <p:cSld>
     <p:spTree>
@@ -7939,898 +8130,6 @@
 </p:sld>
 </file>
 
-<file path=ppt/slides/slide8.xml><?xml version="1.0" encoding="utf-8"?>
-<p:sld xmlns:a="http://schemas.openxmlformats.org/drawingml/2006/main" xmlns:r="http://schemas.openxmlformats.org/officeDocument/2006/relationships" xmlns:p="http://schemas.openxmlformats.org/presentationml/2006/main">
-  <p:cSld>
-    <p:spTree>
-      <p:nvGrpSpPr>
-        <p:cNvPr id="1" name=""/>
-        <p:cNvGrpSpPr/>
-        <p:nvPr/>
-      </p:nvGrpSpPr>
-      <p:grpSpPr>
-        <a:xfrm>
-          <a:off x="0" y="0"/>
-          <a:ext cx="0" cy="0"/>
-          <a:chOff x="0" y="0"/>
-          <a:chExt cx="0" cy="0"/>
-        </a:xfrm>
-      </p:grpSpPr>
-      <p:sp>
-        <p:nvSpPr>
-          <p:cNvPr id="2" name="Title 1">
-            <a:extLst>
-              <a:ext uri="{FF2B5EF4-FFF2-40B4-BE49-F238E27FC236}">
-                <a16:creationId xmlns:a16="http://schemas.microsoft.com/office/drawing/2014/main" id="{6BB24CEF-EBE4-D0AE-BB8D-49DE581BA607}"/>
-              </a:ext>
-            </a:extLst>
-          </p:cNvPr>
-          <p:cNvSpPr>
-            <a:spLocks noGrp="1"/>
-          </p:cNvSpPr>
-          <p:nvPr>
-            <p:ph type="title"/>
-          </p:nvPr>
-        </p:nvSpPr>
-        <p:spPr/>
-        <p:txBody>
-          <a:bodyPr/>
-          <a:lstStyle/>
-          <a:p>
-            <a:r>
-              <a:rPr lang="en-US" dirty="0" err="1"/>
-              <a:t>Diễn</a:t>
-            </a:r>
-            <a:r>
-              <a:rPr lang="en-US" dirty="0"/>
-              <a:t> </a:t>
-            </a:r>
-            <a:r>
-              <a:rPr lang="en-US" dirty="0" err="1"/>
-              <a:t>giải</a:t>
-            </a:r>
-            <a:r>
-              <a:rPr lang="en-US" dirty="0"/>
-              <a:t>: </a:t>
-            </a:r>
-            <a:r>
-              <a:rPr lang="en-US" dirty="0" err="1"/>
-              <a:t>Kiệt</a:t>
-            </a:r>
-            <a:r>
-              <a:rPr lang="en-US" dirty="0"/>
-              <a:t> </a:t>
-            </a:r>
-            <a:r>
-              <a:rPr lang="en-US" dirty="0" err="1"/>
-              <a:t>Chú</a:t>
-            </a:r>
-            <a:r>
-              <a:rPr lang="en-US" dirty="0"/>
-              <a:t> </a:t>
-            </a:r>
-            <a:r>
-              <a:rPr lang="en-US" dirty="0" err="1"/>
-              <a:t>ba</a:t>
-            </a:r>
-            <a:endParaRPr lang="en-US" dirty="0"/>
-          </a:p>
-        </p:txBody>
-      </p:sp>
-      <p:sp>
-        <p:nvSpPr>
-          <p:cNvPr id="3" name="Content Placeholder 2">
-            <a:extLst>
-              <a:ext uri="{FF2B5EF4-FFF2-40B4-BE49-F238E27FC236}">
-                <a16:creationId xmlns:a16="http://schemas.microsoft.com/office/drawing/2014/main" id="{A36C5B96-444B-6BB0-C4CD-C78622C07EE7}"/>
-              </a:ext>
-            </a:extLst>
-          </p:cNvPr>
-          <p:cNvSpPr>
-            <a:spLocks noGrp="1"/>
-          </p:cNvSpPr>
-          <p:nvPr>
-            <p:ph idx="1"/>
-          </p:nvPr>
-        </p:nvSpPr>
-        <p:spPr>
-          <a:xfrm>
-            <a:off x="838200" y="1825625"/>
-            <a:ext cx="11353800" cy="4238999"/>
-          </a:xfrm>
-        </p:spPr>
-        <p:txBody>
-          <a:bodyPr>
-            <a:normAutofit/>
-          </a:bodyPr>
-          <a:lstStyle/>
-          <a:p>
-            <a:r>
-              <a:rPr lang="en-US" sz="3200" dirty="0" err="1">
-                <a:latin typeface="Arial" panose="020B0604020202020204" pitchFamily="34" charset="0"/>
-                <a:cs typeface="Arial" panose="020B0604020202020204" pitchFamily="34" charset="0"/>
-              </a:rPr>
-              <a:t>Tổng</a:t>
-            </a:r>
-            <a:r>
-              <a:rPr lang="en-US" sz="3200" dirty="0">
-                <a:latin typeface="Arial" panose="020B0604020202020204" pitchFamily="34" charset="0"/>
-                <a:cs typeface="Arial" panose="020B0604020202020204" pitchFamily="34" charset="0"/>
-              </a:rPr>
-              <a:t> </a:t>
-            </a:r>
-            <a:r>
-              <a:rPr lang="en-US" sz="3200" dirty="0" err="1">
-                <a:latin typeface="Arial" panose="020B0604020202020204" pitchFamily="34" charset="0"/>
-                <a:cs typeface="Arial" panose="020B0604020202020204" pitchFamily="34" charset="0"/>
-              </a:rPr>
-              <a:t>doanh</a:t>
-            </a:r>
-            <a:r>
-              <a:rPr lang="en-US" sz="3200" dirty="0">
-                <a:latin typeface="Arial" panose="020B0604020202020204" pitchFamily="34" charset="0"/>
-                <a:cs typeface="Arial" panose="020B0604020202020204" pitchFamily="34" charset="0"/>
-              </a:rPr>
-              <a:t> </a:t>
-            </a:r>
-            <a:r>
-              <a:rPr lang="en-US" sz="3200" dirty="0" err="1">
-                <a:latin typeface="Arial" panose="020B0604020202020204" pitchFamily="34" charset="0"/>
-                <a:cs typeface="Arial" panose="020B0604020202020204" pitchFamily="34" charset="0"/>
-              </a:rPr>
-              <a:t>số</a:t>
-            </a:r>
-            <a:r>
-              <a:rPr lang="en-US" sz="3200" dirty="0">
-                <a:latin typeface="Arial" panose="020B0604020202020204" pitchFamily="34" charset="0"/>
-                <a:cs typeface="Arial" panose="020B0604020202020204" pitchFamily="34" charset="0"/>
-              </a:rPr>
-              <a:t> : </a:t>
-            </a:r>
-            <a:r>
-              <a:rPr lang="en-US" sz="3200" b="1" dirty="0">
-                <a:solidFill>
-                  <a:srgbClr val="FF0000"/>
-                </a:solidFill>
-                <a:latin typeface="Arial" panose="020B0604020202020204" pitchFamily="34" charset="0"/>
-                <a:cs typeface="Arial" panose="020B0604020202020204" pitchFamily="34" charset="0"/>
-              </a:rPr>
-              <a:t>2.6 </a:t>
-            </a:r>
-            <a:r>
-              <a:rPr lang="en-US" sz="3200" b="1" dirty="0" err="1">
-                <a:solidFill>
-                  <a:srgbClr val="FF0000"/>
-                </a:solidFill>
-                <a:latin typeface="Arial" panose="020B0604020202020204" pitchFamily="34" charset="0"/>
-                <a:cs typeface="Arial" panose="020B0604020202020204" pitchFamily="34" charset="0"/>
-              </a:rPr>
-              <a:t>tỷ</a:t>
-            </a:r>
-            <a:r>
-              <a:rPr lang="en-US" sz="3200" b="1" dirty="0">
-                <a:solidFill>
-                  <a:srgbClr val="FF0000"/>
-                </a:solidFill>
-                <a:latin typeface="Arial" panose="020B0604020202020204" pitchFamily="34" charset="0"/>
-                <a:cs typeface="Arial" panose="020B0604020202020204" pitchFamily="34" charset="0"/>
-              </a:rPr>
-              <a:t> </a:t>
-            </a:r>
-            <a:r>
-              <a:rPr lang="en-US" sz="3200" b="1" dirty="0" err="1">
-                <a:solidFill>
-                  <a:srgbClr val="FF0000"/>
-                </a:solidFill>
-                <a:latin typeface="Arial" panose="020B0604020202020204" pitchFamily="34" charset="0"/>
-                <a:cs typeface="Arial" panose="020B0604020202020204" pitchFamily="34" charset="0"/>
-              </a:rPr>
-              <a:t>đồng</a:t>
-            </a:r>
-            <a:r>
-              <a:rPr lang="en-US" sz="3200" b="1" dirty="0">
-                <a:solidFill>
-                  <a:srgbClr val="FF0000"/>
-                </a:solidFill>
-                <a:latin typeface="Arial" panose="020B0604020202020204" pitchFamily="34" charset="0"/>
-                <a:cs typeface="Arial" panose="020B0604020202020204" pitchFamily="34" charset="0"/>
-              </a:rPr>
-              <a:t>; </a:t>
-            </a:r>
-            <a:r>
-              <a:rPr lang="en-US" sz="3200" dirty="0" err="1">
-                <a:latin typeface="Arial" panose="020B0604020202020204" pitchFamily="34" charset="0"/>
-                <a:cs typeface="Arial" panose="020B0604020202020204" pitchFamily="34" charset="0"/>
-              </a:rPr>
-              <a:t>trung</a:t>
-            </a:r>
-            <a:r>
-              <a:rPr lang="en-US" sz="3200" dirty="0">
-                <a:latin typeface="Arial" panose="020B0604020202020204" pitchFamily="34" charset="0"/>
-                <a:cs typeface="Arial" panose="020B0604020202020204" pitchFamily="34" charset="0"/>
-              </a:rPr>
-              <a:t> </a:t>
-            </a:r>
-            <a:r>
-              <a:rPr lang="en-US" sz="3200" dirty="0" err="1">
-                <a:latin typeface="Arial" panose="020B0604020202020204" pitchFamily="34" charset="0"/>
-                <a:cs typeface="Arial" panose="020B0604020202020204" pitchFamily="34" charset="0"/>
-              </a:rPr>
-              <a:t>bình</a:t>
-            </a:r>
-            <a:r>
-              <a:rPr lang="en-US" sz="3200" dirty="0">
-                <a:latin typeface="Arial" panose="020B0604020202020204" pitchFamily="34" charset="0"/>
-                <a:cs typeface="Arial" panose="020B0604020202020204" pitchFamily="34" charset="0"/>
-              </a:rPr>
-              <a:t> </a:t>
-            </a:r>
-            <a:r>
-              <a:rPr lang="en-US" sz="3200" dirty="0" err="1">
-                <a:latin typeface="Arial" panose="020B0604020202020204" pitchFamily="34" charset="0"/>
-                <a:cs typeface="Arial" panose="020B0604020202020204" pitchFamily="34" charset="0"/>
-              </a:rPr>
-              <a:t>hàng</a:t>
-            </a:r>
-            <a:r>
-              <a:rPr lang="en-US" sz="3200" dirty="0">
-                <a:latin typeface="Arial" panose="020B0604020202020204" pitchFamily="34" charset="0"/>
-                <a:cs typeface="Arial" panose="020B0604020202020204" pitchFamily="34" charset="0"/>
-              </a:rPr>
-              <a:t> </a:t>
-            </a:r>
-            <a:r>
-              <a:rPr lang="en-US" sz="3200" dirty="0" err="1">
-                <a:latin typeface="Arial" panose="020B0604020202020204" pitchFamily="34" charset="0"/>
-                <a:cs typeface="Arial" panose="020B0604020202020204" pitchFamily="34" charset="0"/>
-              </a:rPr>
-              <a:t>tháng</a:t>
-            </a:r>
-            <a:r>
-              <a:rPr lang="en-US" sz="3200" dirty="0">
-                <a:latin typeface="Arial" panose="020B0604020202020204" pitchFamily="34" charset="0"/>
-                <a:cs typeface="Arial" panose="020B0604020202020204" pitchFamily="34" charset="0"/>
-              </a:rPr>
-              <a:t> </a:t>
-            </a:r>
-            <a:r>
-              <a:rPr lang="en-US" sz="3200" dirty="0" err="1">
-                <a:latin typeface="Arial" panose="020B0604020202020204" pitchFamily="34" charset="0"/>
-                <a:cs typeface="Arial" panose="020B0604020202020204" pitchFamily="34" charset="0"/>
-              </a:rPr>
-              <a:t>có</a:t>
-            </a:r>
-            <a:r>
-              <a:rPr lang="en-US" sz="3200" dirty="0">
-                <a:latin typeface="Arial" panose="020B0604020202020204" pitchFamily="34" charset="0"/>
-                <a:cs typeface="Arial" panose="020B0604020202020204" pitchFamily="34" charset="0"/>
-              </a:rPr>
-              <a:t> </a:t>
-            </a:r>
-            <a:r>
-              <a:rPr lang="en-US" sz="3200" dirty="0" err="1">
-                <a:latin typeface="Arial" panose="020B0604020202020204" pitchFamily="34" charset="0"/>
-                <a:cs typeface="Arial" panose="020B0604020202020204" pitchFamily="34" charset="0"/>
-              </a:rPr>
-              <a:t>doanh</a:t>
-            </a:r>
-            <a:r>
-              <a:rPr lang="en-US" sz="3200" dirty="0">
-                <a:latin typeface="Arial" panose="020B0604020202020204" pitchFamily="34" charset="0"/>
-                <a:cs typeface="Arial" panose="020B0604020202020204" pitchFamily="34" charset="0"/>
-              </a:rPr>
-              <a:t> </a:t>
-            </a:r>
-            <a:r>
-              <a:rPr lang="en-US" sz="3200" dirty="0" err="1">
-                <a:latin typeface="Arial" panose="020B0604020202020204" pitchFamily="34" charset="0"/>
-                <a:cs typeface="Arial" panose="020B0604020202020204" pitchFamily="34" charset="0"/>
-              </a:rPr>
-              <a:t>số</a:t>
-            </a:r>
-            <a:r>
-              <a:rPr lang="en-US" sz="3200" dirty="0">
-                <a:latin typeface="Arial" panose="020B0604020202020204" pitchFamily="34" charset="0"/>
-                <a:cs typeface="Arial" panose="020B0604020202020204" pitchFamily="34" charset="0"/>
-              </a:rPr>
-              <a:t>: </a:t>
-            </a:r>
-            <a:r>
-              <a:rPr lang="en-US" sz="3200" b="1" dirty="0">
-                <a:solidFill>
-                  <a:srgbClr val="FF0000"/>
-                </a:solidFill>
-                <a:latin typeface="Arial" panose="020B0604020202020204" pitchFamily="34" charset="0"/>
-                <a:cs typeface="Arial" panose="020B0604020202020204" pitchFamily="34" charset="0"/>
-              </a:rPr>
-              <a:t>334 </a:t>
-            </a:r>
-            <a:r>
-              <a:rPr lang="en-US" sz="3200" b="1" dirty="0" err="1">
-                <a:solidFill>
-                  <a:srgbClr val="FF0000"/>
-                </a:solidFill>
-                <a:latin typeface="Arial" panose="020B0604020202020204" pitchFamily="34" charset="0"/>
-                <a:cs typeface="Arial" panose="020B0604020202020204" pitchFamily="34" charset="0"/>
-              </a:rPr>
-              <a:t>triệu</a:t>
-            </a:r>
-            <a:r>
-              <a:rPr lang="en-US" sz="3200" b="1" dirty="0">
-                <a:solidFill>
-                  <a:srgbClr val="FF0000"/>
-                </a:solidFill>
-                <a:latin typeface="Arial" panose="020B0604020202020204" pitchFamily="34" charset="0"/>
-                <a:cs typeface="Arial" panose="020B0604020202020204" pitchFamily="34" charset="0"/>
-              </a:rPr>
-              <a:t> </a:t>
-            </a:r>
-            <a:r>
-              <a:rPr lang="en-US" sz="3200" b="1" dirty="0" err="1">
-                <a:solidFill>
-                  <a:srgbClr val="FF0000"/>
-                </a:solidFill>
-                <a:latin typeface="Arial" panose="020B0604020202020204" pitchFamily="34" charset="0"/>
-                <a:cs typeface="Arial" panose="020B0604020202020204" pitchFamily="34" charset="0"/>
-              </a:rPr>
-              <a:t>đồng</a:t>
-            </a:r>
-            <a:r>
-              <a:rPr lang="en-US" sz="3200" dirty="0">
-                <a:latin typeface="Arial" panose="020B0604020202020204" pitchFamily="34" charset="0"/>
-                <a:cs typeface="Arial" panose="020B0604020202020204" pitchFamily="34" charset="0"/>
-              </a:rPr>
-              <a:t>. </a:t>
-            </a:r>
-          </a:p>
-          <a:p>
-            <a:r>
-              <a:rPr lang="en-US" sz="3200" dirty="0" err="1">
-                <a:latin typeface="Arial" panose="020B0604020202020204" pitchFamily="34" charset="0"/>
-                <a:cs typeface="Arial" panose="020B0604020202020204" pitchFamily="34" charset="0"/>
-              </a:rPr>
-              <a:t>Tháng</a:t>
-            </a:r>
-            <a:r>
-              <a:rPr lang="en-US" sz="3200" dirty="0">
-                <a:latin typeface="Arial" panose="020B0604020202020204" pitchFamily="34" charset="0"/>
-                <a:cs typeface="Arial" panose="020B0604020202020204" pitchFamily="34" charset="0"/>
-              </a:rPr>
-              <a:t> 2, 5, 7 </a:t>
-            </a:r>
-            <a:r>
-              <a:rPr lang="en-US" sz="3200" dirty="0" err="1">
-                <a:latin typeface="Arial" panose="020B0604020202020204" pitchFamily="34" charset="0"/>
-                <a:cs typeface="Arial" panose="020B0604020202020204" pitchFamily="34" charset="0"/>
-              </a:rPr>
-              <a:t>là</a:t>
-            </a:r>
-            <a:r>
-              <a:rPr lang="en-US" sz="3200" dirty="0">
-                <a:latin typeface="Arial" panose="020B0604020202020204" pitchFamily="34" charset="0"/>
-                <a:cs typeface="Arial" panose="020B0604020202020204" pitchFamily="34" charset="0"/>
-              </a:rPr>
-              <a:t> </a:t>
-            </a:r>
-            <a:r>
-              <a:rPr lang="en-US" sz="3200" dirty="0" err="1">
-                <a:latin typeface="Arial" panose="020B0604020202020204" pitchFamily="34" charset="0"/>
-                <a:cs typeface="Arial" panose="020B0604020202020204" pitchFamily="34" charset="0"/>
-              </a:rPr>
-              <a:t>các</a:t>
-            </a:r>
-            <a:r>
-              <a:rPr lang="en-US" sz="3200" dirty="0">
-                <a:latin typeface="Arial" panose="020B0604020202020204" pitchFamily="34" charset="0"/>
-                <a:cs typeface="Arial" panose="020B0604020202020204" pitchFamily="34" charset="0"/>
-              </a:rPr>
-              <a:t> </a:t>
-            </a:r>
-            <a:r>
-              <a:rPr lang="en-US" sz="3200" dirty="0" err="1">
-                <a:latin typeface="Arial" panose="020B0604020202020204" pitchFamily="34" charset="0"/>
-                <a:cs typeface="Arial" panose="020B0604020202020204" pitchFamily="34" charset="0"/>
-              </a:rPr>
-              <a:t>tháng</a:t>
-            </a:r>
-            <a:r>
-              <a:rPr lang="en-US" sz="3200" dirty="0">
-                <a:latin typeface="Arial" panose="020B0604020202020204" pitchFamily="34" charset="0"/>
-                <a:cs typeface="Arial" panose="020B0604020202020204" pitchFamily="34" charset="0"/>
-              </a:rPr>
-              <a:t> </a:t>
-            </a:r>
-            <a:r>
-              <a:rPr lang="en-US" sz="3200" dirty="0" err="1">
-                <a:latin typeface="Arial" panose="020B0604020202020204" pitchFamily="34" charset="0"/>
-                <a:cs typeface="Arial" panose="020B0604020202020204" pitchFamily="34" charset="0"/>
-              </a:rPr>
-              <a:t>có</a:t>
-            </a:r>
-            <a:r>
-              <a:rPr lang="en-US" sz="3200" dirty="0">
-                <a:latin typeface="Arial" panose="020B0604020202020204" pitchFamily="34" charset="0"/>
-                <a:cs typeface="Arial" panose="020B0604020202020204" pitchFamily="34" charset="0"/>
-              </a:rPr>
-              <a:t> </a:t>
-            </a:r>
-            <a:r>
-              <a:rPr lang="en-US" sz="3200" dirty="0" err="1">
-                <a:latin typeface="Arial" panose="020B0604020202020204" pitchFamily="34" charset="0"/>
-                <a:cs typeface="Arial" panose="020B0604020202020204" pitchFamily="34" charset="0"/>
-              </a:rPr>
-              <a:t>biến</a:t>
-            </a:r>
-            <a:r>
-              <a:rPr lang="en-US" sz="3200" dirty="0">
-                <a:latin typeface="Arial" panose="020B0604020202020204" pitchFamily="34" charset="0"/>
-                <a:cs typeface="Arial" panose="020B0604020202020204" pitchFamily="34" charset="0"/>
-              </a:rPr>
-              <a:t> </a:t>
-            </a:r>
-            <a:r>
-              <a:rPr lang="en-US" sz="3200" dirty="0" err="1">
-                <a:latin typeface="Arial" panose="020B0604020202020204" pitchFamily="34" charset="0"/>
-                <a:cs typeface="Arial" panose="020B0604020202020204" pitchFamily="34" charset="0"/>
-              </a:rPr>
-              <a:t>động</a:t>
-            </a:r>
-            <a:r>
-              <a:rPr lang="en-US" sz="3200" dirty="0">
-                <a:latin typeface="Arial" panose="020B0604020202020204" pitchFamily="34" charset="0"/>
-                <a:cs typeface="Arial" panose="020B0604020202020204" pitchFamily="34" charset="0"/>
-              </a:rPr>
-              <a:t> </a:t>
-            </a:r>
-            <a:r>
-              <a:rPr lang="en-US" sz="3200" dirty="0" err="1">
-                <a:latin typeface="Arial" panose="020B0604020202020204" pitchFamily="34" charset="0"/>
-                <a:cs typeface="Arial" panose="020B0604020202020204" pitchFamily="34" charset="0"/>
-              </a:rPr>
-              <a:t>doanh</a:t>
-            </a:r>
-            <a:r>
-              <a:rPr lang="en-US" sz="3200" dirty="0">
-                <a:latin typeface="Arial" panose="020B0604020202020204" pitchFamily="34" charset="0"/>
-                <a:cs typeface="Arial" panose="020B0604020202020204" pitchFamily="34" charset="0"/>
-              </a:rPr>
-              <a:t> </a:t>
-            </a:r>
-            <a:r>
-              <a:rPr lang="en-US" sz="3200" dirty="0" err="1">
-                <a:latin typeface="Arial" panose="020B0604020202020204" pitchFamily="34" charset="0"/>
-                <a:cs typeface="Arial" panose="020B0604020202020204" pitchFamily="34" charset="0"/>
-              </a:rPr>
-              <a:t>số</a:t>
-            </a:r>
-            <a:r>
-              <a:rPr lang="en-US" sz="3200" dirty="0">
-                <a:latin typeface="Arial" panose="020B0604020202020204" pitchFamily="34" charset="0"/>
-                <a:cs typeface="Arial" panose="020B0604020202020204" pitchFamily="34" charset="0"/>
-              </a:rPr>
-              <a:t> </a:t>
-            </a:r>
-            <a:r>
-              <a:rPr lang="en-US" sz="3200" dirty="0" err="1">
-                <a:latin typeface="Arial" panose="020B0604020202020204" pitchFamily="34" charset="0"/>
-                <a:cs typeface="Arial" panose="020B0604020202020204" pitchFamily="34" charset="0"/>
-              </a:rPr>
-              <a:t>lớn</a:t>
-            </a:r>
-            <a:r>
-              <a:rPr lang="en-US" sz="3200" dirty="0">
-                <a:latin typeface="Arial" panose="020B0604020202020204" pitchFamily="34" charset="0"/>
-                <a:cs typeface="Arial" panose="020B0604020202020204" pitchFamily="34" charset="0"/>
-              </a:rPr>
-              <a:t> </a:t>
-            </a:r>
-            <a:r>
-              <a:rPr lang="en-US" sz="3200" dirty="0" err="1">
-                <a:latin typeface="Arial" panose="020B0604020202020204" pitchFamily="34" charset="0"/>
-                <a:cs typeface="Arial" panose="020B0604020202020204" pitchFamily="34" charset="0"/>
-              </a:rPr>
-              <a:t>nhất</a:t>
-            </a:r>
-            <a:endParaRPr lang="en-US" sz="3200" dirty="0">
-              <a:latin typeface="Arial" panose="020B0604020202020204" pitchFamily="34" charset="0"/>
-              <a:cs typeface="Arial" panose="020B0604020202020204" pitchFamily="34" charset="0"/>
-            </a:endParaRPr>
-          </a:p>
-          <a:p>
-            <a:r>
-              <a:rPr lang="en-US" sz="3200" dirty="0" err="1">
-                <a:latin typeface="Arial" panose="020B0604020202020204" pitchFamily="34" charset="0"/>
-                <a:cs typeface="Arial" panose="020B0604020202020204" pitchFamily="34" charset="0"/>
-              </a:rPr>
-              <a:t>Nhóm</a:t>
-            </a:r>
-            <a:r>
-              <a:rPr lang="en-US" sz="3200" dirty="0">
-                <a:latin typeface="Arial" panose="020B0604020202020204" pitchFamily="34" charset="0"/>
-                <a:cs typeface="Arial" panose="020B0604020202020204" pitchFamily="34" charset="0"/>
-              </a:rPr>
-              <a:t> </a:t>
-            </a:r>
-            <a:r>
-              <a:rPr lang="en-US" sz="3200" dirty="0" err="1">
-                <a:latin typeface="Arial" panose="020B0604020202020204" pitchFamily="34" charset="0"/>
-                <a:cs typeface="Arial" panose="020B0604020202020204" pitchFamily="34" charset="0"/>
-              </a:rPr>
-              <a:t>sản</a:t>
-            </a:r>
-            <a:r>
-              <a:rPr lang="en-US" sz="3200" dirty="0">
-                <a:latin typeface="Arial" panose="020B0604020202020204" pitchFamily="34" charset="0"/>
-                <a:cs typeface="Arial" panose="020B0604020202020204" pitchFamily="34" charset="0"/>
-              </a:rPr>
-              <a:t> </a:t>
-            </a:r>
-            <a:r>
-              <a:rPr lang="en-US" sz="3200" dirty="0" err="1">
-                <a:latin typeface="Arial" panose="020B0604020202020204" pitchFamily="34" charset="0"/>
-                <a:cs typeface="Arial" panose="020B0604020202020204" pitchFamily="34" charset="0"/>
-              </a:rPr>
-              <a:t>phẩm</a:t>
-            </a:r>
-            <a:r>
-              <a:rPr lang="en-US" sz="3200" dirty="0">
-                <a:latin typeface="Arial" panose="020B0604020202020204" pitchFamily="34" charset="0"/>
-                <a:cs typeface="Arial" panose="020B0604020202020204" pitchFamily="34" charset="0"/>
-              </a:rPr>
-              <a:t>: </a:t>
-            </a:r>
-          </a:p>
-          <a:p>
-            <a:pPr lvl="1"/>
-            <a:r>
-              <a:rPr lang="en-US" sz="2800" dirty="0" err="1">
-                <a:latin typeface="Arial" panose="020B0604020202020204" pitchFamily="34" charset="0"/>
-                <a:cs typeface="Arial" panose="020B0604020202020204" pitchFamily="34" charset="0"/>
-              </a:rPr>
-              <a:t>Giảm</a:t>
-            </a:r>
-            <a:r>
-              <a:rPr lang="en-US" sz="2800" dirty="0">
-                <a:latin typeface="Arial" panose="020B0604020202020204" pitchFamily="34" charset="0"/>
-                <a:cs typeface="Arial" panose="020B0604020202020204" pitchFamily="34" charset="0"/>
-              </a:rPr>
-              <a:t> </a:t>
-            </a:r>
-            <a:r>
-              <a:rPr lang="en-US" sz="2800" dirty="0" err="1">
-                <a:latin typeface="Arial" panose="020B0604020202020204" pitchFamily="34" charset="0"/>
-                <a:cs typeface="Arial" panose="020B0604020202020204" pitchFamily="34" charset="0"/>
-              </a:rPr>
-              <a:t>sốc</a:t>
-            </a:r>
-            <a:r>
-              <a:rPr lang="en-US" sz="2800" dirty="0">
-                <a:latin typeface="Arial" panose="020B0604020202020204" pitchFamily="34" charset="0"/>
-                <a:cs typeface="Arial" panose="020B0604020202020204" pitchFamily="34" charset="0"/>
-              </a:rPr>
-              <a:t> </a:t>
-            </a:r>
-            <a:r>
-              <a:rPr lang="en-US" sz="2800" dirty="0" err="1">
-                <a:latin typeface="Arial" panose="020B0604020202020204" pitchFamily="34" charset="0"/>
-                <a:cs typeface="Arial" panose="020B0604020202020204" pitchFamily="34" charset="0"/>
-              </a:rPr>
-              <a:t>có</a:t>
-            </a:r>
-            <a:r>
-              <a:rPr lang="en-US" sz="2800" dirty="0">
-                <a:latin typeface="Arial" panose="020B0604020202020204" pitchFamily="34" charset="0"/>
-                <a:cs typeface="Arial" panose="020B0604020202020204" pitchFamily="34" charset="0"/>
-              </a:rPr>
-              <a:t> </a:t>
-            </a:r>
-            <a:r>
-              <a:rPr lang="en-US" sz="2800" dirty="0" err="1">
-                <a:latin typeface="Arial" panose="020B0604020202020204" pitchFamily="34" charset="0"/>
-                <a:cs typeface="Arial" panose="020B0604020202020204" pitchFamily="34" charset="0"/>
-              </a:rPr>
-              <a:t>biến</a:t>
-            </a:r>
-            <a:r>
-              <a:rPr lang="en-US" sz="2800" dirty="0">
-                <a:latin typeface="Arial" panose="020B0604020202020204" pitchFamily="34" charset="0"/>
-                <a:cs typeface="Arial" panose="020B0604020202020204" pitchFamily="34" charset="0"/>
-              </a:rPr>
-              <a:t> </a:t>
-            </a:r>
-            <a:r>
-              <a:rPr lang="en-US" sz="2800" dirty="0" err="1">
-                <a:latin typeface="Arial" panose="020B0604020202020204" pitchFamily="34" charset="0"/>
-                <a:cs typeface="Arial" panose="020B0604020202020204" pitchFamily="34" charset="0"/>
-              </a:rPr>
-              <a:t>động</a:t>
-            </a:r>
-            <a:r>
-              <a:rPr lang="en-US" sz="2800" dirty="0">
-                <a:latin typeface="Arial" panose="020B0604020202020204" pitchFamily="34" charset="0"/>
-                <a:cs typeface="Arial" panose="020B0604020202020204" pitchFamily="34" charset="0"/>
-              </a:rPr>
-              <a:t> </a:t>
-            </a:r>
-            <a:r>
-              <a:rPr lang="en-US" sz="2800" dirty="0" err="1">
-                <a:latin typeface="Arial" panose="020B0604020202020204" pitchFamily="34" charset="0"/>
-                <a:cs typeface="Arial" panose="020B0604020202020204" pitchFamily="34" charset="0"/>
-              </a:rPr>
-              <a:t>doanh</a:t>
-            </a:r>
-            <a:r>
-              <a:rPr lang="en-US" sz="2800" dirty="0">
-                <a:latin typeface="Arial" panose="020B0604020202020204" pitchFamily="34" charset="0"/>
-                <a:cs typeface="Arial" panose="020B0604020202020204" pitchFamily="34" charset="0"/>
-              </a:rPr>
-              <a:t> </a:t>
-            </a:r>
-            <a:r>
-              <a:rPr lang="en-US" sz="2800" dirty="0" err="1">
-                <a:latin typeface="Arial" panose="020B0604020202020204" pitchFamily="34" charset="0"/>
-                <a:cs typeface="Arial" panose="020B0604020202020204" pitchFamily="34" charset="0"/>
-              </a:rPr>
-              <a:t>thu</a:t>
-            </a:r>
-            <a:r>
-              <a:rPr lang="en-US" sz="2800" dirty="0">
-                <a:latin typeface="Arial" panose="020B0604020202020204" pitchFamily="34" charset="0"/>
-                <a:cs typeface="Arial" panose="020B0604020202020204" pitchFamily="34" charset="0"/>
-              </a:rPr>
-              <a:t> </a:t>
-            </a:r>
-            <a:r>
-              <a:rPr lang="en-US" sz="2800" dirty="0" err="1">
-                <a:latin typeface="Arial" panose="020B0604020202020204" pitchFamily="34" charset="0"/>
-                <a:cs typeface="Arial" panose="020B0604020202020204" pitchFamily="34" charset="0"/>
-              </a:rPr>
-              <a:t>tháng</a:t>
-            </a:r>
-            <a:r>
-              <a:rPr lang="en-US" sz="2800" dirty="0">
-                <a:latin typeface="Arial" panose="020B0604020202020204" pitchFamily="34" charset="0"/>
-                <a:cs typeface="Arial" panose="020B0604020202020204" pitchFamily="34" charset="0"/>
-              </a:rPr>
-              <a:t> 5 </a:t>
-            </a:r>
-            <a:r>
-              <a:rPr lang="en-US" sz="2800" dirty="0" err="1">
-                <a:latin typeface="Arial" panose="020B0604020202020204" pitchFamily="34" charset="0"/>
-                <a:cs typeface="Arial" panose="020B0604020202020204" pitchFamily="34" charset="0"/>
-              </a:rPr>
-              <a:t>lớn</a:t>
-            </a:r>
-            <a:r>
-              <a:rPr lang="en-US" sz="2800" dirty="0">
-                <a:latin typeface="Arial" panose="020B0604020202020204" pitchFamily="34" charset="0"/>
-                <a:cs typeface="Arial" panose="020B0604020202020204" pitchFamily="34" charset="0"/>
-              </a:rPr>
-              <a:t> </a:t>
-            </a:r>
-            <a:r>
-              <a:rPr lang="en-US" sz="2800" dirty="0" err="1">
-                <a:latin typeface="Arial" panose="020B0604020202020204" pitchFamily="34" charset="0"/>
-                <a:cs typeface="Arial" panose="020B0604020202020204" pitchFamily="34" charset="0"/>
-              </a:rPr>
-              <a:t>nhất</a:t>
-            </a:r>
-            <a:r>
-              <a:rPr lang="en-US" sz="2800" dirty="0">
-                <a:latin typeface="Arial" panose="020B0604020202020204" pitchFamily="34" charset="0"/>
-                <a:cs typeface="Arial" panose="020B0604020202020204" pitchFamily="34" charset="0"/>
-              </a:rPr>
-              <a:t> </a:t>
-            </a:r>
-            <a:r>
-              <a:rPr lang="en-US" sz="2800" dirty="0" err="1">
-                <a:latin typeface="Arial" panose="020B0604020202020204" pitchFamily="34" charset="0"/>
-                <a:cs typeface="Arial" panose="020B0604020202020204" pitchFamily="34" charset="0"/>
-              </a:rPr>
-              <a:t>là</a:t>
-            </a:r>
-            <a:r>
-              <a:rPr lang="en-US" sz="2800" dirty="0">
-                <a:latin typeface="Arial" panose="020B0604020202020204" pitchFamily="34" charset="0"/>
-                <a:cs typeface="Arial" panose="020B0604020202020204" pitchFamily="34" charset="0"/>
-              </a:rPr>
-              <a:t> 121 </a:t>
-            </a:r>
-            <a:r>
-              <a:rPr lang="en-US" sz="2800" dirty="0" err="1">
-                <a:latin typeface="Arial" panose="020B0604020202020204" pitchFamily="34" charset="0"/>
-                <a:cs typeface="Arial" panose="020B0604020202020204" pitchFamily="34" charset="0"/>
-              </a:rPr>
-              <a:t>triệu</a:t>
-            </a:r>
-            <a:endParaRPr lang="en-US" sz="2800" dirty="0">
-              <a:latin typeface="Arial" panose="020B0604020202020204" pitchFamily="34" charset="0"/>
-              <a:cs typeface="Arial" panose="020B0604020202020204" pitchFamily="34" charset="0"/>
-            </a:endParaRPr>
-          </a:p>
-          <a:p>
-            <a:pPr lvl="1"/>
-            <a:r>
-              <a:rPr lang="en-US" sz="2800" dirty="0" err="1">
-                <a:latin typeface="Arial" panose="020B0604020202020204" pitchFamily="34" charset="0"/>
-                <a:cs typeface="Arial" panose="020B0604020202020204" pitchFamily="34" charset="0"/>
-              </a:rPr>
-              <a:t>Diacon</a:t>
-            </a:r>
-            <a:r>
-              <a:rPr lang="en-US" sz="2800" dirty="0">
-                <a:latin typeface="Arial" panose="020B0604020202020204" pitchFamily="34" charset="0"/>
-                <a:cs typeface="Arial" panose="020B0604020202020204" pitchFamily="34" charset="0"/>
-              </a:rPr>
-              <a:t> </a:t>
-            </a:r>
-            <a:r>
-              <a:rPr lang="en-US" sz="2800" dirty="0" err="1">
-                <a:latin typeface="Arial" panose="020B0604020202020204" pitchFamily="34" charset="0"/>
-                <a:cs typeface="Arial" panose="020B0604020202020204" pitchFamily="34" charset="0"/>
-              </a:rPr>
-              <a:t>có</a:t>
-            </a:r>
-            <a:r>
-              <a:rPr lang="en-US" sz="2800" dirty="0">
-                <a:latin typeface="Arial" panose="020B0604020202020204" pitchFamily="34" charset="0"/>
-                <a:cs typeface="Arial" panose="020B0604020202020204" pitchFamily="34" charset="0"/>
-              </a:rPr>
-              <a:t> </a:t>
-            </a:r>
-            <a:r>
-              <a:rPr lang="en-US" sz="2800" dirty="0" err="1">
-                <a:latin typeface="Arial" panose="020B0604020202020204" pitchFamily="34" charset="0"/>
-                <a:cs typeface="Arial" panose="020B0604020202020204" pitchFamily="34" charset="0"/>
-              </a:rPr>
-              <a:t>biến</a:t>
-            </a:r>
-            <a:r>
-              <a:rPr lang="en-US" sz="2800" dirty="0">
-                <a:latin typeface="Arial" panose="020B0604020202020204" pitchFamily="34" charset="0"/>
-                <a:cs typeface="Arial" panose="020B0604020202020204" pitchFamily="34" charset="0"/>
-              </a:rPr>
-              <a:t> </a:t>
-            </a:r>
-            <a:r>
-              <a:rPr lang="en-US" sz="2800" dirty="0" err="1">
-                <a:latin typeface="Arial" panose="020B0604020202020204" pitchFamily="34" charset="0"/>
-                <a:cs typeface="Arial" panose="020B0604020202020204" pitchFamily="34" charset="0"/>
-              </a:rPr>
-              <a:t>động</a:t>
-            </a:r>
-            <a:r>
-              <a:rPr lang="en-US" sz="2800" dirty="0">
-                <a:latin typeface="Arial" panose="020B0604020202020204" pitchFamily="34" charset="0"/>
-                <a:cs typeface="Arial" panose="020B0604020202020204" pitchFamily="34" charset="0"/>
-              </a:rPr>
-              <a:t> </a:t>
-            </a:r>
-            <a:r>
-              <a:rPr lang="en-US" sz="2800" dirty="0" err="1">
-                <a:latin typeface="Arial" panose="020B0604020202020204" pitchFamily="34" charset="0"/>
-                <a:cs typeface="Arial" panose="020B0604020202020204" pitchFamily="34" charset="0"/>
-              </a:rPr>
-              <a:t>doanh</a:t>
-            </a:r>
-            <a:r>
-              <a:rPr lang="en-US" sz="2800" dirty="0">
-                <a:latin typeface="Arial" panose="020B0604020202020204" pitchFamily="34" charset="0"/>
-                <a:cs typeface="Arial" panose="020B0604020202020204" pitchFamily="34" charset="0"/>
-              </a:rPr>
-              <a:t> </a:t>
-            </a:r>
-            <a:r>
-              <a:rPr lang="en-US" sz="2800" dirty="0" err="1">
-                <a:latin typeface="Arial" panose="020B0604020202020204" pitchFamily="34" charset="0"/>
-                <a:cs typeface="Arial" panose="020B0604020202020204" pitchFamily="34" charset="0"/>
-              </a:rPr>
-              <a:t>số</a:t>
-            </a:r>
-            <a:r>
-              <a:rPr lang="en-US" sz="2800" dirty="0">
-                <a:latin typeface="Arial" panose="020B0604020202020204" pitchFamily="34" charset="0"/>
-                <a:cs typeface="Arial" panose="020B0604020202020204" pitchFamily="34" charset="0"/>
-              </a:rPr>
-              <a:t> </a:t>
-            </a:r>
-            <a:r>
-              <a:rPr lang="en-US" sz="2800" dirty="0" err="1">
-                <a:latin typeface="Arial" panose="020B0604020202020204" pitchFamily="34" charset="0"/>
-                <a:cs typeface="Arial" panose="020B0604020202020204" pitchFamily="34" charset="0"/>
-              </a:rPr>
-              <a:t>tháng</a:t>
-            </a:r>
-            <a:r>
-              <a:rPr lang="en-US" sz="2800" dirty="0">
-                <a:latin typeface="Arial" panose="020B0604020202020204" pitchFamily="34" charset="0"/>
-                <a:cs typeface="Arial" panose="020B0604020202020204" pitchFamily="34" charset="0"/>
-              </a:rPr>
-              <a:t> 7 </a:t>
-            </a:r>
-            <a:r>
-              <a:rPr lang="en-US" sz="2800" dirty="0" err="1">
-                <a:latin typeface="Arial" panose="020B0604020202020204" pitchFamily="34" charset="0"/>
-                <a:cs typeface="Arial" panose="020B0604020202020204" pitchFamily="34" charset="0"/>
-              </a:rPr>
-              <a:t>là</a:t>
-            </a:r>
-            <a:r>
-              <a:rPr lang="en-US" sz="2800" dirty="0">
-                <a:latin typeface="Arial" panose="020B0604020202020204" pitchFamily="34" charset="0"/>
-                <a:cs typeface="Arial" panose="020B0604020202020204" pitchFamily="34" charset="0"/>
-              </a:rPr>
-              <a:t> </a:t>
-            </a:r>
-            <a:r>
-              <a:rPr lang="en-US" sz="2800" dirty="0" err="1">
-                <a:latin typeface="Arial" panose="020B0604020202020204" pitchFamily="34" charset="0"/>
-                <a:cs typeface="Arial" panose="020B0604020202020204" pitchFamily="34" charset="0"/>
-              </a:rPr>
-              <a:t>lớn</a:t>
-            </a:r>
-            <a:r>
-              <a:rPr lang="en-US" sz="2800" dirty="0">
-                <a:latin typeface="Arial" panose="020B0604020202020204" pitchFamily="34" charset="0"/>
-                <a:cs typeface="Arial" panose="020B0604020202020204" pitchFamily="34" charset="0"/>
-              </a:rPr>
-              <a:t> </a:t>
-            </a:r>
-            <a:r>
-              <a:rPr lang="en-US" sz="2800" dirty="0" err="1">
-                <a:latin typeface="Arial" panose="020B0604020202020204" pitchFamily="34" charset="0"/>
-                <a:cs typeface="Arial" panose="020B0604020202020204" pitchFamily="34" charset="0"/>
-              </a:rPr>
-              <a:t>nhất</a:t>
-            </a:r>
-            <a:r>
-              <a:rPr lang="en-US" sz="2800" dirty="0">
-                <a:latin typeface="Arial" panose="020B0604020202020204" pitchFamily="34" charset="0"/>
-                <a:cs typeface="Arial" panose="020B0604020202020204" pitchFamily="34" charset="0"/>
-              </a:rPr>
-              <a:t> 108 </a:t>
-            </a:r>
-            <a:r>
-              <a:rPr lang="en-US" sz="2800" dirty="0" err="1">
-                <a:latin typeface="Arial" panose="020B0604020202020204" pitchFamily="34" charset="0"/>
-                <a:cs typeface="Arial" panose="020B0604020202020204" pitchFamily="34" charset="0"/>
-              </a:rPr>
-              <a:t>triệu</a:t>
-            </a:r>
-            <a:endParaRPr lang="en-US" sz="2800" dirty="0">
-              <a:latin typeface="Arial" panose="020B0604020202020204" pitchFamily="34" charset="0"/>
-              <a:cs typeface="Arial" panose="020B0604020202020204" pitchFamily="34" charset="0"/>
-            </a:endParaRPr>
-          </a:p>
-          <a:p>
-            <a:pPr lvl="1"/>
-            <a:endParaRPr lang="en-US" sz="2800" dirty="0">
-              <a:latin typeface="Arial" panose="020B0604020202020204" pitchFamily="34" charset="0"/>
-              <a:cs typeface="Arial" panose="020B0604020202020204" pitchFamily="34" charset="0"/>
-            </a:endParaRPr>
-          </a:p>
-          <a:p>
-            <a:pPr lvl="1"/>
-            <a:endParaRPr lang="en-US" sz="2800" dirty="0">
-              <a:latin typeface="Arial" panose="020B0604020202020204" pitchFamily="34" charset="0"/>
-              <a:cs typeface="Arial" panose="020B0604020202020204" pitchFamily="34" charset="0"/>
-            </a:endParaRPr>
-          </a:p>
-        </p:txBody>
-      </p:sp>
-    </p:spTree>
-    <p:extLst>
-      <p:ext uri="{BB962C8B-B14F-4D97-AF65-F5344CB8AC3E}">
-        <p14:creationId xmlns:p14="http://schemas.microsoft.com/office/powerpoint/2010/main" val="3818609208"/>
-      </p:ext>
-    </p:extLst>
-  </p:cSld>
-  <p:clrMapOvr>
-    <a:masterClrMapping/>
-  </p:clrMapOvr>
-</p:sld>
-</file>
-
 <file path=ppt/slides/slide9.xml><?xml version="1.0" encoding="utf-8"?>
 <p:sld xmlns:a="http://schemas.openxmlformats.org/drawingml/2006/main" xmlns:r="http://schemas.openxmlformats.org/officeDocument/2006/relationships" xmlns:p="http://schemas.openxmlformats.org/presentationml/2006/main">
   <p:cSld>
@@ -8853,7 +8152,7 @@
           <p:cNvPr id="2" name="Title 1">
             <a:extLst>
               <a:ext uri="{FF2B5EF4-FFF2-40B4-BE49-F238E27FC236}">
-                <a16:creationId xmlns:a16="http://schemas.microsoft.com/office/drawing/2014/main" id="{6617C354-EFE7-BA37-6E65-40D856610DC7}"/>
+                <a16:creationId xmlns:a16="http://schemas.microsoft.com/office/drawing/2014/main" id="{6BB24CEF-EBE4-D0AE-BB8D-49DE581BA607}"/>
               </a:ext>
             </a:extLst>
           </p:cNvPr>
@@ -8869,7 +8168,43 @@
           <a:bodyPr/>
           <a:lstStyle/>
           <a:p>
-            <a:endParaRPr lang="en-US"/>
+            <a:r>
+              <a:rPr lang="en-US" dirty="0" err="1"/>
+              <a:t>Diễn</a:t>
+            </a:r>
+            <a:r>
+              <a:rPr lang="en-US" dirty="0"/>
+              <a:t> </a:t>
+            </a:r>
+            <a:r>
+              <a:rPr lang="en-US" dirty="0" err="1"/>
+              <a:t>giải</a:t>
+            </a:r>
+            <a:r>
+              <a:rPr lang="en-US" dirty="0"/>
+              <a:t>: </a:t>
+            </a:r>
+            <a:r>
+              <a:rPr lang="en-US" dirty="0" err="1"/>
+              <a:t>Kiệt</a:t>
+            </a:r>
+            <a:r>
+              <a:rPr lang="en-US" dirty="0"/>
+              <a:t> </a:t>
+            </a:r>
+            <a:r>
+              <a:rPr lang="en-US" dirty="0" err="1"/>
+              <a:t>Chú</a:t>
+            </a:r>
+            <a:r>
+              <a:rPr lang="en-US" dirty="0"/>
+              <a:t> </a:t>
+            </a:r>
+            <a:r>
+              <a:rPr lang="en-US" dirty="0" err="1"/>
+              <a:t>ba</a:t>
+            </a:r>
+            <a:endParaRPr lang="en-US" dirty="0"/>
           </a:p>
         </p:txBody>
       </p:sp>
@@ -8878,7 +8213,7 @@
           <p:cNvPr id="3" name="Content Placeholder 2">
             <a:extLst>
               <a:ext uri="{FF2B5EF4-FFF2-40B4-BE49-F238E27FC236}">
-                <a16:creationId xmlns:a16="http://schemas.microsoft.com/office/drawing/2014/main" id="{BB21C4C8-75C8-EEEB-695B-906AB9EFD324}"/>
+                <a16:creationId xmlns:a16="http://schemas.microsoft.com/office/drawing/2014/main" id="{A36C5B96-444B-6BB0-C4CD-C78622C07EE7}"/>
               </a:ext>
             </a:extLst>
           </p:cNvPr>
@@ -8889,49 +8224,795 @@
             <p:ph idx="1"/>
           </p:nvPr>
         </p:nvSpPr>
-        <p:spPr/>
-        <p:txBody>
-          <a:bodyPr/>
-          <a:lstStyle/>
-          <a:p>
-            <a:endParaRPr lang="en-US"/>
-          </a:p>
-        </p:txBody>
-      </p:sp>
-      <p:pic>
-        <p:nvPicPr>
-          <p:cNvPr id="7" name="Picture 6">
-            <a:extLst>
-              <a:ext uri="{FF2B5EF4-FFF2-40B4-BE49-F238E27FC236}">
-                <a16:creationId xmlns:a16="http://schemas.microsoft.com/office/drawing/2014/main" id="{C8DD43B5-D504-0C72-9FD6-7A58D638F058}"/>
-              </a:ext>
-            </a:extLst>
-          </p:cNvPr>
-          <p:cNvPicPr>
-            <a:picLocks noChangeAspect="1"/>
-          </p:cNvPicPr>
-          <p:nvPr/>
-        </p:nvPicPr>
-        <p:blipFill>
-          <a:blip r:embed="rId2"/>
-          <a:stretch>
-            <a:fillRect/>
-          </a:stretch>
-        </p:blipFill>
         <p:spPr>
           <a:xfrm>
-            <a:off x="157022" y="77572"/>
-            <a:ext cx="11877956" cy="6702856"/>
+            <a:off x="838200" y="1825625"/>
+            <a:ext cx="11353800" cy="4238999"/>
           </a:xfrm>
-          <a:prstGeom prst="rect">
-            <a:avLst/>
-          </a:prstGeom>
         </p:spPr>
-      </p:pic>
+        <p:txBody>
+          <a:bodyPr>
+            <a:normAutofit/>
+          </a:bodyPr>
+          <a:lstStyle/>
+          <a:p>
+            <a:r>
+              <a:rPr lang="en-US" sz="3200" dirty="0" err="1">
+                <a:latin typeface="Arial" panose="020B0604020202020204" pitchFamily="34" charset="0"/>
+                <a:cs typeface="Arial" panose="020B0604020202020204" pitchFamily="34" charset="0"/>
+              </a:rPr>
+              <a:t>Tổng</a:t>
+            </a:r>
+            <a:r>
+              <a:rPr lang="en-US" sz="3200" dirty="0">
+                <a:latin typeface="Arial" panose="020B0604020202020204" pitchFamily="34" charset="0"/>
+                <a:cs typeface="Arial" panose="020B0604020202020204" pitchFamily="34" charset="0"/>
+              </a:rPr>
+              <a:t> </a:t>
+            </a:r>
+            <a:r>
+              <a:rPr lang="en-US" sz="3200" dirty="0" err="1">
+                <a:latin typeface="Arial" panose="020B0604020202020204" pitchFamily="34" charset="0"/>
+                <a:cs typeface="Arial" panose="020B0604020202020204" pitchFamily="34" charset="0"/>
+              </a:rPr>
+              <a:t>doanh</a:t>
+            </a:r>
+            <a:r>
+              <a:rPr lang="en-US" sz="3200" dirty="0">
+                <a:latin typeface="Arial" panose="020B0604020202020204" pitchFamily="34" charset="0"/>
+                <a:cs typeface="Arial" panose="020B0604020202020204" pitchFamily="34" charset="0"/>
+              </a:rPr>
+              <a:t> </a:t>
+            </a:r>
+            <a:r>
+              <a:rPr lang="en-US" sz="3200" dirty="0" err="1">
+                <a:latin typeface="Arial" panose="020B0604020202020204" pitchFamily="34" charset="0"/>
+                <a:cs typeface="Arial" panose="020B0604020202020204" pitchFamily="34" charset="0"/>
+              </a:rPr>
+              <a:t>số</a:t>
+            </a:r>
+            <a:r>
+              <a:rPr lang="en-US" sz="3200" dirty="0">
+                <a:latin typeface="Arial" panose="020B0604020202020204" pitchFamily="34" charset="0"/>
+                <a:cs typeface="Arial" panose="020B0604020202020204" pitchFamily="34" charset="0"/>
+              </a:rPr>
+              <a:t> : </a:t>
+            </a:r>
+            <a:r>
+              <a:rPr lang="en-US" sz="3200" b="1" dirty="0">
+                <a:solidFill>
+                  <a:srgbClr val="FF0000"/>
+                </a:solidFill>
+                <a:latin typeface="Arial" panose="020B0604020202020204" pitchFamily="34" charset="0"/>
+                <a:cs typeface="Arial" panose="020B0604020202020204" pitchFamily="34" charset="0"/>
+              </a:rPr>
+              <a:t>2.6 </a:t>
+            </a:r>
+            <a:r>
+              <a:rPr lang="en-US" sz="3200" b="1" dirty="0" err="1">
+                <a:solidFill>
+                  <a:srgbClr val="FF0000"/>
+                </a:solidFill>
+                <a:latin typeface="Arial" panose="020B0604020202020204" pitchFamily="34" charset="0"/>
+                <a:cs typeface="Arial" panose="020B0604020202020204" pitchFamily="34" charset="0"/>
+              </a:rPr>
+              <a:t>tỷ</a:t>
+            </a:r>
+            <a:r>
+              <a:rPr lang="en-US" sz="3200" b="1" dirty="0">
+                <a:solidFill>
+                  <a:srgbClr val="FF0000"/>
+                </a:solidFill>
+                <a:latin typeface="Arial" panose="020B0604020202020204" pitchFamily="34" charset="0"/>
+                <a:cs typeface="Arial" panose="020B0604020202020204" pitchFamily="34" charset="0"/>
+              </a:rPr>
+              <a:t> </a:t>
+            </a:r>
+            <a:r>
+              <a:rPr lang="en-US" sz="3200" b="1" dirty="0" err="1">
+                <a:solidFill>
+                  <a:srgbClr val="FF0000"/>
+                </a:solidFill>
+                <a:latin typeface="Arial" panose="020B0604020202020204" pitchFamily="34" charset="0"/>
+                <a:cs typeface="Arial" panose="020B0604020202020204" pitchFamily="34" charset="0"/>
+              </a:rPr>
+              <a:t>đồng</a:t>
+            </a:r>
+            <a:r>
+              <a:rPr lang="en-US" sz="3200" b="1" dirty="0">
+                <a:solidFill>
+                  <a:srgbClr val="FF0000"/>
+                </a:solidFill>
+                <a:latin typeface="Arial" panose="020B0604020202020204" pitchFamily="34" charset="0"/>
+                <a:cs typeface="Arial" panose="020B0604020202020204" pitchFamily="34" charset="0"/>
+              </a:rPr>
+              <a:t>; </a:t>
+            </a:r>
+            <a:r>
+              <a:rPr lang="en-US" sz="3200" dirty="0" err="1">
+                <a:latin typeface="Arial" panose="020B0604020202020204" pitchFamily="34" charset="0"/>
+                <a:cs typeface="Arial" panose="020B0604020202020204" pitchFamily="34" charset="0"/>
+              </a:rPr>
+              <a:t>trung</a:t>
+            </a:r>
+            <a:r>
+              <a:rPr lang="en-US" sz="3200" dirty="0">
+                <a:latin typeface="Arial" panose="020B0604020202020204" pitchFamily="34" charset="0"/>
+                <a:cs typeface="Arial" panose="020B0604020202020204" pitchFamily="34" charset="0"/>
+              </a:rPr>
+              <a:t> </a:t>
+            </a:r>
+            <a:r>
+              <a:rPr lang="en-US" sz="3200" dirty="0" err="1">
+                <a:latin typeface="Arial" panose="020B0604020202020204" pitchFamily="34" charset="0"/>
+                <a:cs typeface="Arial" panose="020B0604020202020204" pitchFamily="34" charset="0"/>
+              </a:rPr>
+              <a:t>bình</a:t>
+            </a:r>
+            <a:r>
+              <a:rPr lang="en-US" sz="3200" dirty="0">
+                <a:latin typeface="Arial" panose="020B0604020202020204" pitchFamily="34" charset="0"/>
+                <a:cs typeface="Arial" panose="020B0604020202020204" pitchFamily="34" charset="0"/>
+              </a:rPr>
+              <a:t> </a:t>
+            </a:r>
+            <a:r>
+              <a:rPr lang="en-US" sz="3200" dirty="0" err="1">
+                <a:latin typeface="Arial" panose="020B0604020202020204" pitchFamily="34" charset="0"/>
+                <a:cs typeface="Arial" panose="020B0604020202020204" pitchFamily="34" charset="0"/>
+              </a:rPr>
+              <a:t>hàng</a:t>
+            </a:r>
+            <a:r>
+              <a:rPr lang="en-US" sz="3200" dirty="0">
+                <a:latin typeface="Arial" panose="020B0604020202020204" pitchFamily="34" charset="0"/>
+                <a:cs typeface="Arial" panose="020B0604020202020204" pitchFamily="34" charset="0"/>
+              </a:rPr>
+              <a:t> </a:t>
+            </a:r>
+            <a:r>
+              <a:rPr lang="en-US" sz="3200" dirty="0" err="1">
+                <a:latin typeface="Arial" panose="020B0604020202020204" pitchFamily="34" charset="0"/>
+                <a:cs typeface="Arial" panose="020B0604020202020204" pitchFamily="34" charset="0"/>
+              </a:rPr>
+              <a:t>tháng</a:t>
+            </a:r>
+            <a:r>
+              <a:rPr lang="en-US" sz="3200" dirty="0">
+                <a:latin typeface="Arial" panose="020B0604020202020204" pitchFamily="34" charset="0"/>
+                <a:cs typeface="Arial" panose="020B0604020202020204" pitchFamily="34" charset="0"/>
+              </a:rPr>
+              <a:t> </a:t>
+            </a:r>
+            <a:r>
+              <a:rPr lang="en-US" sz="3200" dirty="0" err="1">
+                <a:latin typeface="Arial" panose="020B0604020202020204" pitchFamily="34" charset="0"/>
+                <a:cs typeface="Arial" panose="020B0604020202020204" pitchFamily="34" charset="0"/>
+              </a:rPr>
+              <a:t>có</a:t>
+            </a:r>
+            <a:r>
+              <a:rPr lang="en-US" sz="3200" dirty="0">
+                <a:latin typeface="Arial" panose="020B0604020202020204" pitchFamily="34" charset="0"/>
+                <a:cs typeface="Arial" panose="020B0604020202020204" pitchFamily="34" charset="0"/>
+              </a:rPr>
+              <a:t> </a:t>
+            </a:r>
+            <a:r>
+              <a:rPr lang="en-US" sz="3200" dirty="0" err="1">
+                <a:latin typeface="Arial" panose="020B0604020202020204" pitchFamily="34" charset="0"/>
+                <a:cs typeface="Arial" panose="020B0604020202020204" pitchFamily="34" charset="0"/>
+              </a:rPr>
+              <a:t>doanh</a:t>
+            </a:r>
+            <a:r>
+              <a:rPr lang="en-US" sz="3200" dirty="0">
+                <a:latin typeface="Arial" panose="020B0604020202020204" pitchFamily="34" charset="0"/>
+                <a:cs typeface="Arial" panose="020B0604020202020204" pitchFamily="34" charset="0"/>
+              </a:rPr>
+              <a:t> </a:t>
+            </a:r>
+            <a:r>
+              <a:rPr lang="en-US" sz="3200" dirty="0" err="1">
+                <a:latin typeface="Arial" panose="020B0604020202020204" pitchFamily="34" charset="0"/>
+                <a:cs typeface="Arial" panose="020B0604020202020204" pitchFamily="34" charset="0"/>
+              </a:rPr>
+              <a:t>số</a:t>
+            </a:r>
+            <a:r>
+              <a:rPr lang="en-US" sz="3200" dirty="0">
+                <a:latin typeface="Arial" panose="020B0604020202020204" pitchFamily="34" charset="0"/>
+                <a:cs typeface="Arial" panose="020B0604020202020204" pitchFamily="34" charset="0"/>
+              </a:rPr>
+              <a:t>: </a:t>
+            </a:r>
+            <a:r>
+              <a:rPr lang="en-US" sz="3200" b="1" dirty="0">
+                <a:solidFill>
+                  <a:srgbClr val="FF0000"/>
+                </a:solidFill>
+                <a:latin typeface="Arial" panose="020B0604020202020204" pitchFamily="34" charset="0"/>
+                <a:cs typeface="Arial" panose="020B0604020202020204" pitchFamily="34" charset="0"/>
+              </a:rPr>
+              <a:t>334 </a:t>
+            </a:r>
+            <a:r>
+              <a:rPr lang="en-US" sz="3200" b="1" dirty="0" err="1">
+                <a:solidFill>
+                  <a:srgbClr val="FF0000"/>
+                </a:solidFill>
+                <a:latin typeface="Arial" panose="020B0604020202020204" pitchFamily="34" charset="0"/>
+                <a:cs typeface="Arial" panose="020B0604020202020204" pitchFamily="34" charset="0"/>
+              </a:rPr>
+              <a:t>triệu</a:t>
+            </a:r>
+            <a:r>
+              <a:rPr lang="en-US" sz="3200" b="1" dirty="0">
+                <a:solidFill>
+                  <a:srgbClr val="FF0000"/>
+                </a:solidFill>
+                <a:latin typeface="Arial" panose="020B0604020202020204" pitchFamily="34" charset="0"/>
+                <a:cs typeface="Arial" panose="020B0604020202020204" pitchFamily="34" charset="0"/>
+              </a:rPr>
+              <a:t> </a:t>
+            </a:r>
+            <a:r>
+              <a:rPr lang="en-US" sz="3200" b="1" dirty="0" err="1">
+                <a:solidFill>
+                  <a:srgbClr val="FF0000"/>
+                </a:solidFill>
+                <a:latin typeface="Arial" panose="020B0604020202020204" pitchFamily="34" charset="0"/>
+                <a:cs typeface="Arial" panose="020B0604020202020204" pitchFamily="34" charset="0"/>
+              </a:rPr>
+              <a:t>đồng</a:t>
+            </a:r>
+            <a:r>
+              <a:rPr lang="en-US" sz="3200" dirty="0">
+                <a:latin typeface="Arial" panose="020B0604020202020204" pitchFamily="34" charset="0"/>
+                <a:cs typeface="Arial" panose="020B0604020202020204" pitchFamily="34" charset="0"/>
+              </a:rPr>
+              <a:t>. </a:t>
+            </a:r>
+          </a:p>
+          <a:p>
+            <a:r>
+              <a:rPr lang="en-US" sz="3200" dirty="0" err="1">
+                <a:latin typeface="Arial" panose="020B0604020202020204" pitchFamily="34" charset="0"/>
+                <a:cs typeface="Arial" panose="020B0604020202020204" pitchFamily="34" charset="0"/>
+              </a:rPr>
+              <a:t>Tháng</a:t>
+            </a:r>
+            <a:r>
+              <a:rPr lang="en-US" sz="3200" dirty="0">
+                <a:latin typeface="Arial" panose="020B0604020202020204" pitchFamily="34" charset="0"/>
+                <a:cs typeface="Arial" panose="020B0604020202020204" pitchFamily="34" charset="0"/>
+              </a:rPr>
+              <a:t> 2, 5, 7 </a:t>
+            </a:r>
+            <a:r>
+              <a:rPr lang="en-US" sz="3200" dirty="0" err="1">
+                <a:latin typeface="Arial" panose="020B0604020202020204" pitchFamily="34" charset="0"/>
+                <a:cs typeface="Arial" panose="020B0604020202020204" pitchFamily="34" charset="0"/>
+              </a:rPr>
+              <a:t>là</a:t>
+            </a:r>
+            <a:r>
+              <a:rPr lang="en-US" sz="3200" dirty="0">
+                <a:latin typeface="Arial" panose="020B0604020202020204" pitchFamily="34" charset="0"/>
+                <a:cs typeface="Arial" panose="020B0604020202020204" pitchFamily="34" charset="0"/>
+              </a:rPr>
+              <a:t> </a:t>
+            </a:r>
+            <a:r>
+              <a:rPr lang="en-US" sz="3200" dirty="0" err="1">
+                <a:latin typeface="Arial" panose="020B0604020202020204" pitchFamily="34" charset="0"/>
+                <a:cs typeface="Arial" panose="020B0604020202020204" pitchFamily="34" charset="0"/>
+              </a:rPr>
+              <a:t>các</a:t>
+            </a:r>
+            <a:r>
+              <a:rPr lang="en-US" sz="3200" dirty="0">
+                <a:latin typeface="Arial" panose="020B0604020202020204" pitchFamily="34" charset="0"/>
+                <a:cs typeface="Arial" panose="020B0604020202020204" pitchFamily="34" charset="0"/>
+              </a:rPr>
+              <a:t> </a:t>
+            </a:r>
+            <a:r>
+              <a:rPr lang="en-US" sz="3200" dirty="0" err="1">
+                <a:latin typeface="Arial" panose="020B0604020202020204" pitchFamily="34" charset="0"/>
+                <a:cs typeface="Arial" panose="020B0604020202020204" pitchFamily="34" charset="0"/>
+              </a:rPr>
+              <a:t>tháng</a:t>
+            </a:r>
+            <a:r>
+              <a:rPr lang="en-US" sz="3200" dirty="0">
+                <a:latin typeface="Arial" panose="020B0604020202020204" pitchFamily="34" charset="0"/>
+                <a:cs typeface="Arial" panose="020B0604020202020204" pitchFamily="34" charset="0"/>
+              </a:rPr>
+              <a:t> </a:t>
+            </a:r>
+            <a:r>
+              <a:rPr lang="en-US" sz="3200" dirty="0" err="1">
+                <a:latin typeface="Arial" panose="020B0604020202020204" pitchFamily="34" charset="0"/>
+                <a:cs typeface="Arial" panose="020B0604020202020204" pitchFamily="34" charset="0"/>
+              </a:rPr>
+              <a:t>có</a:t>
+            </a:r>
+            <a:r>
+              <a:rPr lang="en-US" sz="3200" dirty="0">
+                <a:latin typeface="Arial" panose="020B0604020202020204" pitchFamily="34" charset="0"/>
+                <a:cs typeface="Arial" panose="020B0604020202020204" pitchFamily="34" charset="0"/>
+              </a:rPr>
+              <a:t> </a:t>
+            </a:r>
+            <a:r>
+              <a:rPr lang="en-US" sz="3200" dirty="0" err="1">
+                <a:latin typeface="Arial" panose="020B0604020202020204" pitchFamily="34" charset="0"/>
+                <a:cs typeface="Arial" panose="020B0604020202020204" pitchFamily="34" charset="0"/>
+              </a:rPr>
+              <a:t>biến</a:t>
+            </a:r>
+            <a:r>
+              <a:rPr lang="en-US" sz="3200" dirty="0">
+                <a:latin typeface="Arial" panose="020B0604020202020204" pitchFamily="34" charset="0"/>
+                <a:cs typeface="Arial" panose="020B0604020202020204" pitchFamily="34" charset="0"/>
+              </a:rPr>
+              <a:t> </a:t>
+            </a:r>
+            <a:r>
+              <a:rPr lang="en-US" sz="3200" dirty="0" err="1">
+                <a:latin typeface="Arial" panose="020B0604020202020204" pitchFamily="34" charset="0"/>
+                <a:cs typeface="Arial" panose="020B0604020202020204" pitchFamily="34" charset="0"/>
+              </a:rPr>
+              <a:t>động</a:t>
+            </a:r>
+            <a:r>
+              <a:rPr lang="en-US" sz="3200" dirty="0">
+                <a:latin typeface="Arial" panose="020B0604020202020204" pitchFamily="34" charset="0"/>
+                <a:cs typeface="Arial" panose="020B0604020202020204" pitchFamily="34" charset="0"/>
+              </a:rPr>
+              <a:t> </a:t>
+            </a:r>
+            <a:r>
+              <a:rPr lang="en-US" sz="3200" dirty="0" err="1">
+                <a:latin typeface="Arial" panose="020B0604020202020204" pitchFamily="34" charset="0"/>
+                <a:cs typeface="Arial" panose="020B0604020202020204" pitchFamily="34" charset="0"/>
+              </a:rPr>
+              <a:t>doanh</a:t>
+            </a:r>
+            <a:r>
+              <a:rPr lang="en-US" sz="3200" dirty="0">
+                <a:latin typeface="Arial" panose="020B0604020202020204" pitchFamily="34" charset="0"/>
+                <a:cs typeface="Arial" panose="020B0604020202020204" pitchFamily="34" charset="0"/>
+              </a:rPr>
+              <a:t> </a:t>
+            </a:r>
+            <a:r>
+              <a:rPr lang="en-US" sz="3200" dirty="0" err="1">
+                <a:latin typeface="Arial" panose="020B0604020202020204" pitchFamily="34" charset="0"/>
+                <a:cs typeface="Arial" panose="020B0604020202020204" pitchFamily="34" charset="0"/>
+              </a:rPr>
+              <a:t>số</a:t>
+            </a:r>
+            <a:r>
+              <a:rPr lang="en-US" sz="3200" dirty="0">
+                <a:latin typeface="Arial" panose="020B0604020202020204" pitchFamily="34" charset="0"/>
+                <a:cs typeface="Arial" panose="020B0604020202020204" pitchFamily="34" charset="0"/>
+              </a:rPr>
+              <a:t> </a:t>
+            </a:r>
+            <a:r>
+              <a:rPr lang="en-US" sz="3200" dirty="0" err="1">
+                <a:latin typeface="Arial" panose="020B0604020202020204" pitchFamily="34" charset="0"/>
+                <a:cs typeface="Arial" panose="020B0604020202020204" pitchFamily="34" charset="0"/>
+              </a:rPr>
+              <a:t>lớn</a:t>
+            </a:r>
+            <a:r>
+              <a:rPr lang="en-US" sz="3200" dirty="0">
+                <a:latin typeface="Arial" panose="020B0604020202020204" pitchFamily="34" charset="0"/>
+                <a:cs typeface="Arial" panose="020B0604020202020204" pitchFamily="34" charset="0"/>
+              </a:rPr>
+              <a:t> </a:t>
+            </a:r>
+            <a:r>
+              <a:rPr lang="en-US" sz="3200" dirty="0" err="1">
+                <a:latin typeface="Arial" panose="020B0604020202020204" pitchFamily="34" charset="0"/>
+                <a:cs typeface="Arial" panose="020B0604020202020204" pitchFamily="34" charset="0"/>
+              </a:rPr>
+              <a:t>nhất</a:t>
+            </a:r>
+            <a:endParaRPr lang="en-US" sz="3200" dirty="0">
+              <a:latin typeface="Arial" panose="020B0604020202020204" pitchFamily="34" charset="0"/>
+              <a:cs typeface="Arial" panose="020B0604020202020204" pitchFamily="34" charset="0"/>
+            </a:endParaRPr>
+          </a:p>
+          <a:p>
+            <a:r>
+              <a:rPr lang="en-US" sz="3200" dirty="0" err="1">
+                <a:latin typeface="Arial" panose="020B0604020202020204" pitchFamily="34" charset="0"/>
+                <a:cs typeface="Arial" panose="020B0604020202020204" pitchFamily="34" charset="0"/>
+              </a:rPr>
+              <a:t>Nhóm</a:t>
+            </a:r>
+            <a:r>
+              <a:rPr lang="en-US" sz="3200" dirty="0">
+                <a:latin typeface="Arial" panose="020B0604020202020204" pitchFamily="34" charset="0"/>
+                <a:cs typeface="Arial" panose="020B0604020202020204" pitchFamily="34" charset="0"/>
+              </a:rPr>
+              <a:t> </a:t>
+            </a:r>
+            <a:r>
+              <a:rPr lang="en-US" sz="3200" dirty="0" err="1">
+                <a:latin typeface="Arial" panose="020B0604020202020204" pitchFamily="34" charset="0"/>
+                <a:cs typeface="Arial" panose="020B0604020202020204" pitchFamily="34" charset="0"/>
+              </a:rPr>
+              <a:t>sản</a:t>
+            </a:r>
+            <a:r>
+              <a:rPr lang="en-US" sz="3200" dirty="0">
+                <a:latin typeface="Arial" panose="020B0604020202020204" pitchFamily="34" charset="0"/>
+                <a:cs typeface="Arial" panose="020B0604020202020204" pitchFamily="34" charset="0"/>
+              </a:rPr>
+              <a:t> </a:t>
+            </a:r>
+            <a:r>
+              <a:rPr lang="en-US" sz="3200" dirty="0" err="1">
+                <a:latin typeface="Arial" panose="020B0604020202020204" pitchFamily="34" charset="0"/>
+                <a:cs typeface="Arial" panose="020B0604020202020204" pitchFamily="34" charset="0"/>
+              </a:rPr>
+              <a:t>phẩm</a:t>
+            </a:r>
+            <a:r>
+              <a:rPr lang="en-US" sz="3200" dirty="0">
+                <a:latin typeface="Arial" panose="020B0604020202020204" pitchFamily="34" charset="0"/>
+                <a:cs typeface="Arial" panose="020B0604020202020204" pitchFamily="34" charset="0"/>
+              </a:rPr>
+              <a:t>: </a:t>
+            </a:r>
+          </a:p>
+          <a:p>
+            <a:pPr lvl="1"/>
+            <a:r>
+              <a:rPr lang="en-US" sz="2800" dirty="0" err="1">
+                <a:latin typeface="Arial" panose="020B0604020202020204" pitchFamily="34" charset="0"/>
+                <a:cs typeface="Arial" panose="020B0604020202020204" pitchFamily="34" charset="0"/>
+              </a:rPr>
+              <a:t>Giảm</a:t>
+            </a:r>
+            <a:r>
+              <a:rPr lang="en-US" sz="2800" dirty="0">
+                <a:latin typeface="Arial" panose="020B0604020202020204" pitchFamily="34" charset="0"/>
+                <a:cs typeface="Arial" panose="020B0604020202020204" pitchFamily="34" charset="0"/>
+              </a:rPr>
+              <a:t> </a:t>
+            </a:r>
+            <a:r>
+              <a:rPr lang="en-US" sz="2800" dirty="0" err="1">
+                <a:latin typeface="Arial" panose="020B0604020202020204" pitchFamily="34" charset="0"/>
+                <a:cs typeface="Arial" panose="020B0604020202020204" pitchFamily="34" charset="0"/>
+              </a:rPr>
+              <a:t>sốc</a:t>
+            </a:r>
+            <a:r>
+              <a:rPr lang="en-US" sz="2800" dirty="0">
+                <a:latin typeface="Arial" panose="020B0604020202020204" pitchFamily="34" charset="0"/>
+                <a:cs typeface="Arial" panose="020B0604020202020204" pitchFamily="34" charset="0"/>
+              </a:rPr>
+              <a:t> </a:t>
+            </a:r>
+            <a:r>
+              <a:rPr lang="en-US" sz="2800" dirty="0" err="1">
+                <a:latin typeface="Arial" panose="020B0604020202020204" pitchFamily="34" charset="0"/>
+                <a:cs typeface="Arial" panose="020B0604020202020204" pitchFamily="34" charset="0"/>
+              </a:rPr>
+              <a:t>có</a:t>
+            </a:r>
+            <a:r>
+              <a:rPr lang="en-US" sz="2800" dirty="0">
+                <a:latin typeface="Arial" panose="020B0604020202020204" pitchFamily="34" charset="0"/>
+                <a:cs typeface="Arial" panose="020B0604020202020204" pitchFamily="34" charset="0"/>
+              </a:rPr>
+              <a:t> </a:t>
+            </a:r>
+            <a:r>
+              <a:rPr lang="en-US" sz="2800" dirty="0" err="1">
+                <a:latin typeface="Arial" panose="020B0604020202020204" pitchFamily="34" charset="0"/>
+                <a:cs typeface="Arial" panose="020B0604020202020204" pitchFamily="34" charset="0"/>
+              </a:rPr>
+              <a:t>biến</a:t>
+            </a:r>
+            <a:r>
+              <a:rPr lang="en-US" sz="2800" dirty="0">
+                <a:latin typeface="Arial" panose="020B0604020202020204" pitchFamily="34" charset="0"/>
+                <a:cs typeface="Arial" panose="020B0604020202020204" pitchFamily="34" charset="0"/>
+              </a:rPr>
+              <a:t> </a:t>
+            </a:r>
+            <a:r>
+              <a:rPr lang="en-US" sz="2800" dirty="0" err="1">
+                <a:latin typeface="Arial" panose="020B0604020202020204" pitchFamily="34" charset="0"/>
+                <a:cs typeface="Arial" panose="020B0604020202020204" pitchFamily="34" charset="0"/>
+              </a:rPr>
+              <a:t>động</a:t>
+            </a:r>
+            <a:r>
+              <a:rPr lang="en-US" sz="2800" dirty="0">
+                <a:latin typeface="Arial" panose="020B0604020202020204" pitchFamily="34" charset="0"/>
+                <a:cs typeface="Arial" panose="020B0604020202020204" pitchFamily="34" charset="0"/>
+              </a:rPr>
+              <a:t> </a:t>
+            </a:r>
+            <a:r>
+              <a:rPr lang="en-US" sz="2800" dirty="0" err="1">
+                <a:latin typeface="Arial" panose="020B0604020202020204" pitchFamily="34" charset="0"/>
+                <a:cs typeface="Arial" panose="020B0604020202020204" pitchFamily="34" charset="0"/>
+              </a:rPr>
+              <a:t>doanh</a:t>
+            </a:r>
+            <a:r>
+              <a:rPr lang="en-US" sz="2800" dirty="0">
+                <a:latin typeface="Arial" panose="020B0604020202020204" pitchFamily="34" charset="0"/>
+                <a:cs typeface="Arial" panose="020B0604020202020204" pitchFamily="34" charset="0"/>
+              </a:rPr>
+              <a:t> </a:t>
+            </a:r>
+            <a:r>
+              <a:rPr lang="en-US" sz="2800" dirty="0" err="1">
+                <a:latin typeface="Arial" panose="020B0604020202020204" pitchFamily="34" charset="0"/>
+                <a:cs typeface="Arial" panose="020B0604020202020204" pitchFamily="34" charset="0"/>
+              </a:rPr>
+              <a:t>thu</a:t>
+            </a:r>
+            <a:r>
+              <a:rPr lang="en-US" sz="2800" dirty="0">
+                <a:latin typeface="Arial" panose="020B0604020202020204" pitchFamily="34" charset="0"/>
+                <a:cs typeface="Arial" panose="020B0604020202020204" pitchFamily="34" charset="0"/>
+              </a:rPr>
+              <a:t> </a:t>
+            </a:r>
+            <a:r>
+              <a:rPr lang="en-US" sz="2800" dirty="0" err="1">
+                <a:latin typeface="Arial" panose="020B0604020202020204" pitchFamily="34" charset="0"/>
+                <a:cs typeface="Arial" panose="020B0604020202020204" pitchFamily="34" charset="0"/>
+              </a:rPr>
+              <a:t>tháng</a:t>
+            </a:r>
+            <a:r>
+              <a:rPr lang="en-US" sz="2800" dirty="0">
+                <a:latin typeface="Arial" panose="020B0604020202020204" pitchFamily="34" charset="0"/>
+                <a:cs typeface="Arial" panose="020B0604020202020204" pitchFamily="34" charset="0"/>
+              </a:rPr>
+              <a:t> 5 </a:t>
+            </a:r>
+            <a:r>
+              <a:rPr lang="en-US" sz="2800" dirty="0" err="1">
+                <a:latin typeface="Arial" panose="020B0604020202020204" pitchFamily="34" charset="0"/>
+                <a:cs typeface="Arial" panose="020B0604020202020204" pitchFamily="34" charset="0"/>
+              </a:rPr>
+              <a:t>lớn</a:t>
+            </a:r>
+            <a:r>
+              <a:rPr lang="en-US" sz="2800" dirty="0">
+                <a:latin typeface="Arial" panose="020B0604020202020204" pitchFamily="34" charset="0"/>
+                <a:cs typeface="Arial" panose="020B0604020202020204" pitchFamily="34" charset="0"/>
+              </a:rPr>
+              <a:t> </a:t>
+            </a:r>
+            <a:r>
+              <a:rPr lang="en-US" sz="2800" dirty="0" err="1">
+                <a:latin typeface="Arial" panose="020B0604020202020204" pitchFamily="34" charset="0"/>
+                <a:cs typeface="Arial" panose="020B0604020202020204" pitchFamily="34" charset="0"/>
+              </a:rPr>
+              <a:t>nhất</a:t>
+            </a:r>
+            <a:r>
+              <a:rPr lang="en-US" sz="2800" dirty="0">
+                <a:latin typeface="Arial" panose="020B0604020202020204" pitchFamily="34" charset="0"/>
+                <a:cs typeface="Arial" panose="020B0604020202020204" pitchFamily="34" charset="0"/>
+              </a:rPr>
+              <a:t> </a:t>
+            </a:r>
+            <a:r>
+              <a:rPr lang="en-US" sz="2800" dirty="0" err="1">
+                <a:latin typeface="Arial" panose="020B0604020202020204" pitchFamily="34" charset="0"/>
+                <a:cs typeface="Arial" panose="020B0604020202020204" pitchFamily="34" charset="0"/>
+              </a:rPr>
+              <a:t>là</a:t>
+            </a:r>
+            <a:r>
+              <a:rPr lang="en-US" sz="2800" dirty="0">
+                <a:latin typeface="Arial" panose="020B0604020202020204" pitchFamily="34" charset="0"/>
+                <a:cs typeface="Arial" panose="020B0604020202020204" pitchFamily="34" charset="0"/>
+              </a:rPr>
+              <a:t> 121 </a:t>
+            </a:r>
+            <a:r>
+              <a:rPr lang="en-US" sz="2800" dirty="0" err="1">
+                <a:latin typeface="Arial" panose="020B0604020202020204" pitchFamily="34" charset="0"/>
+                <a:cs typeface="Arial" panose="020B0604020202020204" pitchFamily="34" charset="0"/>
+              </a:rPr>
+              <a:t>triệu</a:t>
+            </a:r>
+            <a:endParaRPr lang="en-US" sz="2800" dirty="0">
+              <a:latin typeface="Arial" panose="020B0604020202020204" pitchFamily="34" charset="0"/>
+              <a:cs typeface="Arial" panose="020B0604020202020204" pitchFamily="34" charset="0"/>
+            </a:endParaRPr>
+          </a:p>
+          <a:p>
+            <a:pPr lvl="1"/>
+            <a:r>
+              <a:rPr lang="en-US" sz="2800" dirty="0" err="1">
+                <a:latin typeface="Arial" panose="020B0604020202020204" pitchFamily="34" charset="0"/>
+                <a:cs typeface="Arial" panose="020B0604020202020204" pitchFamily="34" charset="0"/>
+              </a:rPr>
+              <a:t>Diacon</a:t>
+            </a:r>
+            <a:r>
+              <a:rPr lang="en-US" sz="2800" dirty="0">
+                <a:latin typeface="Arial" panose="020B0604020202020204" pitchFamily="34" charset="0"/>
+                <a:cs typeface="Arial" panose="020B0604020202020204" pitchFamily="34" charset="0"/>
+              </a:rPr>
+              <a:t> </a:t>
+            </a:r>
+            <a:r>
+              <a:rPr lang="en-US" sz="2800" dirty="0" err="1">
+                <a:latin typeface="Arial" panose="020B0604020202020204" pitchFamily="34" charset="0"/>
+                <a:cs typeface="Arial" panose="020B0604020202020204" pitchFamily="34" charset="0"/>
+              </a:rPr>
+              <a:t>có</a:t>
+            </a:r>
+            <a:r>
+              <a:rPr lang="en-US" sz="2800" dirty="0">
+                <a:latin typeface="Arial" panose="020B0604020202020204" pitchFamily="34" charset="0"/>
+                <a:cs typeface="Arial" panose="020B0604020202020204" pitchFamily="34" charset="0"/>
+              </a:rPr>
+              <a:t> </a:t>
+            </a:r>
+            <a:r>
+              <a:rPr lang="en-US" sz="2800" dirty="0" err="1">
+                <a:latin typeface="Arial" panose="020B0604020202020204" pitchFamily="34" charset="0"/>
+                <a:cs typeface="Arial" panose="020B0604020202020204" pitchFamily="34" charset="0"/>
+              </a:rPr>
+              <a:t>biến</a:t>
+            </a:r>
+            <a:r>
+              <a:rPr lang="en-US" sz="2800" dirty="0">
+                <a:latin typeface="Arial" panose="020B0604020202020204" pitchFamily="34" charset="0"/>
+                <a:cs typeface="Arial" panose="020B0604020202020204" pitchFamily="34" charset="0"/>
+              </a:rPr>
+              <a:t> </a:t>
+            </a:r>
+            <a:r>
+              <a:rPr lang="en-US" sz="2800" dirty="0" err="1">
+                <a:latin typeface="Arial" panose="020B0604020202020204" pitchFamily="34" charset="0"/>
+                <a:cs typeface="Arial" panose="020B0604020202020204" pitchFamily="34" charset="0"/>
+              </a:rPr>
+              <a:t>động</a:t>
+            </a:r>
+            <a:r>
+              <a:rPr lang="en-US" sz="2800" dirty="0">
+                <a:latin typeface="Arial" panose="020B0604020202020204" pitchFamily="34" charset="0"/>
+                <a:cs typeface="Arial" panose="020B0604020202020204" pitchFamily="34" charset="0"/>
+              </a:rPr>
+              <a:t> </a:t>
+            </a:r>
+            <a:r>
+              <a:rPr lang="en-US" sz="2800" dirty="0" err="1">
+                <a:latin typeface="Arial" panose="020B0604020202020204" pitchFamily="34" charset="0"/>
+                <a:cs typeface="Arial" panose="020B0604020202020204" pitchFamily="34" charset="0"/>
+              </a:rPr>
+              <a:t>doanh</a:t>
+            </a:r>
+            <a:r>
+              <a:rPr lang="en-US" sz="2800" dirty="0">
+                <a:latin typeface="Arial" panose="020B0604020202020204" pitchFamily="34" charset="0"/>
+                <a:cs typeface="Arial" panose="020B0604020202020204" pitchFamily="34" charset="0"/>
+              </a:rPr>
+              <a:t> </a:t>
+            </a:r>
+            <a:r>
+              <a:rPr lang="en-US" sz="2800" dirty="0" err="1">
+                <a:latin typeface="Arial" panose="020B0604020202020204" pitchFamily="34" charset="0"/>
+                <a:cs typeface="Arial" panose="020B0604020202020204" pitchFamily="34" charset="0"/>
+              </a:rPr>
+              <a:t>số</a:t>
+            </a:r>
+            <a:r>
+              <a:rPr lang="en-US" sz="2800" dirty="0">
+                <a:latin typeface="Arial" panose="020B0604020202020204" pitchFamily="34" charset="0"/>
+                <a:cs typeface="Arial" panose="020B0604020202020204" pitchFamily="34" charset="0"/>
+              </a:rPr>
+              <a:t> </a:t>
+            </a:r>
+            <a:r>
+              <a:rPr lang="en-US" sz="2800" dirty="0" err="1">
+                <a:latin typeface="Arial" panose="020B0604020202020204" pitchFamily="34" charset="0"/>
+                <a:cs typeface="Arial" panose="020B0604020202020204" pitchFamily="34" charset="0"/>
+              </a:rPr>
+              <a:t>tháng</a:t>
+            </a:r>
+            <a:r>
+              <a:rPr lang="en-US" sz="2800" dirty="0">
+                <a:latin typeface="Arial" panose="020B0604020202020204" pitchFamily="34" charset="0"/>
+                <a:cs typeface="Arial" panose="020B0604020202020204" pitchFamily="34" charset="0"/>
+              </a:rPr>
+              <a:t> 7 </a:t>
+            </a:r>
+            <a:r>
+              <a:rPr lang="en-US" sz="2800" dirty="0" err="1">
+                <a:latin typeface="Arial" panose="020B0604020202020204" pitchFamily="34" charset="0"/>
+                <a:cs typeface="Arial" panose="020B0604020202020204" pitchFamily="34" charset="0"/>
+              </a:rPr>
+              <a:t>là</a:t>
+            </a:r>
+            <a:r>
+              <a:rPr lang="en-US" sz="2800" dirty="0">
+                <a:latin typeface="Arial" panose="020B0604020202020204" pitchFamily="34" charset="0"/>
+                <a:cs typeface="Arial" panose="020B0604020202020204" pitchFamily="34" charset="0"/>
+              </a:rPr>
+              <a:t> </a:t>
+            </a:r>
+            <a:r>
+              <a:rPr lang="en-US" sz="2800" dirty="0" err="1">
+                <a:latin typeface="Arial" panose="020B0604020202020204" pitchFamily="34" charset="0"/>
+                <a:cs typeface="Arial" panose="020B0604020202020204" pitchFamily="34" charset="0"/>
+              </a:rPr>
+              <a:t>lớn</a:t>
+            </a:r>
+            <a:r>
+              <a:rPr lang="en-US" sz="2800" dirty="0">
+                <a:latin typeface="Arial" panose="020B0604020202020204" pitchFamily="34" charset="0"/>
+                <a:cs typeface="Arial" panose="020B0604020202020204" pitchFamily="34" charset="0"/>
+              </a:rPr>
+              <a:t> </a:t>
+            </a:r>
+            <a:r>
+              <a:rPr lang="en-US" sz="2800" dirty="0" err="1">
+                <a:latin typeface="Arial" panose="020B0604020202020204" pitchFamily="34" charset="0"/>
+                <a:cs typeface="Arial" panose="020B0604020202020204" pitchFamily="34" charset="0"/>
+              </a:rPr>
+              <a:t>nhất</a:t>
+            </a:r>
+            <a:r>
+              <a:rPr lang="en-US" sz="2800" dirty="0">
+                <a:latin typeface="Arial" panose="020B0604020202020204" pitchFamily="34" charset="0"/>
+                <a:cs typeface="Arial" panose="020B0604020202020204" pitchFamily="34" charset="0"/>
+              </a:rPr>
+              <a:t> 108 </a:t>
+            </a:r>
+            <a:r>
+              <a:rPr lang="en-US" sz="2800" dirty="0" err="1">
+                <a:latin typeface="Arial" panose="020B0604020202020204" pitchFamily="34" charset="0"/>
+                <a:cs typeface="Arial" panose="020B0604020202020204" pitchFamily="34" charset="0"/>
+              </a:rPr>
+              <a:t>triệu</a:t>
+            </a:r>
+            <a:endParaRPr lang="en-US" sz="2800" dirty="0">
+              <a:latin typeface="Arial" panose="020B0604020202020204" pitchFamily="34" charset="0"/>
+              <a:cs typeface="Arial" panose="020B0604020202020204" pitchFamily="34" charset="0"/>
+            </a:endParaRPr>
+          </a:p>
+          <a:p>
+            <a:pPr lvl="1"/>
+            <a:endParaRPr lang="en-US" sz="2800" dirty="0">
+              <a:latin typeface="Arial" panose="020B0604020202020204" pitchFamily="34" charset="0"/>
+              <a:cs typeface="Arial" panose="020B0604020202020204" pitchFamily="34" charset="0"/>
+            </a:endParaRPr>
+          </a:p>
+          <a:p>
+            <a:pPr lvl="1"/>
+            <a:endParaRPr lang="en-US" sz="2800" dirty="0">
+              <a:latin typeface="Arial" panose="020B0604020202020204" pitchFamily="34" charset="0"/>
+              <a:cs typeface="Arial" panose="020B0604020202020204" pitchFamily="34" charset="0"/>
+            </a:endParaRPr>
+          </a:p>
+        </p:txBody>
+      </p:sp>
     </p:spTree>
     <p:extLst>
       <p:ext uri="{BB962C8B-B14F-4D97-AF65-F5344CB8AC3E}">
-        <p14:creationId xmlns:p14="http://schemas.microsoft.com/office/powerpoint/2010/main" val="1138841691"/>
+        <p14:creationId xmlns:p14="http://schemas.microsoft.com/office/powerpoint/2010/main" val="3818609208"/>
       </p:ext>
     </p:extLst>
   </p:cSld>
